--- a/Documentacao/Sprint1 - TI2_G4.pptx
+++ b/Documentacao/Sprint1 - TI2_G4.pptx
@@ -19,7 +19,7 @@
     <p:sldId id="263" r:id="rId14"/>
   </p:sldIdLst>
   <p:sldSz cx="9144000" cy="5143500"/>
-  <p:notesSz cx="6858000" cy="9144000"/>
+  <p:notesSz cx="7772400" cy="10058400"/>
 </p:presentation>
 </file>
 
@@ -64,7 +64,7 @@
       </p:grpSpPr>
       <p:sp>
         <p:nvSpPr>
-          <p:cNvPr id="30" name="PlaceHolder 1"/>
+          <p:cNvPr id="29" name="PlaceHolder 1"/>
           <p:cNvSpPr>
             <a:spLocks noGrp="1"/>
           </p:cNvSpPr>
@@ -74,8 +74,8 @@
         </p:nvSpPr>
         <p:spPr>
           <a:xfrm>
-            <a:off x="823680" y="2053080"/>
-            <a:ext cx="4586760" cy="1148400"/>
+            <a:off x="457200" y="205200"/>
+            <a:ext cx="8229240" cy="858600"/>
           </a:xfrm>
           <a:prstGeom prst="rect">
             <a:avLst/>
@@ -90,18 +90,16 @@
             <a:noAutofit/>
           </a:bodyPr>
           <a:p>
-            <a:endParaRPr b="0" lang="en-IN" sz="1400" spc="-1" strike="noStrike">
-              <a:solidFill>
-                <a:srgbClr val="000000"/>
-              </a:solidFill>
-              <a:latin typeface="Arial"/>
-            </a:endParaRPr>
-          </a:p>
-        </p:txBody>
-      </p:sp>
-      <p:sp>
-        <p:nvSpPr>
-          <p:cNvPr id="31" name="PlaceHolder 2"/>
+            <a:pPr algn="ctr"/>
+            <a:endParaRPr b="0" lang="en-IN" sz="4400" spc="-1" strike="noStrike">
+              <a:latin typeface="Arial"/>
+            </a:endParaRPr>
+          </a:p>
+        </p:txBody>
+      </p:sp>
+      <p:sp>
+        <p:nvSpPr>
+          <p:cNvPr id="30" name="PlaceHolder 2"/>
           <p:cNvSpPr>
             <a:spLocks noGrp="1"/>
           </p:cNvSpPr>
@@ -127,18 +125,15 @@
             <a:normAutofit/>
           </a:bodyPr>
           <a:p>
-            <a:endParaRPr b="0" lang="en-IN" sz="1400" spc="-1" strike="noStrike">
-              <a:solidFill>
-                <a:srgbClr val="000000"/>
-              </a:solidFill>
-              <a:latin typeface="Arial"/>
-            </a:endParaRPr>
-          </a:p>
-        </p:txBody>
-      </p:sp>
-      <p:sp>
-        <p:nvSpPr>
-          <p:cNvPr id="32" name="PlaceHolder 3"/>
+            <a:endParaRPr b="0" lang="en-IN" sz="3200" spc="-1" strike="noStrike">
+              <a:latin typeface="Arial"/>
+            </a:endParaRPr>
+          </a:p>
+        </p:txBody>
+      </p:sp>
+      <p:sp>
+        <p:nvSpPr>
+          <p:cNvPr id="31" name="PlaceHolder 3"/>
           <p:cNvSpPr>
             <a:spLocks noGrp="1"/>
           </p:cNvSpPr>
@@ -164,10 +159,7 @@
             <a:normAutofit/>
           </a:bodyPr>
           <a:p>
-            <a:endParaRPr b="0" lang="en-IN" sz="1400" spc="-1" strike="noStrike">
-              <a:solidFill>
-                <a:srgbClr val="000000"/>
-              </a:solidFill>
+            <a:endParaRPr b="0" lang="en-IN" sz="3200" spc="-1" strike="noStrike">
               <a:latin typeface="Arial"/>
             </a:endParaRPr>
           </a:p>
@@ -197,7 +189,7 @@
       </p:grpSpPr>
       <p:sp>
         <p:nvSpPr>
-          <p:cNvPr id="33" name="PlaceHolder 1"/>
+          <p:cNvPr id="32" name="PlaceHolder 1"/>
           <p:cNvSpPr>
             <a:spLocks noGrp="1"/>
           </p:cNvSpPr>
@@ -207,8 +199,8 @@
         </p:nvSpPr>
         <p:spPr>
           <a:xfrm>
-            <a:off x="823680" y="2053080"/>
-            <a:ext cx="4586760" cy="1148400"/>
+            <a:off x="457200" y="205200"/>
+            <a:ext cx="8229240" cy="858600"/>
           </a:xfrm>
           <a:prstGeom prst="rect">
             <a:avLst/>
@@ -223,18 +215,16 @@
             <a:noAutofit/>
           </a:bodyPr>
           <a:p>
-            <a:endParaRPr b="0" lang="en-IN" sz="1400" spc="-1" strike="noStrike">
-              <a:solidFill>
-                <a:srgbClr val="000000"/>
-              </a:solidFill>
-              <a:latin typeface="Arial"/>
-            </a:endParaRPr>
-          </a:p>
-        </p:txBody>
-      </p:sp>
-      <p:sp>
-        <p:nvSpPr>
-          <p:cNvPr id="34" name="PlaceHolder 2"/>
+            <a:pPr algn="ctr"/>
+            <a:endParaRPr b="0" lang="en-IN" sz="4400" spc="-1" strike="noStrike">
+              <a:latin typeface="Arial"/>
+            </a:endParaRPr>
+          </a:p>
+        </p:txBody>
+      </p:sp>
+      <p:sp>
+        <p:nvSpPr>
+          <p:cNvPr id="33" name="PlaceHolder 2"/>
           <p:cNvSpPr>
             <a:spLocks noGrp="1"/>
           </p:cNvSpPr>
@@ -260,18 +250,15 @@
             <a:normAutofit/>
           </a:bodyPr>
           <a:p>
-            <a:endParaRPr b="0" lang="en-IN" sz="1400" spc="-1" strike="noStrike">
-              <a:solidFill>
-                <a:srgbClr val="000000"/>
-              </a:solidFill>
-              <a:latin typeface="Arial"/>
-            </a:endParaRPr>
-          </a:p>
-        </p:txBody>
-      </p:sp>
-      <p:sp>
-        <p:nvSpPr>
-          <p:cNvPr id="35" name="PlaceHolder 3"/>
+            <a:endParaRPr b="0" lang="en-IN" sz="3200" spc="-1" strike="noStrike">
+              <a:latin typeface="Arial"/>
+            </a:endParaRPr>
+          </a:p>
+        </p:txBody>
+      </p:sp>
+      <p:sp>
+        <p:nvSpPr>
+          <p:cNvPr id="34" name="PlaceHolder 3"/>
           <p:cNvSpPr>
             <a:spLocks noGrp="1"/>
           </p:cNvSpPr>
@@ -297,18 +284,15 @@
             <a:normAutofit/>
           </a:bodyPr>
           <a:p>
-            <a:endParaRPr b="0" lang="en-IN" sz="1400" spc="-1" strike="noStrike">
-              <a:solidFill>
-                <a:srgbClr val="000000"/>
-              </a:solidFill>
-              <a:latin typeface="Arial"/>
-            </a:endParaRPr>
-          </a:p>
-        </p:txBody>
-      </p:sp>
-      <p:sp>
-        <p:nvSpPr>
-          <p:cNvPr id="36" name="PlaceHolder 4"/>
+            <a:endParaRPr b="0" lang="en-IN" sz="3200" spc="-1" strike="noStrike">
+              <a:latin typeface="Arial"/>
+            </a:endParaRPr>
+          </a:p>
+        </p:txBody>
+      </p:sp>
+      <p:sp>
+        <p:nvSpPr>
+          <p:cNvPr id="35" name="PlaceHolder 4"/>
           <p:cNvSpPr>
             <a:spLocks noGrp="1"/>
           </p:cNvSpPr>
@@ -334,18 +318,15 @@
             <a:normAutofit/>
           </a:bodyPr>
           <a:p>
-            <a:endParaRPr b="0" lang="en-IN" sz="1400" spc="-1" strike="noStrike">
-              <a:solidFill>
-                <a:srgbClr val="000000"/>
-              </a:solidFill>
-              <a:latin typeface="Arial"/>
-            </a:endParaRPr>
-          </a:p>
-        </p:txBody>
-      </p:sp>
-      <p:sp>
-        <p:nvSpPr>
-          <p:cNvPr id="37" name="PlaceHolder 5"/>
+            <a:endParaRPr b="0" lang="en-IN" sz="3200" spc="-1" strike="noStrike">
+              <a:latin typeface="Arial"/>
+            </a:endParaRPr>
+          </a:p>
+        </p:txBody>
+      </p:sp>
+      <p:sp>
+        <p:nvSpPr>
+          <p:cNvPr id="36" name="PlaceHolder 5"/>
           <p:cNvSpPr>
             <a:spLocks noGrp="1"/>
           </p:cNvSpPr>
@@ -371,10 +352,7 @@
             <a:normAutofit/>
           </a:bodyPr>
           <a:p>
-            <a:endParaRPr b="0" lang="en-IN" sz="1400" spc="-1" strike="noStrike">
-              <a:solidFill>
-                <a:srgbClr val="000000"/>
-              </a:solidFill>
+            <a:endParaRPr b="0" lang="en-IN" sz="3200" spc="-1" strike="noStrike">
               <a:latin typeface="Arial"/>
             </a:endParaRPr>
           </a:p>
@@ -404,7 +382,7 @@
       </p:grpSpPr>
       <p:sp>
         <p:nvSpPr>
-          <p:cNvPr id="38" name="PlaceHolder 1"/>
+          <p:cNvPr id="37" name="PlaceHolder 1"/>
           <p:cNvSpPr>
             <a:spLocks noGrp="1"/>
           </p:cNvSpPr>
@@ -414,8 +392,8 @@
         </p:nvSpPr>
         <p:spPr>
           <a:xfrm>
-            <a:off x="823680" y="2053080"/>
-            <a:ext cx="4586760" cy="1148400"/>
+            <a:off x="457200" y="205200"/>
+            <a:ext cx="8229240" cy="858600"/>
           </a:xfrm>
           <a:prstGeom prst="rect">
             <a:avLst/>
@@ -430,18 +408,16 @@
             <a:noAutofit/>
           </a:bodyPr>
           <a:p>
-            <a:endParaRPr b="0" lang="en-IN" sz="1400" spc="-1" strike="noStrike">
-              <a:solidFill>
-                <a:srgbClr val="000000"/>
-              </a:solidFill>
-              <a:latin typeface="Arial"/>
-            </a:endParaRPr>
-          </a:p>
-        </p:txBody>
-      </p:sp>
-      <p:sp>
-        <p:nvSpPr>
-          <p:cNvPr id="39" name="PlaceHolder 2"/>
+            <a:pPr algn="ctr"/>
+            <a:endParaRPr b="0" lang="en-IN" sz="4400" spc="-1" strike="noStrike">
+              <a:latin typeface="Arial"/>
+            </a:endParaRPr>
+          </a:p>
+        </p:txBody>
+      </p:sp>
+      <p:sp>
+        <p:nvSpPr>
+          <p:cNvPr id="38" name="PlaceHolder 2"/>
           <p:cNvSpPr>
             <a:spLocks noGrp="1"/>
           </p:cNvSpPr>
@@ -467,18 +443,15 @@
             <a:normAutofit/>
           </a:bodyPr>
           <a:p>
-            <a:endParaRPr b="0" lang="en-IN" sz="1400" spc="-1" strike="noStrike">
-              <a:solidFill>
-                <a:srgbClr val="000000"/>
-              </a:solidFill>
-              <a:latin typeface="Arial"/>
-            </a:endParaRPr>
-          </a:p>
-        </p:txBody>
-      </p:sp>
-      <p:sp>
-        <p:nvSpPr>
-          <p:cNvPr id="40" name="PlaceHolder 3"/>
+            <a:endParaRPr b="0" lang="en-IN" sz="3200" spc="-1" strike="noStrike">
+              <a:latin typeface="Arial"/>
+            </a:endParaRPr>
+          </a:p>
+        </p:txBody>
+      </p:sp>
+      <p:sp>
+        <p:nvSpPr>
+          <p:cNvPr id="39" name="PlaceHolder 3"/>
           <p:cNvSpPr>
             <a:spLocks noGrp="1"/>
           </p:cNvSpPr>
@@ -504,18 +477,15 @@
             <a:normAutofit/>
           </a:bodyPr>
           <a:p>
-            <a:endParaRPr b="0" lang="en-IN" sz="1400" spc="-1" strike="noStrike">
-              <a:solidFill>
-                <a:srgbClr val="000000"/>
-              </a:solidFill>
-              <a:latin typeface="Arial"/>
-            </a:endParaRPr>
-          </a:p>
-        </p:txBody>
-      </p:sp>
-      <p:sp>
-        <p:nvSpPr>
-          <p:cNvPr id="41" name="PlaceHolder 4"/>
+            <a:endParaRPr b="0" lang="en-IN" sz="3200" spc="-1" strike="noStrike">
+              <a:latin typeface="Arial"/>
+            </a:endParaRPr>
+          </a:p>
+        </p:txBody>
+      </p:sp>
+      <p:sp>
+        <p:nvSpPr>
+          <p:cNvPr id="40" name="PlaceHolder 4"/>
           <p:cNvSpPr>
             <a:spLocks noGrp="1"/>
           </p:cNvSpPr>
@@ -541,18 +511,15 @@
             <a:normAutofit/>
           </a:bodyPr>
           <a:p>
-            <a:endParaRPr b="0" lang="en-IN" sz="1400" spc="-1" strike="noStrike">
-              <a:solidFill>
-                <a:srgbClr val="000000"/>
-              </a:solidFill>
-              <a:latin typeface="Arial"/>
-            </a:endParaRPr>
-          </a:p>
-        </p:txBody>
-      </p:sp>
-      <p:sp>
-        <p:nvSpPr>
-          <p:cNvPr id="42" name="PlaceHolder 5"/>
+            <a:endParaRPr b="0" lang="en-IN" sz="3200" spc="-1" strike="noStrike">
+              <a:latin typeface="Arial"/>
+            </a:endParaRPr>
+          </a:p>
+        </p:txBody>
+      </p:sp>
+      <p:sp>
+        <p:nvSpPr>
+          <p:cNvPr id="41" name="PlaceHolder 5"/>
           <p:cNvSpPr>
             <a:spLocks noGrp="1"/>
           </p:cNvSpPr>
@@ -578,18 +545,15 @@
             <a:normAutofit/>
           </a:bodyPr>
           <a:p>
-            <a:endParaRPr b="0" lang="en-IN" sz="1400" spc="-1" strike="noStrike">
-              <a:solidFill>
-                <a:srgbClr val="000000"/>
-              </a:solidFill>
-              <a:latin typeface="Arial"/>
-            </a:endParaRPr>
-          </a:p>
-        </p:txBody>
-      </p:sp>
-      <p:sp>
-        <p:nvSpPr>
-          <p:cNvPr id="43" name="PlaceHolder 6"/>
+            <a:endParaRPr b="0" lang="en-IN" sz="3200" spc="-1" strike="noStrike">
+              <a:latin typeface="Arial"/>
+            </a:endParaRPr>
+          </a:p>
+        </p:txBody>
+      </p:sp>
+      <p:sp>
+        <p:nvSpPr>
+          <p:cNvPr id="42" name="PlaceHolder 6"/>
           <p:cNvSpPr>
             <a:spLocks noGrp="1"/>
           </p:cNvSpPr>
@@ -615,18 +579,15 @@
             <a:normAutofit/>
           </a:bodyPr>
           <a:p>
-            <a:endParaRPr b="0" lang="en-IN" sz="1400" spc="-1" strike="noStrike">
-              <a:solidFill>
-                <a:srgbClr val="000000"/>
-              </a:solidFill>
-              <a:latin typeface="Arial"/>
-            </a:endParaRPr>
-          </a:p>
-        </p:txBody>
-      </p:sp>
-      <p:sp>
-        <p:nvSpPr>
-          <p:cNvPr id="44" name="PlaceHolder 7"/>
+            <a:endParaRPr b="0" lang="en-IN" sz="3200" spc="-1" strike="noStrike">
+              <a:latin typeface="Arial"/>
+            </a:endParaRPr>
+          </a:p>
+        </p:txBody>
+      </p:sp>
+      <p:sp>
+        <p:nvSpPr>
+          <p:cNvPr id="43" name="PlaceHolder 7"/>
           <p:cNvSpPr>
             <a:spLocks noGrp="1"/>
           </p:cNvSpPr>
@@ -652,10 +613,7 @@
             <a:normAutofit/>
           </a:bodyPr>
           <a:p>
-            <a:endParaRPr b="0" lang="en-IN" sz="1400" spc="-1" strike="noStrike">
-              <a:solidFill>
-                <a:srgbClr val="000000"/>
-              </a:solidFill>
+            <a:endParaRPr b="0" lang="en-IN" sz="3200" spc="-1" strike="noStrike">
               <a:latin typeface="Arial"/>
             </a:endParaRPr>
           </a:p>
@@ -707,7 +665,7 @@
       </p:grpSpPr>
       <p:sp>
         <p:nvSpPr>
-          <p:cNvPr id="52" name="PlaceHolder 1"/>
+          <p:cNvPr id="50" name="PlaceHolder 1"/>
           <p:cNvSpPr>
             <a:spLocks noGrp="1"/>
           </p:cNvSpPr>
@@ -717,8 +675,8 @@
         </p:nvSpPr>
         <p:spPr>
           <a:xfrm>
-            <a:off x="823680" y="2053080"/>
-            <a:ext cx="4586760" cy="1148400"/>
+            <a:off x="457200" y="205200"/>
+            <a:ext cx="8229240" cy="858600"/>
           </a:xfrm>
           <a:prstGeom prst="rect">
             <a:avLst/>
@@ -733,18 +691,16 @@
             <a:noAutofit/>
           </a:bodyPr>
           <a:p>
-            <a:endParaRPr b="0" lang="en-IN" sz="1400" spc="-1" strike="noStrike">
-              <a:solidFill>
-                <a:srgbClr val="000000"/>
-              </a:solidFill>
-              <a:latin typeface="Arial"/>
-            </a:endParaRPr>
-          </a:p>
-        </p:txBody>
-      </p:sp>
-      <p:sp>
-        <p:nvSpPr>
-          <p:cNvPr id="53" name="PlaceHolder 2"/>
+            <a:pPr algn="ctr"/>
+            <a:endParaRPr b="0" lang="en-IN" sz="4400" spc="-1" strike="noStrike">
+              <a:latin typeface="Arial"/>
+            </a:endParaRPr>
+          </a:p>
+        </p:txBody>
+      </p:sp>
+      <p:sp>
+        <p:nvSpPr>
+          <p:cNvPr id="51" name="PlaceHolder 2"/>
           <p:cNvSpPr>
             <a:spLocks noGrp="1"/>
           </p:cNvSpPr>
@@ -801,7 +757,7 @@
       </p:grpSpPr>
       <p:sp>
         <p:nvSpPr>
-          <p:cNvPr id="54" name="PlaceHolder 1"/>
+          <p:cNvPr id="52" name="PlaceHolder 1"/>
           <p:cNvSpPr>
             <a:spLocks noGrp="1"/>
           </p:cNvSpPr>
@@ -811,8 +767,8 @@
         </p:nvSpPr>
         <p:spPr>
           <a:xfrm>
-            <a:off x="823680" y="2053080"/>
-            <a:ext cx="4586760" cy="1148400"/>
+            <a:off x="457200" y="205200"/>
+            <a:ext cx="8229240" cy="858600"/>
           </a:xfrm>
           <a:prstGeom prst="rect">
             <a:avLst/>
@@ -827,18 +783,16 @@
             <a:noAutofit/>
           </a:bodyPr>
           <a:p>
-            <a:endParaRPr b="0" lang="en-IN" sz="1400" spc="-1" strike="noStrike">
-              <a:solidFill>
-                <a:srgbClr val="000000"/>
-              </a:solidFill>
-              <a:latin typeface="Arial"/>
-            </a:endParaRPr>
-          </a:p>
-        </p:txBody>
-      </p:sp>
-      <p:sp>
-        <p:nvSpPr>
-          <p:cNvPr id="55" name="PlaceHolder 2"/>
+            <a:pPr algn="ctr"/>
+            <a:endParaRPr b="0" lang="en-IN" sz="4400" spc="-1" strike="noStrike">
+              <a:latin typeface="Arial"/>
+            </a:endParaRPr>
+          </a:p>
+        </p:txBody>
+      </p:sp>
+      <p:sp>
+        <p:nvSpPr>
+          <p:cNvPr id="53" name="PlaceHolder 2"/>
           <p:cNvSpPr>
             <a:spLocks noGrp="1"/>
           </p:cNvSpPr>
@@ -864,10 +818,7 @@
             <a:normAutofit/>
           </a:bodyPr>
           <a:p>
-            <a:endParaRPr b="0" lang="en-IN" sz="1400" spc="-1" strike="noStrike">
-              <a:solidFill>
-                <a:srgbClr val="000000"/>
-              </a:solidFill>
+            <a:endParaRPr b="0" lang="en-IN" sz="3200" spc="-1" strike="noStrike">
               <a:latin typeface="Arial"/>
             </a:endParaRPr>
           </a:p>
@@ -897,7 +848,7 @@
       </p:grpSpPr>
       <p:sp>
         <p:nvSpPr>
-          <p:cNvPr id="56" name="PlaceHolder 1"/>
+          <p:cNvPr id="54" name="PlaceHolder 1"/>
           <p:cNvSpPr>
             <a:spLocks noGrp="1"/>
           </p:cNvSpPr>
@@ -907,8 +858,8 @@
         </p:nvSpPr>
         <p:spPr>
           <a:xfrm>
-            <a:off x="823680" y="2053080"/>
-            <a:ext cx="4586760" cy="1148400"/>
+            <a:off x="457200" y="205200"/>
+            <a:ext cx="8229240" cy="858600"/>
           </a:xfrm>
           <a:prstGeom prst="rect">
             <a:avLst/>
@@ -923,18 +874,16 @@
             <a:noAutofit/>
           </a:bodyPr>
           <a:p>
-            <a:endParaRPr b="0" lang="en-IN" sz="1400" spc="-1" strike="noStrike">
-              <a:solidFill>
-                <a:srgbClr val="000000"/>
-              </a:solidFill>
-              <a:latin typeface="Arial"/>
-            </a:endParaRPr>
-          </a:p>
-        </p:txBody>
-      </p:sp>
-      <p:sp>
-        <p:nvSpPr>
-          <p:cNvPr id="57" name="PlaceHolder 2"/>
+            <a:pPr algn="ctr"/>
+            <a:endParaRPr b="0" lang="en-IN" sz="4400" spc="-1" strike="noStrike">
+              <a:latin typeface="Arial"/>
+            </a:endParaRPr>
+          </a:p>
+        </p:txBody>
+      </p:sp>
+      <p:sp>
+        <p:nvSpPr>
+          <p:cNvPr id="55" name="PlaceHolder 2"/>
           <p:cNvSpPr>
             <a:spLocks noGrp="1"/>
           </p:cNvSpPr>
@@ -960,18 +909,15 @@
             <a:normAutofit/>
           </a:bodyPr>
           <a:p>
-            <a:endParaRPr b="0" lang="en-IN" sz="1400" spc="-1" strike="noStrike">
-              <a:solidFill>
-                <a:srgbClr val="000000"/>
-              </a:solidFill>
-              <a:latin typeface="Arial"/>
-            </a:endParaRPr>
-          </a:p>
-        </p:txBody>
-      </p:sp>
-      <p:sp>
-        <p:nvSpPr>
-          <p:cNvPr id="58" name="PlaceHolder 3"/>
+            <a:endParaRPr b="0" lang="en-IN" sz="3200" spc="-1" strike="noStrike">
+              <a:latin typeface="Arial"/>
+            </a:endParaRPr>
+          </a:p>
+        </p:txBody>
+      </p:sp>
+      <p:sp>
+        <p:nvSpPr>
+          <p:cNvPr id="56" name="PlaceHolder 3"/>
           <p:cNvSpPr>
             <a:spLocks noGrp="1"/>
           </p:cNvSpPr>
@@ -997,10 +943,7 @@
             <a:normAutofit/>
           </a:bodyPr>
           <a:p>
-            <a:endParaRPr b="0" lang="en-IN" sz="1400" spc="-1" strike="noStrike">
-              <a:solidFill>
-                <a:srgbClr val="000000"/>
-              </a:solidFill>
+            <a:endParaRPr b="0" lang="en-IN" sz="3200" spc="-1" strike="noStrike">
               <a:latin typeface="Arial"/>
             </a:endParaRPr>
           </a:p>
@@ -1030,7 +973,7 @@
       </p:grpSpPr>
       <p:sp>
         <p:nvSpPr>
-          <p:cNvPr id="59" name="PlaceHolder 1"/>
+          <p:cNvPr id="57" name="PlaceHolder 1"/>
           <p:cNvSpPr>
             <a:spLocks noGrp="1"/>
           </p:cNvSpPr>
@@ -1040,8 +983,8 @@
         </p:nvSpPr>
         <p:spPr>
           <a:xfrm>
-            <a:off x="823680" y="2053080"/>
-            <a:ext cx="4586760" cy="1148400"/>
+            <a:off x="457200" y="205200"/>
+            <a:ext cx="8229240" cy="858600"/>
           </a:xfrm>
           <a:prstGeom prst="rect">
             <a:avLst/>
@@ -1056,10 +999,8 @@
             <a:noAutofit/>
           </a:bodyPr>
           <a:p>
-            <a:endParaRPr b="0" lang="en-IN" sz="1400" spc="-1" strike="noStrike">
-              <a:solidFill>
-                <a:srgbClr val="000000"/>
-              </a:solidFill>
+            <a:pPr algn="ctr"/>
+            <a:endParaRPr b="0" lang="en-IN" sz="4400" spc="-1" strike="noStrike">
               <a:latin typeface="Arial"/>
             </a:endParaRPr>
           </a:p>
@@ -1089,7 +1030,7 @@
       </p:grpSpPr>
       <p:sp>
         <p:nvSpPr>
-          <p:cNvPr id="60" name="PlaceHolder 1"/>
+          <p:cNvPr id="58" name="PlaceHolder 1"/>
           <p:cNvSpPr>
             <a:spLocks noGrp="1"/>
           </p:cNvSpPr>
@@ -1099,8 +1040,8 @@
         </p:nvSpPr>
         <p:spPr>
           <a:xfrm>
-            <a:off x="823680" y="2053080"/>
-            <a:ext cx="4586760" cy="5324760"/>
+            <a:off x="457200" y="205200"/>
+            <a:ext cx="8229240" cy="3981240"/>
           </a:xfrm>
           <a:prstGeom prst="rect">
             <a:avLst/>
@@ -1146,7 +1087,7 @@
       </p:grpSpPr>
       <p:sp>
         <p:nvSpPr>
-          <p:cNvPr id="61" name="PlaceHolder 1"/>
+          <p:cNvPr id="59" name="PlaceHolder 1"/>
           <p:cNvSpPr>
             <a:spLocks noGrp="1"/>
           </p:cNvSpPr>
@@ -1156,8 +1097,8 @@
         </p:nvSpPr>
         <p:spPr>
           <a:xfrm>
-            <a:off x="823680" y="2053080"/>
-            <a:ext cx="4586760" cy="1148400"/>
+            <a:off x="457200" y="205200"/>
+            <a:ext cx="8229240" cy="858600"/>
           </a:xfrm>
           <a:prstGeom prst="rect">
             <a:avLst/>
@@ -1172,18 +1113,16 @@
             <a:noAutofit/>
           </a:bodyPr>
           <a:p>
-            <a:endParaRPr b="0" lang="en-IN" sz="1400" spc="-1" strike="noStrike">
-              <a:solidFill>
-                <a:srgbClr val="000000"/>
-              </a:solidFill>
-              <a:latin typeface="Arial"/>
-            </a:endParaRPr>
-          </a:p>
-        </p:txBody>
-      </p:sp>
-      <p:sp>
-        <p:nvSpPr>
-          <p:cNvPr id="62" name="PlaceHolder 2"/>
+            <a:pPr algn="ctr"/>
+            <a:endParaRPr b="0" lang="en-IN" sz="4400" spc="-1" strike="noStrike">
+              <a:latin typeface="Arial"/>
+            </a:endParaRPr>
+          </a:p>
+        </p:txBody>
+      </p:sp>
+      <p:sp>
+        <p:nvSpPr>
+          <p:cNvPr id="60" name="PlaceHolder 2"/>
           <p:cNvSpPr>
             <a:spLocks noGrp="1"/>
           </p:cNvSpPr>
@@ -1209,18 +1148,15 @@
             <a:normAutofit/>
           </a:bodyPr>
           <a:p>
-            <a:endParaRPr b="0" lang="en-IN" sz="1400" spc="-1" strike="noStrike">
-              <a:solidFill>
-                <a:srgbClr val="000000"/>
-              </a:solidFill>
-              <a:latin typeface="Arial"/>
-            </a:endParaRPr>
-          </a:p>
-        </p:txBody>
-      </p:sp>
-      <p:sp>
-        <p:nvSpPr>
-          <p:cNvPr id="63" name="PlaceHolder 3"/>
+            <a:endParaRPr b="0" lang="en-IN" sz="3200" spc="-1" strike="noStrike">
+              <a:latin typeface="Arial"/>
+            </a:endParaRPr>
+          </a:p>
+        </p:txBody>
+      </p:sp>
+      <p:sp>
+        <p:nvSpPr>
+          <p:cNvPr id="61" name="PlaceHolder 3"/>
           <p:cNvSpPr>
             <a:spLocks noGrp="1"/>
           </p:cNvSpPr>
@@ -1246,18 +1182,15 @@
             <a:normAutofit/>
           </a:bodyPr>
           <a:p>
-            <a:endParaRPr b="0" lang="en-IN" sz="1400" spc="-1" strike="noStrike">
-              <a:solidFill>
-                <a:srgbClr val="000000"/>
-              </a:solidFill>
-              <a:latin typeface="Arial"/>
-            </a:endParaRPr>
-          </a:p>
-        </p:txBody>
-      </p:sp>
-      <p:sp>
-        <p:nvSpPr>
-          <p:cNvPr id="64" name="PlaceHolder 4"/>
+            <a:endParaRPr b="0" lang="en-IN" sz="3200" spc="-1" strike="noStrike">
+              <a:latin typeface="Arial"/>
+            </a:endParaRPr>
+          </a:p>
+        </p:txBody>
+      </p:sp>
+      <p:sp>
+        <p:nvSpPr>
+          <p:cNvPr id="62" name="PlaceHolder 4"/>
           <p:cNvSpPr>
             <a:spLocks noGrp="1"/>
           </p:cNvSpPr>
@@ -1283,10 +1216,7 @@
             <a:normAutofit/>
           </a:bodyPr>
           <a:p>
-            <a:endParaRPr b="0" lang="en-IN" sz="1400" spc="-1" strike="noStrike">
-              <a:solidFill>
-                <a:srgbClr val="000000"/>
-              </a:solidFill>
+            <a:endParaRPr b="0" lang="en-IN" sz="3200" spc="-1" strike="noStrike">
               <a:latin typeface="Arial"/>
             </a:endParaRPr>
           </a:p>
@@ -1316,7 +1246,7 @@
       </p:grpSpPr>
       <p:sp>
         <p:nvSpPr>
-          <p:cNvPr id="9" name="PlaceHolder 1"/>
+          <p:cNvPr id="8" name="PlaceHolder 1"/>
           <p:cNvSpPr>
             <a:spLocks noGrp="1"/>
           </p:cNvSpPr>
@@ -1326,8 +1256,8 @@
         </p:nvSpPr>
         <p:spPr>
           <a:xfrm>
-            <a:off x="823680" y="2053080"/>
-            <a:ext cx="4586760" cy="1148400"/>
+            <a:off x="457200" y="205200"/>
+            <a:ext cx="8229240" cy="858600"/>
           </a:xfrm>
           <a:prstGeom prst="rect">
             <a:avLst/>
@@ -1342,18 +1272,16 @@
             <a:noAutofit/>
           </a:bodyPr>
           <a:p>
-            <a:endParaRPr b="0" lang="en-IN" sz="1400" spc="-1" strike="noStrike">
-              <a:solidFill>
-                <a:srgbClr val="000000"/>
-              </a:solidFill>
-              <a:latin typeface="Arial"/>
-            </a:endParaRPr>
-          </a:p>
-        </p:txBody>
-      </p:sp>
-      <p:sp>
-        <p:nvSpPr>
-          <p:cNvPr id="10" name="PlaceHolder 2"/>
+            <a:pPr algn="ctr"/>
+            <a:endParaRPr b="0" lang="en-IN" sz="4400" spc="-1" strike="noStrike">
+              <a:latin typeface="Arial"/>
+            </a:endParaRPr>
+          </a:p>
+        </p:txBody>
+      </p:sp>
+      <p:sp>
+        <p:nvSpPr>
+          <p:cNvPr id="9" name="PlaceHolder 2"/>
           <p:cNvSpPr>
             <a:spLocks noGrp="1"/>
           </p:cNvSpPr>
@@ -1410,7 +1338,7 @@
       </p:grpSpPr>
       <p:sp>
         <p:nvSpPr>
-          <p:cNvPr id="65" name="PlaceHolder 1"/>
+          <p:cNvPr id="63" name="PlaceHolder 1"/>
           <p:cNvSpPr>
             <a:spLocks noGrp="1"/>
           </p:cNvSpPr>
@@ -1420,8 +1348,8 @@
         </p:nvSpPr>
         <p:spPr>
           <a:xfrm>
-            <a:off x="823680" y="2053080"/>
-            <a:ext cx="4586760" cy="1148400"/>
+            <a:off x="457200" y="205200"/>
+            <a:ext cx="8229240" cy="858600"/>
           </a:xfrm>
           <a:prstGeom prst="rect">
             <a:avLst/>
@@ -1436,18 +1364,16 @@
             <a:noAutofit/>
           </a:bodyPr>
           <a:p>
-            <a:endParaRPr b="0" lang="en-IN" sz="1400" spc="-1" strike="noStrike">
-              <a:solidFill>
-                <a:srgbClr val="000000"/>
-              </a:solidFill>
-              <a:latin typeface="Arial"/>
-            </a:endParaRPr>
-          </a:p>
-        </p:txBody>
-      </p:sp>
-      <p:sp>
-        <p:nvSpPr>
-          <p:cNvPr id="66" name="PlaceHolder 2"/>
+            <a:pPr algn="ctr"/>
+            <a:endParaRPr b="0" lang="en-IN" sz="4400" spc="-1" strike="noStrike">
+              <a:latin typeface="Arial"/>
+            </a:endParaRPr>
+          </a:p>
+        </p:txBody>
+      </p:sp>
+      <p:sp>
+        <p:nvSpPr>
+          <p:cNvPr id="64" name="PlaceHolder 2"/>
           <p:cNvSpPr>
             <a:spLocks noGrp="1"/>
           </p:cNvSpPr>
@@ -1473,18 +1399,15 @@
             <a:normAutofit/>
           </a:bodyPr>
           <a:p>
-            <a:endParaRPr b="0" lang="en-IN" sz="1400" spc="-1" strike="noStrike">
-              <a:solidFill>
-                <a:srgbClr val="000000"/>
-              </a:solidFill>
-              <a:latin typeface="Arial"/>
-            </a:endParaRPr>
-          </a:p>
-        </p:txBody>
-      </p:sp>
-      <p:sp>
-        <p:nvSpPr>
-          <p:cNvPr id="67" name="PlaceHolder 3"/>
+            <a:endParaRPr b="0" lang="en-IN" sz="3200" spc="-1" strike="noStrike">
+              <a:latin typeface="Arial"/>
+            </a:endParaRPr>
+          </a:p>
+        </p:txBody>
+      </p:sp>
+      <p:sp>
+        <p:nvSpPr>
+          <p:cNvPr id="65" name="PlaceHolder 3"/>
           <p:cNvSpPr>
             <a:spLocks noGrp="1"/>
           </p:cNvSpPr>
@@ -1510,18 +1433,15 @@
             <a:normAutofit/>
           </a:bodyPr>
           <a:p>
-            <a:endParaRPr b="0" lang="en-IN" sz="1400" spc="-1" strike="noStrike">
-              <a:solidFill>
-                <a:srgbClr val="000000"/>
-              </a:solidFill>
-              <a:latin typeface="Arial"/>
-            </a:endParaRPr>
-          </a:p>
-        </p:txBody>
-      </p:sp>
-      <p:sp>
-        <p:nvSpPr>
-          <p:cNvPr id="68" name="PlaceHolder 4"/>
+            <a:endParaRPr b="0" lang="en-IN" sz="3200" spc="-1" strike="noStrike">
+              <a:latin typeface="Arial"/>
+            </a:endParaRPr>
+          </a:p>
+        </p:txBody>
+      </p:sp>
+      <p:sp>
+        <p:nvSpPr>
+          <p:cNvPr id="66" name="PlaceHolder 4"/>
           <p:cNvSpPr>
             <a:spLocks noGrp="1"/>
           </p:cNvSpPr>
@@ -1547,10 +1467,7 @@
             <a:normAutofit/>
           </a:bodyPr>
           <a:p>
-            <a:endParaRPr b="0" lang="en-IN" sz="1400" spc="-1" strike="noStrike">
-              <a:solidFill>
-                <a:srgbClr val="000000"/>
-              </a:solidFill>
+            <a:endParaRPr b="0" lang="en-IN" sz="3200" spc="-1" strike="noStrike">
               <a:latin typeface="Arial"/>
             </a:endParaRPr>
           </a:p>
@@ -1580,7 +1497,7 @@
       </p:grpSpPr>
       <p:sp>
         <p:nvSpPr>
-          <p:cNvPr id="69" name="PlaceHolder 1"/>
+          <p:cNvPr id="67" name="PlaceHolder 1"/>
           <p:cNvSpPr>
             <a:spLocks noGrp="1"/>
           </p:cNvSpPr>
@@ -1590,8 +1507,8 @@
         </p:nvSpPr>
         <p:spPr>
           <a:xfrm>
-            <a:off x="823680" y="2053080"/>
-            <a:ext cx="4586760" cy="1148400"/>
+            <a:off x="457200" y="205200"/>
+            <a:ext cx="8229240" cy="858600"/>
           </a:xfrm>
           <a:prstGeom prst="rect">
             <a:avLst/>
@@ -1606,18 +1523,16 @@
             <a:noAutofit/>
           </a:bodyPr>
           <a:p>
-            <a:endParaRPr b="0" lang="en-IN" sz="1400" spc="-1" strike="noStrike">
-              <a:solidFill>
-                <a:srgbClr val="000000"/>
-              </a:solidFill>
-              <a:latin typeface="Arial"/>
-            </a:endParaRPr>
-          </a:p>
-        </p:txBody>
-      </p:sp>
-      <p:sp>
-        <p:nvSpPr>
-          <p:cNvPr id="70" name="PlaceHolder 2"/>
+            <a:pPr algn="ctr"/>
+            <a:endParaRPr b="0" lang="en-IN" sz="4400" spc="-1" strike="noStrike">
+              <a:latin typeface="Arial"/>
+            </a:endParaRPr>
+          </a:p>
+        </p:txBody>
+      </p:sp>
+      <p:sp>
+        <p:nvSpPr>
+          <p:cNvPr id="68" name="PlaceHolder 2"/>
           <p:cNvSpPr>
             <a:spLocks noGrp="1"/>
           </p:cNvSpPr>
@@ -1643,18 +1558,15 @@
             <a:normAutofit/>
           </a:bodyPr>
           <a:p>
-            <a:endParaRPr b="0" lang="en-IN" sz="1400" spc="-1" strike="noStrike">
-              <a:solidFill>
-                <a:srgbClr val="000000"/>
-              </a:solidFill>
-              <a:latin typeface="Arial"/>
-            </a:endParaRPr>
-          </a:p>
-        </p:txBody>
-      </p:sp>
-      <p:sp>
-        <p:nvSpPr>
-          <p:cNvPr id="71" name="PlaceHolder 3"/>
+            <a:endParaRPr b="0" lang="en-IN" sz="3200" spc="-1" strike="noStrike">
+              <a:latin typeface="Arial"/>
+            </a:endParaRPr>
+          </a:p>
+        </p:txBody>
+      </p:sp>
+      <p:sp>
+        <p:nvSpPr>
+          <p:cNvPr id="69" name="PlaceHolder 3"/>
           <p:cNvSpPr>
             <a:spLocks noGrp="1"/>
           </p:cNvSpPr>
@@ -1680,18 +1592,15 @@
             <a:normAutofit/>
           </a:bodyPr>
           <a:p>
-            <a:endParaRPr b="0" lang="en-IN" sz="1400" spc="-1" strike="noStrike">
-              <a:solidFill>
-                <a:srgbClr val="000000"/>
-              </a:solidFill>
-              <a:latin typeface="Arial"/>
-            </a:endParaRPr>
-          </a:p>
-        </p:txBody>
-      </p:sp>
-      <p:sp>
-        <p:nvSpPr>
-          <p:cNvPr id="72" name="PlaceHolder 4"/>
+            <a:endParaRPr b="0" lang="en-IN" sz="3200" spc="-1" strike="noStrike">
+              <a:latin typeface="Arial"/>
+            </a:endParaRPr>
+          </a:p>
+        </p:txBody>
+      </p:sp>
+      <p:sp>
+        <p:nvSpPr>
+          <p:cNvPr id="70" name="PlaceHolder 4"/>
           <p:cNvSpPr>
             <a:spLocks noGrp="1"/>
           </p:cNvSpPr>
@@ -1717,10 +1626,7 @@
             <a:normAutofit/>
           </a:bodyPr>
           <a:p>
-            <a:endParaRPr b="0" lang="en-IN" sz="1400" spc="-1" strike="noStrike">
-              <a:solidFill>
-                <a:srgbClr val="000000"/>
-              </a:solidFill>
+            <a:endParaRPr b="0" lang="en-IN" sz="3200" spc="-1" strike="noStrike">
               <a:latin typeface="Arial"/>
             </a:endParaRPr>
           </a:p>
@@ -1750,7 +1656,7 @@
       </p:grpSpPr>
       <p:sp>
         <p:nvSpPr>
-          <p:cNvPr id="73" name="PlaceHolder 1"/>
+          <p:cNvPr id="71" name="PlaceHolder 1"/>
           <p:cNvSpPr>
             <a:spLocks noGrp="1"/>
           </p:cNvSpPr>
@@ -1760,8 +1666,8 @@
         </p:nvSpPr>
         <p:spPr>
           <a:xfrm>
-            <a:off x="823680" y="2053080"/>
-            <a:ext cx="4586760" cy="1148400"/>
+            <a:off x="457200" y="205200"/>
+            <a:ext cx="8229240" cy="858600"/>
           </a:xfrm>
           <a:prstGeom prst="rect">
             <a:avLst/>
@@ -1776,18 +1682,16 @@
             <a:noAutofit/>
           </a:bodyPr>
           <a:p>
-            <a:endParaRPr b="0" lang="en-IN" sz="1400" spc="-1" strike="noStrike">
-              <a:solidFill>
-                <a:srgbClr val="000000"/>
-              </a:solidFill>
-              <a:latin typeface="Arial"/>
-            </a:endParaRPr>
-          </a:p>
-        </p:txBody>
-      </p:sp>
-      <p:sp>
-        <p:nvSpPr>
-          <p:cNvPr id="74" name="PlaceHolder 2"/>
+            <a:pPr algn="ctr"/>
+            <a:endParaRPr b="0" lang="en-IN" sz="4400" spc="-1" strike="noStrike">
+              <a:latin typeface="Arial"/>
+            </a:endParaRPr>
+          </a:p>
+        </p:txBody>
+      </p:sp>
+      <p:sp>
+        <p:nvSpPr>
+          <p:cNvPr id="72" name="PlaceHolder 2"/>
           <p:cNvSpPr>
             <a:spLocks noGrp="1"/>
           </p:cNvSpPr>
@@ -1813,18 +1717,15 @@
             <a:normAutofit/>
           </a:bodyPr>
           <a:p>
-            <a:endParaRPr b="0" lang="en-IN" sz="1400" spc="-1" strike="noStrike">
-              <a:solidFill>
-                <a:srgbClr val="000000"/>
-              </a:solidFill>
-              <a:latin typeface="Arial"/>
-            </a:endParaRPr>
-          </a:p>
-        </p:txBody>
-      </p:sp>
-      <p:sp>
-        <p:nvSpPr>
-          <p:cNvPr id="75" name="PlaceHolder 3"/>
+            <a:endParaRPr b="0" lang="en-IN" sz="3200" spc="-1" strike="noStrike">
+              <a:latin typeface="Arial"/>
+            </a:endParaRPr>
+          </a:p>
+        </p:txBody>
+      </p:sp>
+      <p:sp>
+        <p:nvSpPr>
+          <p:cNvPr id="73" name="PlaceHolder 3"/>
           <p:cNvSpPr>
             <a:spLocks noGrp="1"/>
           </p:cNvSpPr>
@@ -1850,10 +1751,7 @@
             <a:normAutofit/>
           </a:bodyPr>
           <a:p>
-            <a:endParaRPr b="0" lang="en-IN" sz="1400" spc="-1" strike="noStrike">
-              <a:solidFill>
-                <a:srgbClr val="000000"/>
-              </a:solidFill>
+            <a:endParaRPr b="0" lang="en-IN" sz="3200" spc="-1" strike="noStrike">
               <a:latin typeface="Arial"/>
             </a:endParaRPr>
           </a:p>
@@ -1883,7 +1781,7 @@
       </p:grpSpPr>
       <p:sp>
         <p:nvSpPr>
-          <p:cNvPr id="76" name="PlaceHolder 1"/>
+          <p:cNvPr id="74" name="PlaceHolder 1"/>
           <p:cNvSpPr>
             <a:spLocks noGrp="1"/>
           </p:cNvSpPr>
@@ -1893,8 +1791,8 @@
         </p:nvSpPr>
         <p:spPr>
           <a:xfrm>
-            <a:off x="823680" y="2053080"/>
-            <a:ext cx="4586760" cy="1148400"/>
+            <a:off x="457200" y="205200"/>
+            <a:ext cx="8229240" cy="858600"/>
           </a:xfrm>
           <a:prstGeom prst="rect">
             <a:avLst/>
@@ -1909,18 +1807,16 @@
             <a:noAutofit/>
           </a:bodyPr>
           <a:p>
-            <a:endParaRPr b="0" lang="en-IN" sz="1400" spc="-1" strike="noStrike">
-              <a:solidFill>
-                <a:srgbClr val="000000"/>
-              </a:solidFill>
-              <a:latin typeface="Arial"/>
-            </a:endParaRPr>
-          </a:p>
-        </p:txBody>
-      </p:sp>
-      <p:sp>
-        <p:nvSpPr>
-          <p:cNvPr id="77" name="PlaceHolder 2"/>
+            <a:pPr algn="ctr"/>
+            <a:endParaRPr b="0" lang="en-IN" sz="4400" spc="-1" strike="noStrike">
+              <a:latin typeface="Arial"/>
+            </a:endParaRPr>
+          </a:p>
+        </p:txBody>
+      </p:sp>
+      <p:sp>
+        <p:nvSpPr>
+          <p:cNvPr id="75" name="PlaceHolder 2"/>
           <p:cNvSpPr>
             <a:spLocks noGrp="1"/>
           </p:cNvSpPr>
@@ -1946,18 +1842,15 @@
             <a:normAutofit/>
           </a:bodyPr>
           <a:p>
-            <a:endParaRPr b="0" lang="en-IN" sz="1400" spc="-1" strike="noStrike">
-              <a:solidFill>
-                <a:srgbClr val="000000"/>
-              </a:solidFill>
-              <a:latin typeface="Arial"/>
-            </a:endParaRPr>
-          </a:p>
-        </p:txBody>
-      </p:sp>
-      <p:sp>
-        <p:nvSpPr>
-          <p:cNvPr id="78" name="PlaceHolder 3"/>
+            <a:endParaRPr b="0" lang="en-IN" sz="3200" spc="-1" strike="noStrike">
+              <a:latin typeface="Arial"/>
+            </a:endParaRPr>
+          </a:p>
+        </p:txBody>
+      </p:sp>
+      <p:sp>
+        <p:nvSpPr>
+          <p:cNvPr id="76" name="PlaceHolder 3"/>
           <p:cNvSpPr>
             <a:spLocks noGrp="1"/>
           </p:cNvSpPr>
@@ -1983,18 +1876,15 @@
             <a:normAutofit/>
           </a:bodyPr>
           <a:p>
-            <a:endParaRPr b="0" lang="en-IN" sz="1400" spc="-1" strike="noStrike">
-              <a:solidFill>
-                <a:srgbClr val="000000"/>
-              </a:solidFill>
-              <a:latin typeface="Arial"/>
-            </a:endParaRPr>
-          </a:p>
-        </p:txBody>
-      </p:sp>
-      <p:sp>
-        <p:nvSpPr>
-          <p:cNvPr id="79" name="PlaceHolder 4"/>
+            <a:endParaRPr b="0" lang="en-IN" sz="3200" spc="-1" strike="noStrike">
+              <a:latin typeface="Arial"/>
+            </a:endParaRPr>
+          </a:p>
+        </p:txBody>
+      </p:sp>
+      <p:sp>
+        <p:nvSpPr>
+          <p:cNvPr id="77" name="PlaceHolder 4"/>
           <p:cNvSpPr>
             <a:spLocks noGrp="1"/>
           </p:cNvSpPr>
@@ -2020,18 +1910,15 @@
             <a:normAutofit/>
           </a:bodyPr>
           <a:p>
-            <a:endParaRPr b="0" lang="en-IN" sz="1400" spc="-1" strike="noStrike">
-              <a:solidFill>
-                <a:srgbClr val="000000"/>
-              </a:solidFill>
-              <a:latin typeface="Arial"/>
-            </a:endParaRPr>
-          </a:p>
-        </p:txBody>
-      </p:sp>
-      <p:sp>
-        <p:nvSpPr>
-          <p:cNvPr id="80" name="PlaceHolder 5"/>
+            <a:endParaRPr b="0" lang="en-IN" sz="3200" spc="-1" strike="noStrike">
+              <a:latin typeface="Arial"/>
+            </a:endParaRPr>
+          </a:p>
+        </p:txBody>
+      </p:sp>
+      <p:sp>
+        <p:nvSpPr>
+          <p:cNvPr id="78" name="PlaceHolder 5"/>
           <p:cNvSpPr>
             <a:spLocks noGrp="1"/>
           </p:cNvSpPr>
@@ -2057,10 +1944,7 @@
             <a:normAutofit/>
           </a:bodyPr>
           <a:p>
-            <a:endParaRPr b="0" lang="en-IN" sz="1400" spc="-1" strike="noStrike">
-              <a:solidFill>
-                <a:srgbClr val="000000"/>
-              </a:solidFill>
+            <a:endParaRPr b="0" lang="en-IN" sz="3200" spc="-1" strike="noStrike">
               <a:latin typeface="Arial"/>
             </a:endParaRPr>
           </a:p>
@@ -2090,7 +1974,7 @@
       </p:grpSpPr>
       <p:sp>
         <p:nvSpPr>
-          <p:cNvPr id="81" name="PlaceHolder 1"/>
+          <p:cNvPr id="79" name="PlaceHolder 1"/>
           <p:cNvSpPr>
             <a:spLocks noGrp="1"/>
           </p:cNvSpPr>
@@ -2100,8 +1984,8 @@
         </p:nvSpPr>
         <p:spPr>
           <a:xfrm>
-            <a:off x="823680" y="2053080"/>
-            <a:ext cx="4586760" cy="1148400"/>
+            <a:off x="457200" y="205200"/>
+            <a:ext cx="8229240" cy="858600"/>
           </a:xfrm>
           <a:prstGeom prst="rect">
             <a:avLst/>
@@ -2116,18 +2000,16 @@
             <a:noAutofit/>
           </a:bodyPr>
           <a:p>
-            <a:endParaRPr b="0" lang="en-IN" sz="1400" spc="-1" strike="noStrike">
-              <a:solidFill>
-                <a:srgbClr val="000000"/>
-              </a:solidFill>
-              <a:latin typeface="Arial"/>
-            </a:endParaRPr>
-          </a:p>
-        </p:txBody>
-      </p:sp>
-      <p:sp>
-        <p:nvSpPr>
-          <p:cNvPr id="82" name="PlaceHolder 2"/>
+            <a:pPr algn="ctr"/>
+            <a:endParaRPr b="0" lang="en-IN" sz="4400" spc="-1" strike="noStrike">
+              <a:latin typeface="Arial"/>
+            </a:endParaRPr>
+          </a:p>
+        </p:txBody>
+      </p:sp>
+      <p:sp>
+        <p:nvSpPr>
+          <p:cNvPr id="80" name="PlaceHolder 2"/>
           <p:cNvSpPr>
             <a:spLocks noGrp="1"/>
           </p:cNvSpPr>
@@ -2153,18 +2035,15 @@
             <a:normAutofit/>
           </a:bodyPr>
           <a:p>
-            <a:endParaRPr b="0" lang="en-IN" sz="1400" spc="-1" strike="noStrike">
-              <a:solidFill>
-                <a:srgbClr val="000000"/>
-              </a:solidFill>
-              <a:latin typeface="Arial"/>
-            </a:endParaRPr>
-          </a:p>
-        </p:txBody>
-      </p:sp>
-      <p:sp>
-        <p:nvSpPr>
-          <p:cNvPr id="83" name="PlaceHolder 3"/>
+            <a:endParaRPr b="0" lang="en-IN" sz="3200" spc="-1" strike="noStrike">
+              <a:latin typeface="Arial"/>
+            </a:endParaRPr>
+          </a:p>
+        </p:txBody>
+      </p:sp>
+      <p:sp>
+        <p:nvSpPr>
+          <p:cNvPr id="81" name="PlaceHolder 3"/>
           <p:cNvSpPr>
             <a:spLocks noGrp="1"/>
           </p:cNvSpPr>
@@ -2190,18 +2069,15 @@
             <a:normAutofit/>
           </a:bodyPr>
           <a:p>
-            <a:endParaRPr b="0" lang="en-IN" sz="1400" spc="-1" strike="noStrike">
-              <a:solidFill>
-                <a:srgbClr val="000000"/>
-              </a:solidFill>
-              <a:latin typeface="Arial"/>
-            </a:endParaRPr>
-          </a:p>
-        </p:txBody>
-      </p:sp>
-      <p:sp>
-        <p:nvSpPr>
-          <p:cNvPr id="84" name="PlaceHolder 4"/>
+            <a:endParaRPr b="0" lang="en-IN" sz="3200" spc="-1" strike="noStrike">
+              <a:latin typeface="Arial"/>
+            </a:endParaRPr>
+          </a:p>
+        </p:txBody>
+      </p:sp>
+      <p:sp>
+        <p:nvSpPr>
+          <p:cNvPr id="82" name="PlaceHolder 4"/>
           <p:cNvSpPr>
             <a:spLocks noGrp="1"/>
           </p:cNvSpPr>
@@ -2227,18 +2103,15 @@
             <a:normAutofit/>
           </a:bodyPr>
           <a:p>
-            <a:endParaRPr b="0" lang="en-IN" sz="1400" spc="-1" strike="noStrike">
-              <a:solidFill>
-                <a:srgbClr val="000000"/>
-              </a:solidFill>
-              <a:latin typeface="Arial"/>
-            </a:endParaRPr>
-          </a:p>
-        </p:txBody>
-      </p:sp>
-      <p:sp>
-        <p:nvSpPr>
-          <p:cNvPr id="85" name="PlaceHolder 5"/>
+            <a:endParaRPr b="0" lang="en-IN" sz="3200" spc="-1" strike="noStrike">
+              <a:latin typeface="Arial"/>
+            </a:endParaRPr>
+          </a:p>
+        </p:txBody>
+      </p:sp>
+      <p:sp>
+        <p:nvSpPr>
+          <p:cNvPr id="83" name="PlaceHolder 5"/>
           <p:cNvSpPr>
             <a:spLocks noGrp="1"/>
           </p:cNvSpPr>
@@ -2264,18 +2137,15 @@
             <a:normAutofit/>
           </a:bodyPr>
           <a:p>
-            <a:endParaRPr b="0" lang="en-IN" sz="1400" spc="-1" strike="noStrike">
-              <a:solidFill>
-                <a:srgbClr val="000000"/>
-              </a:solidFill>
-              <a:latin typeface="Arial"/>
-            </a:endParaRPr>
-          </a:p>
-        </p:txBody>
-      </p:sp>
-      <p:sp>
-        <p:nvSpPr>
-          <p:cNvPr id="86" name="PlaceHolder 6"/>
+            <a:endParaRPr b="0" lang="en-IN" sz="3200" spc="-1" strike="noStrike">
+              <a:latin typeface="Arial"/>
+            </a:endParaRPr>
+          </a:p>
+        </p:txBody>
+      </p:sp>
+      <p:sp>
+        <p:nvSpPr>
+          <p:cNvPr id="84" name="PlaceHolder 6"/>
           <p:cNvSpPr>
             <a:spLocks noGrp="1"/>
           </p:cNvSpPr>
@@ -2301,18 +2171,15 @@
             <a:normAutofit/>
           </a:bodyPr>
           <a:p>
-            <a:endParaRPr b="0" lang="en-IN" sz="1400" spc="-1" strike="noStrike">
-              <a:solidFill>
-                <a:srgbClr val="000000"/>
-              </a:solidFill>
-              <a:latin typeface="Arial"/>
-            </a:endParaRPr>
-          </a:p>
-        </p:txBody>
-      </p:sp>
-      <p:sp>
-        <p:nvSpPr>
-          <p:cNvPr id="87" name="PlaceHolder 7"/>
+            <a:endParaRPr b="0" lang="en-IN" sz="3200" spc="-1" strike="noStrike">
+              <a:latin typeface="Arial"/>
+            </a:endParaRPr>
+          </a:p>
+        </p:txBody>
+      </p:sp>
+      <p:sp>
+        <p:nvSpPr>
+          <p:cNvPr id="85" name="PlaceHolder 7"/>
           <p:cNvSpPr>
             <a:spLocks noGrp="1"/>
           </p:cNvSpPr>
@@ -2338,10 +2205,7 @@
             <a:normAutofit/>
           </a:bodyPr>
           <a:p>
-            <a:endParaRPr b="0" lang="en-IN" sz="1400" spc="-1" strike="noStrike">
-              <a:solidFill>
-                <a:srgbClr val="000000"/>
-              </a:solidFill>
+            <a:endParaRPr b="0" lang="en-IN" sz="3200" spc="-1" strike="noStrike">
               <a:latin typeface="Arial"/>
             </a:endParaRPr>
           </a:p>
@@ -2393,7 +2257,7 @@
       </p:grpSpPr>
       <p:sp>
         <p:nvSpPr>
-          <p:cNvPr id="94" name="PlaceHolder 1"/>
+          <p:cNvPr id="91" name="PlaceHolder 1"/>
           <p:cNvSpPr>
             <a:spLocks noGrp="1"/>
           </p:cNvSpPr>
@@ -2403,8 +2267,8 @@
         </p:nvSpPr>
         <p:spPr>
           <a:xfrm>
-            <a:off x="823680" y="2053080"/>
-            <a:ext cx="4586760" cy="1148400"/>
+            <a:off x="457200" y="205200"/>
+            <a:ext cx="8229240" cy="858600"/>
           </a:xfrm>
           <a:prstGeom prst="rect">
             <a:avLst/>
@@ -2419,18 +2283,16 @@
             <a:noAutofit/>
           </a:bodyPr>
           <a:p>
-            <a:endParaRPr b="0" lang="en-IN" sz="1400" spc="-1" strike="noStrike">
-              <a:solidFill>
-                <a:srgbClr val="000000"/>
-              </a:solidFill>
-              <a:latin typeface="Arial"/>
-            </a:endParaRPr>
-          </a:p>
-        </p:txBody>
-      </p:sp>
-      <p:sp>
-        <p:nvSpPr>
-          <p:cNvPr id="95" name="PlaceHolder 2"/>
+            <a:pPr algn="ctr"/>
+            <a:endParaRPr b="0" lang="en-IN" sz="4400" spc="-1" strike="noStrike">
+              <a:latin typeface="Arial"/>
+            </a:endParaRPr>
+          </a:p>
+        </p:txBody>
+      </p:sp>
+      <p:sp>
+        <p:nvSpPr>
+          <p:cNvPr id="92" name="PlaceHolder 2"/>
           <p:cNvSpPr>
             <a:spLocks noGrp="1"/>
           </p:cNvSpPr>
@@ -2487,7 +2349,7 @@
       </p:grpSpPr>
       <p:sp>
         <p:nvSpPr>
-          <p:cNvPr id="96" name="PlaceHolder 1"/>
+          <p:cNvPr id="93" name="PlaceHolder 1"/>
           <p:cNvSpPr>
             <a:spLocks noGrp="1"/>
           </p:cNvSpPr>
@@ -2497,8 +2359,8 @@
         </p:nvSpPr>
         <p:spPr>
           <a:xfrm>
-            <a:off x="823680" y="2053080"/>
-            <a:ext cx="4586760" cy="1148400"/>
+            <a:off x="457200" y="205200"/>
+            <a:ext cx="8229240" cy="858600"/>
           </a:xfrm>
           <a:prstGeom prst="rect">
             <a:avLst/>
@@ -2513,18 +2375,16 @@
             <a:noAutofit/>
           </a:bodyPr>
           <a:p>
-            <a:endParaRPr b="0" lang="en-IN" sz="1400" spc="-1" strike="noStrike">
-              <a:solidFill>
-                <a:srgbClr val="000000"/>
-              </a:solidFill>
-              <a:latin typeface="Arial"/>
-            </a:endParaRPr>
-          </a:p>
-        </p:txBody>
-      </p:sp>
-      <p:sp>
-        <p:nvSpPr>
-          <p:cNvPr id="97" name="PlaceHolder 2"/>
+            <a:pPr algn="ctr"/>
+            <a:endParaRPr b="0" lang="en-IN" sz="4400" spc="-1" strike="noStrike">
+              <a:latin typeface="Arial"/>
+            </a:endParaRPr>
+          </a:p>
+        </p:txBody>
+      </p:sp>
+      <p:sp>
+        <p:nvSpPr>
+          <p:cNvPr id="94" name="PlaceHolder 2"/>
           <p:cNvSpPr>
             <a:spLocks noGrp="1"/>
           </p:cNvSpPr>
@@ -2550,10 +2410,7 @@
             <a:normAutofit/>
           </a:bodyPr>
           <a:p>
-            <a:endParaRPr b="0" lang="en-IN" sz="1400" spc="-1" strike="noStrike">
-              <a:solidFill>
-                <a:srgbClr val="000000"/>
-              </a:solidFill>
+            <a:endParaRPr b="0" lang="en-IN" sz="3200" spc="-1" strike="noStrike">
               <a:latin typeface="Arial"/>
             </a:endParaRPr>
           </a:p>
@@ -2583,7 +2440,7 @@
       </p:grpSpPr>
       <p:sp>
         <p:nvSpPr>
-          <p:cNvPr id="98" name="PlaceHolder 1"/>
+          <p:cNvPr id="95" name="PlaceHolder 1"/>
           <p:cNvSpPr>
             <a:spLocks noGrp="1"/>
           </p:cNvSpPr>
@@ -2593,8 +2450,8 @@
         </p:nvSpPr>
         <p:spPr>
           <a:xfrm>
-            <a:off x="823680" y="2053080"/>
-            <a:ext cx="4586760" cy="1148400"/>
+            <a:off x="457200" y="205200"/>
+            <a:ext cx="8229240" cy="858600"/>
           </a:xfrm>
           <a:prstGeom prst="rect">
             <a:avLst/>
@@ -2609,18 +2466,16 @@
             <a:noAutofit/>
           </a:bodyPr>
           <a:p>
-            <a:endParaRPr b="0" lang="en-IN" sz="1400" spc="-1" strike="noStrike">
-              <a:solidFill>
-                <a:srgbClr val="000000"/>
-              </a:solidFill>
-              <a:latin typeface="Arial"/>
-            </a:endParaRPr>
-          </a:p>
-        </p:txBody>
-      </p:sp>
-      <p:sp>
-        <p:nvSpPr>
-          <p:cNvPr id="99" name="PlaceHolder 2"/>
+            <a:pPr algn="ctr"/>
+            <a:endParaRPr b="0" lang="en-IN" sz="4400" spc="-1" strike="noStrike">
+              <a:latin typeface="Arial"/>
+            </a:endParaRPr>
+          </a:p>
+        </p:txBody>
+      </p:sp>
+      <p:sp>
+        <p:nvSpPr>
+          <p:cNvPr id="96" name="PlaceHolder 2"/>
           <p:cNvSpPr>
             <a:spLocks noGrp="1"/>
           </p:cNvSpPr>
@@ -2646,18 +2501,15 @@
             <a:normAutofit/>
           </a:bodyPr>
           <a:p>
-            <a:endParaRPr b="0" lang="en-IN" sz="1400" spc="-1" strike="noStrike">
-              <a:solidFill>
-                <a:srgbClr val="000000"/>
-              </a:solidFill>
-              <a:latin typeface="Arial"/>
-            </a:endParaRPr>
-          </a:p>
-        </p:txBody>
-      </p:sp>
-      <p:sp>
-        <p:nvSpPr>
-          <p:cNvPr id="100" name="PlaceHolder 3"/>
+            <a:endParaRPr b="0" lang="en-IN" sz="3200" spc="-1" strike="noStrike">
+              <a:latin typeface="Arial"/>
+            </a:endParaRPr>
+          </a:p>
+        </p:txBody>
+      </p:sp>
+      <p:sp>
+        <p:nvSpPr>
+          <p:cNvPr id="97" name="PlaceHolder 3"/>
           <p:cNvSpPr>
             <a:spLocks noGrp="1"/>
           </p:cNvSpPr>
@@ -2683,10 +2535,7 @@
             <a:normAutofit/>
           </a:bodyPr>
           <a:p>
-            <a:endParaRPr b="0" lang="en-IN" sz="1400" spc="-1" strike="noStrike">
-              <a:solidFill>
-                <a:srgbClr val="000000"/>
-              </a:solidFill>
+            <a:endParaRPr b="0" lang="en-IN" sz="3200" spc="-1" strike="noStrike">
               <a:latin typeface="Arial"/>
             </a:endParaRPr>
           </a:p>
@@ -2716,7 +2565,7 @@
       </p:grpSpPr>
       <p:sp>
         <p:nvSpPr>
-          <p:cNvPr id="101" name="PlaceHolder 1"/>
+          <p:cNvPr id="98" name="PlaceHolder 1"/>
           <p:cNvSpPr>
             <a:spLocks noGrp="1"/>
           </p:cNvSpPr>
@@ -2726,8 +2575,8 @@
         </p:nvSpPr>
         <p:spPr>
           <a:xfrm>
-            <a:off x="823680" y="2053080"/>
-            <a:ext cx="4586760" cy="1148400"/>
+            <a:off x="457200" y="205200"/>
+            <a:ext cx="8229240" cy="858600"/>
           </a:xfrm>
           <a:prstGeom prst="rect">
             <a:avLst/>
@@ -2742,10 +2591,8 @@
             <a:noAutofit/>
           </a:bodyPr>
           <a:p>
-            <a:endParaRPr b="0" lang="en-IN" sz="1400" spc="-1" strike="noStrike">
-              <a:solidFill>
-                <a:srgbClr val="000000"/>
-              </a:solidFill>
+            <a:pPr algn="ctr"/>
+            <a:endParaRPr b="0" lang="en-IN" sz="4400" spc="-1" strike="noStrike">
               <a:latin typeface="Arial"/>
             </a:endParaRPr>
           </a:p>
@@ -2775,7 +2622,7 @@
       </p:grpSpPr>
       <p:sp>
         <p:nvSpPr>
-          <p:cNvPr id="11" name="PlaceHolder 1"/>
+          <p:cNvPr id="10" name="PlaceHolder 1"/>
           <p:cNvSpPr>
             <a:spLocks noGrp="1"/>
           </p:cNvSpPr>
@@ -2785,8 +2632,8 @@
         </p:nvSpPr>
         <p:spPr>
           <a:xfrm>
-            <a:off x="823680" y="2053080"/>
-            <a:ext cx="4586760" cy="1148400"/>
+            <a:off x="457200" y="205200"/>
+            <a:ext cx="8229240" cy="858600"/>
           </a:xfrm>
           <a:prstGeom prst="rect">
             <a:avLst/>
@@ -2801,18 +2648,16 @@
             <a:noAutofit/>
           </a:bodyPr>
           <a:p>
-            <a:endParaRPr b="0" lang="en-IN" sz="1400" spc="-1" strike="noStrike">
-              <a:solidFill>
-                <a:srgbClr val="000000"/>
-              </a:solidFill>
-              <a:latin typeface="Arial"/>
-            </a:endParaRPr>
-          </a:p>
-        </p:txBody>
-      </p:sp>
-      <p:sp>
-        <p:nvSpPr>
-          <p:cNvPr id="12" name="PlaceHolder 2"/>
+            <a:pPr algn="ctr"/>
+            <a:endParaRPr b="0" lang="en-IN" sz="4400" spc="-1" strike="noStrike">
+              <a:latin typeface="Arial"/>
+            </a:endParaRPr>
+          </a:p>
+        </p:txBody>
+      </p:sp>
+      <p:sp>
+        <p:nvSpPr>
+          <p:cNvPr id="11" name="PlaceHolder 2"/>
           <p:cNvSpPr>
             <a:spLocks noGrp="1"/>
           </p:cNvSpPr>
@@ -2838,10 +2683,7 @@
             <a:normAutofit/>
           </a:bodyPr>
           <a:p>
-            <a:endParaRPr b="0" lang="en-IN" sz="1400" spc="-1" strike="noStrike">
-              <a:solidFill>
-                <a:srgbClr val="000000"/>
-              </a:solidFill>
+            <a:endParaRPr b="0" lang="en-IN" sz="3200" spc="-1" strike="noStrike">
               <a:latin typeface="Arial"/>
             </a:endParaRPr>
           </a:p>
@@ -2871,7 +2713,7 @@
       </p:grpSpPr>
       <p:sp>
         <p:nvSpPr>
-          <p:cNvPr id="102" name="PlaceHolder 1"/>
+          <p:cNvPr id="99" name="PlaceHolder 1"/>
           <p:cNvSpPr>
             <a:spLocks noGrp="1"/>
           </p:cNvSpPr>
@@ -2881,8 +2723,8 @@
         </p:nvSpPr>
         <p:spPr>
           <a:xfrm>
-            <a:off x="823680" y="2053080"/>
-            <a:ext cx="4586760" cy="5324760"/>
+            <a:off x="457200" y="205200"/>
+            <a:ext cx="8229240" cy="3981240"/>
           </a:xfrm>
           <a:prstGeom prst="rect">
             <a:avLst/>
@@ -2928,7 +2770,7 @@
       </p:grpSpPr>
       <p:sp>
         <p:nvSpPr>
-          <p:cNvPr id="103" name="PlaceHolder 1"/>
+          <p:cNvPr id="100" name="PlaceHolder 1"/>
           <p:cNvSpPr>
             <a:spLocks noGrp="1"/>
           </p:cNvSpPr>
@@ -2938,8 +2780,8 @@
         </p:nvSpPr>
         <p:spPr>
           <a:xfrm>
-            <a:off x="823680" y="2053080"/>
-            <a:ext cx="4586760" cy="1148400"/>
+            <a:off x="457200" y="205200"/>
+            <a:ext cx="8229240" cy="858600"/>
           </a:xfrm>
           <a:prstGeom prst="rect">
             <a:avLst/>
@@ -2954,18 +2796,16 @@
             <a:noAutofit/>
           </a:bodyPr>
           <a:p>
-            <a:endParaRPr b="0" lang="en-IN" sz="1400" spc="-1" strike="noStrike">
-              <a:solidFill>
-                <a:srgbClr val="000000"/>
-              </a:solidFill>
-              <a:latin typeface="Arial"/>
-            </a:endParaRPr>
-          </a:p>
-        </p:txBody>
-      </p:sp>
-      <p:sp>
-        <p:nvSpPr>
-          <p:cNvPr id="104" name="PlaceHolder 2"/>
+            <a:pPr algn="ctr"/>
+            <a:endParaRPr b="0" lang="en-IN" sz="4400" spc="-1" strike="noStrike">
+              <a:latin typeface="Arial"/>
+            </a:endParaRPr>
+          </a:p>
+        </p:txBody>
+      </p:sp>
+      <p:sp>
+        <p:nvSpPr>
+          <p:cNvPr id="101" name="PlaceHolder 2"/>
           <p:cNvSpPr>
             <a:spLocks noGrp="1"/>
           </p:cNvSpPr>
@@ -2991,18 +2831,15 @@
             <a:normAutofit/>
           </a:bodyPr>
           <a:p>
-            <a:endParaRPr b="0" lang="en-IN" sz="1400" spc="-1" strike="noStrike">
-              <a:solidFill>
-                <a:srgbClr val="000000"/>
-              </a:solidFill>
-              <a:latin typeface="Arial"/>
-            </a:endParaRPr>
-          </a:p>
-        </p:txBody>
-      </p:sp>
-      <p:sp>
-        <p:nvSpPr>
-          <p:cNvPr id="105" name="PlaceHolder 3"/>
+            <a:endParaRPr b="0" lang="en-IN" sz="3200" spc="-1" strike="noStrike">
+              <a:latin typeface="Arial"/>
+            </a:endParaRPr>
+          </a:p>
+        </p:txBody>
+      </p:sp>
+      <p:sp>
+        <p:nvSpPr>
+          <p:cNvPr id="102" name="PlaceHolder 3"/>
           <p:cNvSpPr>
             <a:spLocks noGrp="1"/>
           </p:cNvSpPr>
@@ -3028,18 +2865,15 @@
             <a:normAutofit/>
           </a:bodyPr>
           <a:p>
-            <a:endParaRPr b="0" lang="en-IN" sz="1400" spc="-1" strike="noStrike">
-              <a:solidFill>
-                <a:srgbClr val="000000"/>
-              </a:solidFill>
-              <a:latin typeface="Arial"/>
-            </a:endParaRPr>
-          </a:p>
-        </p:txBody>
-      </p:sp>
-      <p:sp>
-        <p:nvSpPr>
-          <p:cNvPr id="106" name="PlaceHolder 4"/>
+            <a:endParaRPr b="0" lang="en-IN" sz="3200" spc="-1" strike="noStrike">
+              <a:latin typeface="Arial"/>
+            </a:endParaRPr>
+          </a:p>
+        </p:txBody>
+      </p:sp>
+      <p:sp>
+        <p:nvSpPr>
+          <p:cNvPr id="103" name="PlaceHolder 4"/>
           <p:cNvSpPr>
             <a:spLocks noGrp="1"/>
           </p:cNvSpPr>
@@ -3065,10 +2899,7 @@
             <a:normAutofit/>
           </a:bodyPr>
           <a:p>
-            <a:endParaRPr b="0" lang="en-IN" sz="1400" spc="-1" strike="noStrike">
-              <a:solidFill>
-                <a:srgbClr val="000000"/>
-              </a:solidFill>
+            <a:endParaRPr b="0" lang="en-IN" sz="3200" spc="-1" strike="noStrike">
               <a:latin typeface="Arial"/>
             </a:endParaRPr>
           </a:p>
@@ -3098,7 +2929,7 @@
       </p:grpSpPr>
       <p:sp>
         <p:nvSpPr>
-          <p:cNvPr id="107" name="PlaceHolder 1"/>
+          <p:cNvPr id="104" name="PlaceHolder 1"/>
           <p:cNvSpPr>
             <a:spLocks noGrp="1"/>
           </p:cNvSpPr>
@@ -3108,8 +2939,8 @@
         </p:nvSpPr>
         <p:spPr>
           <a:xfrm>
-            <a:off x="823680" y="2053080"/>
-            <a:ext cx="4586760" cy="1148400"/>
+            <a:off x="457200" y="205200"/>
+            <a:ext cx="8229240" cy="858600"/>
           </a:xfrm>
           <a:prstGeom prst="rect">
             <a:avLst/>
@@ -3124,18 +2955,16 @@
             <a:noAutofit/>
           </a:bodyPr>
           <a:p>
-            <a:endParaRPr b="0" lang="en-IN" sz="1400" spc="-1" strike="noStrike">
-              <a:solidFill>
-                <a:srgbClr val="000000"/>
-              </a:solidFill>
-              <a:latin typeface="Arial"/>
-            </a:endParaRPr>
-          </a:p>
-        </p:txBody>
-      </p:sp>
-      <p:sp>
-        <p:nvSpPr>
-          <p:cNvPr id="108" name="PlaceHolder 2"/>
+            <a:pPr algn="ctr"/>
+            <a:endParaRPr b="0" lang="en-IN" sz="4400" spc="-1" strike="noStrike">
+              <a:latin typeface="Arial"/>
+            </a:endParaRPr>
+          </a:p>
+        </p:txBody>
+      </p:sp>
+      <p:sp>
+        <p:nvSpPr>
+          <p:cNvPr id="105" name="PlaceHolder 2"/>
           <p:cNvSpPr>
             <a:spLocks noGrp="1"/>
           </p:cNvSpPr>
@@ -3161,18 +2990,15 @@
             <a:normAutofit/>
           </a:bodyPr>
           <a:p>
-            <a:endParaRPr b="0" lang="en-IN" sz="1400" spc="-1" strike="noStrike">
-              <a:solidFill>
-                <a:srgbClr val="000000"/>
-              </a:solidFill>
-              <a:latin typeface="Arial"/>
-            </a:endParaRPr>
-          </a:p>
-        </p:txBody>
-      </p:sp>
-      <p:sp>
-        <p:nvSpPr>
-          <p:cNvPr id="109" name="PlaceHolder 3"/>
+            <a:endParaRPr b="0" lang="en-IN" sz="3200" spc="-1" strike="noStrike">
+              <a:latin typeface="Arial"/>
+            </a:endParaRPr>
+          </a:p>
+        </p:txBody>
+      </p:sp>
+      <p:sp>
+        <p:nvSpPr>
+          <p:cNvPr id="106" name="PlaceHolder 3"/>
           <p:cNvSpPr>
             <a:spLocks noGrp="1"/>
           </p:cNvSpPr>
@@ -3198,18 +3024,15 @@
             <a:normAutofit/>
           </a:bodyPr>
           <a:p>
-            <a:endParaRPr b="0" lang="en-IN" sz="1400" spc="-1" strike="noStrike">
-              <a:solidFill>
-                <a:srgbClr val="000000"/>
-              </a:solidFill>
-              <a:latin typeface="Arial"/>
-            </a:endParaRPr>
-          </a:p>
-        </p:txBody>
-      </p:sp>
-      <p:sp>
-        <p:nvSpPr>
-          <p:cNvPr id="110" name="PlaceHolder 4"/>
+            <a:endParaRPr b="0" lang="en-IN" sz="3200" spc="-1" strike="noStrike">
+              <a:latin typeface="Arial"/>
+            </a:endParaRPr>
+          </a:p>
+        </p:txBody>
+      </p:sp>
+      <p:sp>
+        <p:nvSpPr>
+          <p:cNvPr id="107" name="PlaceHolder 4"/>
           <p:cNvSpPr>
             <a:spLocks noGrp="1"/>
           </p:cNvSpPr>
@@ -3235,10 +3058,7 @@
             <a:normAutofit/>
           </a:bodyPr>
           <a:p>
-            <a:endParaRPr b="0" lang="en-IN" sz="1400" spc="-1" strike="noStrike">
-              <a:solidFill>
-                <a:srgbClr val="000000"/>
-              </a:solidFill>
+            <a:endParaRPr b="0" lang="en-IN" sz="3200" spc="-1" strike="noStrike">
               <a:latin typeface="Arial"/>
             </a:endParaRPr>
           </a:p>
@@ -3268,7 +3088,7 @@
       </p:grpSpPr>
       <p:sp>
         <p:nvSpPr>
-          <p:cNvPr id="111" name="PlaceHolder 1"/>
+          <p:cNvPr id="108" name="PlaceHolder 1"/>
           <p:cNvSpPr>
             <a:spLocks noGrp="1"/>
           </p:cNvSpPr>
@@ -3278,8 +3098,8 @@
         </p:nvSpPr>
         <p:spPr>
           <a:xfrm>
-            <a:off x="823680" y="2053080"/>
-            <a:ext cx="4586760" cy="1148400"/>
+            <a:off x="457200" y="205200"/>
+            <a:ext cx="8229240" cy="858600"/>
           </a:xfrm>
           <a:prstGeom prst="rect">
             <a:avLst/>
@@ -3294,18 +3114,16 @@
             <a:noAutofit/>
           </a:bodyPr>
           <a:p>
-            <a:endParaRPr b="0" lang="en-IN" sz="1400" spc="-1" strike="noStrike">
-              <a:solidFill>
-                <a:srgbClr val="000000"/>
-              </a:solidFill>
-              <a:latin typeface="Arial"/>
-            </a:endParaRPr>
-          </a:p>
-        </p:txBody>
-      </p:sp>
-      <p:sp>
-        <p:nvSpPr>
-          <p:cNvPr id="112" name="PlaceHolder 2"/>
+            <a:pPr algn="ctr"/>
+            <a:endParaRPr b="0" lang="en-IN" sz="4400" spc="-1" strike="noStrike">
+              <a:latin typeface="Arial"/>
+            </a:endParaRPr>
+          </a:p>
+        </p:txBody>
+      </p:sp>
+      <p:sp>
+        <p:nvSpPr>
+          <p:cNvPr id="109" name="PlaceHolder 2"/>
           <p:cNvSpPr>
             <a:spLocks noGrp="1"/>
           </p:cNvSpPr>
@@ -3331,18 +3149,15 @@
             <a:normAutofit/>
           </a:bodyPr>
           <a:p>
-            <a:endParaRPr b="0" lang="en-IN" sz="1400" spc="-1" strike="noStrike">
-              <a:solidFill>
-                <a:srgbClr val="000000"/>
-              </a:solidFill>
-              <a:latin typeface="Arial"/>
-            </a:endParaRPr>
-          </a:p>
-        </p:txBody>
-      </p:sp>
-      <p:sp>
-        <p:nvSpPr>
-          <p:cNvPr id="113" name="PlaceHolder 3"/>
+            <a:endParaRPr b="0" lang="en-IN" sz="3200" spc="-1" strike="noStrike">
+              <a:latin typeface="Arial"/>
+            </a:endParaRPr>
+          </a:p>
+        </p:txBody>
+      </p:sp>
+      <p:sp>
+        <p:nvSpPr>
+          <p:cNvPr id="110" name="PlaceHolder 3"/>
           <p:cNvSpPr>
             <a:spLocks noGrp="1"/>
           </p:cNvSpPr>
@@ -3368,18 +3183,15 @@
             <a:normAutofit/>
           </a:bodyPr>
           <a:p>
-            <a:endParaRPr b="0" lang="en-IN" sz="1400" spc="-1" strike="noStrike">
-              <a:solidFill>
-                <a:srgbClr val="000000"/>
-              </a:solidFill>
-              <a:latin typeface="Arial"/>
-            </a:endParaRPr>
-          </a:p>
-        </p:txBody>
-      </p:sp>
-      <p:sp>
-        <p:nvSpPr>
-          <p:cNvPr id="114" name="PlaceHolder 4"/>
+            <a:endParaRPr b="0" lang="en-IN" sz="3200" spc="-1" strike="noStrike">
+              <a:latin typeface="Arial"/>
+            </a:endParaRPr>
+          </a:p>
+        </p:txBody>
+      </p:sp>
+      <p:sp>
+        <p:nvSpPr>
+          <p:cNvPr id="111" name="PlaceHolder 4"/>
           <p:cNvSpPr>
             <a:spLocks noGrp="1"/>
           </p:cNvSpPr>
@@ -3405,10 +3217,7 @@
             <a:normAutofit/>
           </a:bodyPr>
           <a:p>
-            <a:endParaRPr b="0" lang="en-IN" sz="1400" spc="-1" strike="noStrike">
-              <a:solidFill>
-                <a:srgbClr val="000000"/>
-              </a:solidFill>
+            <a:endParaRPr b="0" lang="en-IN" sz="3200" spc="-1" strike="noStrike">
               <a:latin typeface="Arial"/>
             </a:endParaRPr>
           </a:p>
@@ -3438,7 +3247,7 @@
       </p:grpSpPr>
       <p:sp>
         <p:nvSpPr>
-          <p:cNvPr id="115" name="PlaceHolder 1"/>
+          <p:cNvPr id="112" name="PlaceHolder 1"/>
           <p:cNvSpPr>
             <a:spLocks noGrp="1"/>
           </p:cNvSpPr>
@@ -3448,8 +3257,8 @@
         </p:nvSpPr>
         <p:spPr>
           <a:xfrm>
-            <a:off x="823680" y="2053080"/>
-            <a:ext cx="4586760" cy="1148400"/>
+            <a:off x="457200" y="205200"/>
+            <a:ext cx="8229240" cy="858600"/>
           </a:xfrm>
           <a:prstGeom prst="rect">
             <a:avLst/>
@@ -3464,18 +3273,16 @@
             <a:noAutofit/>
           </a:bodyPr>
           <a:p>
-            <a:endParaRPr b="0" lang="en-IN" sz="1400" spc="-1" strike="noStrike">
-              <a:solidFill>
-                <a:srgbClr val="000000"/>
-              </a:solidFill>
-              <a:latin typeface="Arial"/>
-            </a:endParaRPr>
-          </a:p>
-        </p:txBody>
-      </p:sp>
-      <p:sp>
-        <p:nvSpPr>
-          <p:cNvPr id="116" name="PlaceHolder 2"/>
+            <a:pPr algn="ctr"/>
+            <a:endParaRPr b="0" lang="en-IN" sz="4400" spc="-1" strike="noStrike">
+              <a:latin typeface="Arial"/>
+            </a:endParaRPr>
+          </a:p>
+        </p:txBody>
+      </p:sp>
+      <p:sp>
+        <p:nvSpPr>
+          <p:cNvPr id="113" name="PlaceHolder 2"/>
           <p:cNvSpPr>
             <a:spLocks noGrp="1"/>
           </p:cNvSpPr>
@@ -3501,18 +3308,15 @@
             <a:normAutofit/>
           </a:bodyPr>
           <a:p>
-            <a:endParaRPr b="0" lang="en-IN" sz="1400" spc="-1" strike="noStrike">
-              <a:solidFill>
-                <a:srgbClr val="000000"/>
-              </a:solidFill>
-              <a:latin typeface="Arial"/>
-            </a:endParaRPr>
-          </a:p>
-        </p:txBody>
-      </p:sp>
-      <p:sp>
-        <p:nvSpPr>
-          <p:cNvPr id="117" name="PlaceHolder 3"/>
+            <a:endParaRPr b="0" lang="en-IN" sz="3200" spc="-1" strike="noStrike">
+              <a:latin typeface="Arial"/>
+            </a:endParaRPr>
+          </a:p>
+        </p:txBody>
+      </p:sp>
+      <p:sp>
+        <p:nvSpPr>
+          <p:cNvPr id="114" name="PlaceHolder 3"/>
           <p:cNvSpPr>
             <a:spLocks noGrp="1"/>
           </p:cNvSpPr>
@@ -3538,10 +3342,7 @@
             <a:normAutofit/>
           </a:bodyPr>
           <a:p>
-            <a:endParaRPr b="0" lang="en-IN" sz="1400" spc="-1" strike="noStrike">
-              <a:solidFill>
-                <a:srgbClr val="000000"/>
-              </a:solidFill>
+            <a:endParaRPr b="0" lang="en-IN" sz="3200" spc="-1" strike="noStrike">
               <a:latin typeface="Arial"/>
             </a:endParaRPr>
           </a:p>
@@ -3571,7 +3372,7 @@
       </p:grpSpPr>
       <p:sp>
         <p:nvSpPr>
-          <p:cNvPr id="118" name="PlaceHolder 1"/>
+          <p:cNvPr id="115" name="PlaceHolder 1"/>
           <p:cNvSpPr>
             <a:spLocks noGrp="1"/>
           </p:cNvSpPr>
@@ -3581,8 +3382,8 @@
         </p:nvSpPr>
         <p:spPr>
           <a:xfrm>
-            <a:off x="823680" y="2053080"/>
-            <a:ext cx="4586760" cy="1148400"/>
+            <a:off x="457200" y="205200"/>
+            <a:ext cx="8229240" cy="858600"/>
           </a:xfrm>
           <a:prstGeom prst="rect">
             <a:avLst/>
@@ -3597,18 +3398,16 @@
             <a:noAutofit/>
           </a:bodyPr>
           <a:p>
-            <a:endParaRPr b="0" lang="en-IN" sz="1400" spc="-1" strike="noStrike">
-              <a:solidFill>
-                <a:srgbClr val="000000"/>
-              </a:solidFill>
-              <a:latin typeface="Arial"/>
-            </a:endParaRPr>
-          </a:p>
-        </p:txBody>
-      </p:sp>
-      <p:sp>
-        <p:nvSpPr>
-          <p:cNvPr id="119" name="PlaceHolder 2"/>
+            <a:pPr algn="ctr"/>
+            <a:endParaRPr b="0" lang="en-IN" sz="4400" spc="-1" strike="noStrike">
+              <a:latin typeface="Arial"/>
+            </a:endParaRPr>
+          </a:p>
+        </p:txBody>
+      </p:sp>
+      <p:sp>
+        <p:nvSpPr>
+          <p:cNvPr id="116" name="PlaceHolder 2"/>
           <p:cNvSpPr>
             <a:spLocks noGrp="1"/>
           </p:cNvSpPr>
@@ -3634,18 +3433,15 @@
             <a:normAutofit/>
           </a:bodyPr>
           <a:p>
-            <a:endParaRPr b="0" lang="en-IN" sz="1400" spc="-1" strike="noStrike">
-              <a:solidFill>
-                <a:srgbClr val="000000"/>
-              </a:solidFill>
-              <a:latin typeface="Arial"/>
-            </a:endParaRPr>
-          </a:p>
-        </p:txBody>
-      </p:sp>
-      <p:sp>
-        <p:nvSpPr>
-          <p:cNvPr id="120" name="PlaceHolder 3"/>
+            <a:endParaRPr b="0" lang="en-IN" sz="3200" spc="-1" strike="noStrike">
+              <a:latin typeface="Arial"/>
+            </a:endParaRPr>
+          </a:p>
+        </p:txBody>
+      </p:sp>
+      <p:sp>
+        <p:nvSpPr>
+          <p:cNvPr id="117" name="PlaceHolder 3"/>
           <p:cNvSpPr>
             <a:spLocks noGrp="1"/>
           </p:cNvSpPr>
@@ -3671,18 +3467,15 @@
             <a:normAutofit/>
           </a:bodyPr>
           <a:p>
-            <a:endParaRPr b="0" lang="en-IN" sz="1400" spc="-1" strike="noStrike">
-              <a:solidFill>
-                <a:srgbClr val="000000"/>
-              </a:solidFill>
-              <a:latin typeface="Arial"/>
-            </a:endParaRPr>
-          </a:p>
-        </p:txBody>
-      </p:sp>
-      <p:sp>
-        <p:nvSpPr>
-          <p:cNvPr id="121" name="PlaceHolder 4"/>
+            <a:endParaRPr b="0" lang="en-IN" sz="3200" spc="-1" strike="noStrike">
+              <a:latin typeface="Arial"/>
+            </a:endParaRPr>
+          </a:p>
+        </p:txBody>
+      </p:sp>
+      <p:sp>
+        <p:nvSpPr>
+          <p:cNvPr id="118" name="PlaceHolder 4"/>
           <p:cNvSpPr>
             <a:spLocks noGrp="1"/>
           </p:cNvSpPr>
@@ -3708,18 +3501,15 @@
             <a:normAutofit/>
           </a:bodyPr>
           <a:p>
-            <a:endParaRPr b="0" lang="en-IN" sz="1400" spc="-1" strike="noStrike">
-              <a:solidFill>
-                <a:srgbClr val="000000"/>
-              </a:solidFill>
-              <a:latin typeface="Arial"/>
-            </a:endParaRPr>
-          </a:p>
-        </p:txBody>
-      </p:sp>
-      <p:sp>
-        <p:nvSpPr>
-          <p:cNvPr id="122" name="PlaceHolder 5"/>
+            <a:endParaRPr b="0" lang="en-IN" sz="3200" spc="-1" strike="noStrike">
+              <a:latin typeface="Arial"/>
+            </a:endParaRPr>
+          </a:p>
+        </p:txBody>
+      </p:sp>
+      <p:sp>
+        <p:nvSpPr>
+          <p:cNvPr id="119" name="PlaceHolder 5"/>
           <p:cNvSpPr>
             <a:spLocks noGrp="1"/>
           </p:cNvSpPr>
@@ -3745,10 +3535,7 @@
             <a:normAutofit/>
           </a:bodyPr>
           <a:p>
-            <a:endParaRPr b="0" lang="en-IN" sz="1400" spc="-1" strike="noStrike">
-              <a:solidFill>
-                <a:srgbClr val="000000"/>
-              </a:solidFill>
+            <a:endParaRPr b="0" lang="en-IN" sz="3200" spc="-1" strike="noStrike">
               <a:latin typeface="Arial"/>
             </a:endParaRPr>
           </a:p>
@@ -3778,7 +3565,7 @@
       </p:grpSpPr>
       <p:sp>
         <p:nvSpPr>
-          <p:cNvPr id="123" name="PlaceHolder 1"/>
+          <p:cNvPr id="120" name="PlaceHolder 1"/>
           <p:cNvSpPr>
             <a:spLocks noGrp="1"/>
           </p:cNvSpPr>
@@ -3788,8 +3575,8 @@
         </p:nvSpPr>
         <p:spPr>
           <a:xfrm>
-            <a:off x="823680" y="2053080"/>
-            <a:ext cx="4586760" cy="1148400"/>
+            <a:off x="457200" y="205200"/>
+            <a:ext cx="8229240" cy="858600"/>
           </a:xfrm>
           <a:prstGeom prst="rect">
             <a:avLst/>
@@ -3804,18 +3591,16 @@
             <a:noAutofit/>
           </a:bodyPr>
           <a:p>
-            <a:endParaRPr b="0" lang="en-IN" sz="1400" spc="-1" strike="noStrike">
-              <a:solidFill>
-                <a:srgbClr val="000000"/>
-              </a:solidFill>
-              <a:latin typeface="Arial"/>
-            </a:endParaRPr>
-          </a:p>
-        </p:txBody>
-      </p:sp>
-      <p:sp>
-        <p:nvSpPr>
-          <p:cNvPr id="124" name="PlaceHolder 2"/>
+            <a:pPr algn="ctr"/>
+            <a:endParaRPr b="0" lang="en-IN" sz="4400" spc="-1" strike="noStrike">
+              <a:latin typeface="Arial"/>
+            </a:endParaRPr>
+          </a:p>
+        </p:txBody>
+      </p:sp>
+      <p:sp>
+        <p:nvSpPr>
+          <p:cNvPr id="121" name="PlaceHolder 2"/>
           <p:cNvSpPr>
             <a:spLocks noGrp="1"/>
           </p:cNvSpPr>
@@ -3841,18 +3626,15 @@
             <a:normAutofit/>
           </a:bodyPr>
           <a:p>
-            <a:endParaRPr b="0" lang="en-IN" sz="1400" spc="-1" strike="noStrike">
-              <a:solidFill>
-                <a:srgbClr val="000000"/>
-              </a:solidFill>
-              <a:latin typeface="Arial"/>
-            </a:endParaRPr>
-          </a:p>
-        </p:txBody>
-      </p:sp>
-      <p:sp>
-        <p:nvSpPr>
-          <p:cNvPr id="125" name="PlaceHolder 3"/>
+            <a:endParaRPr b="0" lang="en-IN" sz="3200" spc="-1" strike="noStrike">
+              <a:latin typeface="Arial"/>
+            </a:endParaRPr>
+          </a:p>
+        </p:txBody>
+      </p:sp>
+      <p:sp>
+        <p:nvSpPr>
+          <p:cNvPr id="122" name="PlaceHolder 3"/>
           <p:cNvSpPr>
             <a:spLocks noGrp="1"/>
           </p:cNvSpPr>
@@ -3878,18 +3660,15 @@
             <a:normAutofit/>
           </a:bodyPr>
           <a:p>
-            <a:endParaRPr b="0" lang="en-IN" sz="1400" spc="-1" strike="noStrike">
-              <a:solidFill>
-                <a:srgbClr val="000000"/>
-              </a:solidFill>
-              <a:latin typeface="Arial"/>
-            </a:endParaRPr>
-          </a:p>
-        </p:txBody>
-      </p:sp>
-      <p:sp>
-        <p:nvSpPr>
-          <p:cNvPr id="126" name="PlaceHolder 4"/>
+            <a:endParaRPr b="0" lang="en-IN" sz="3200" spc="-1" strike="noStrike">
+              <a:latin typeface="Arial"/>
+            </a:endParaRPr>
+          </a:p>
+        </p:txBody>
+      </p:sp>
+      <p:sp>
+        <p:nvSpPr>
+          <p:cNvPr id="123" name="PlaceHolder 4"/>
           <p:cNvSpPr>
             <a:spLocks noGrp="1"/>
           </p:cNvSpPr>
@@ -3915,18 +3694,15 @@
             <a:normAutofit/>
           </a:bodyPr>
           <a:p>
-            <a:endParaRPr b="0" lang="en-IN" sz="1400" spc="-1" strike="noStrike">
-              <a:solidFill>
-                <a:srgbClr val="000000"/>
-              </a:solidFill>
-              <a:latin typeface="Arial"/>
-            </a:endParaRPr>
-          </a:p>
-        </p:txBody>
-      </p:sp>
-      <p:sp>
-        <p:nvSpPr>
-          <p:cNvPr id="127" name="PlaceHolder 5"/>
+            <a:endParaRPr b="0" lang="en-IN" sz="3200" spc="-1" strike="noStrike">
+              <a:latin typeface="Arial"/>
+            </a:endParaRPr>
+          </a:p>
+        </p:txBody>
+      </p:sp>
+      <p:sp>
+        <p:nvSpPr>
+          <p:cNvPr id="124" name="PlaceHolder 5"/>
           <p:cNvSpPr>
             <a:spLocks noGrp="1"/>
           </p:cNvSpPr>
@@ -3952,18 +3728,15 @@
             <a:normAutofit/>
           </a:bodyPr>
           <a:p>
-            <a:endParaRPr b="0" lang="en-IN" sz="1400" spc="-1" strike="noStrike">
-              <a:solidFill>
-                <a:srgbClr val="000000"/>
-              </a:solidFill>
-              <a:latin typeface="Arial"/>
-            </a:endParaRPr>
-          </a:p>
-        </p:txBody>
-      </p:sp>
-      <p:sp>
-        <p:nvSpPr>
-          <p:cNvPr id="128" name="PlaceHolder 6"/>
+            <a:endParaRPr b="0" lang="en-IN" sz="3200" spc="-1" strike="noStrike">
+              <a:latin typeface="Arial"/>
+            </a:endParaRPr>
+          </a:p>
+        </p:txBody>
+      </p:sp>
+      <p:sp>
+        <p:nvSpPr>
+          <p:cNvPr id="125" name="PlaceHolder 6"/>
           <p:cNvSpPr>
             <a:spLocks noGrp="1"/>
           </p:cNvSpPr>
@@ -3989,18 +3762,15 @@
             <a:normAutofit/>
           </a:bodyPr>
           <a:p>
-            <a:endParaRPr b="0" lang="en-IN" sz="1400" spc="-1" strike="noStrike">
-              <a:solidFill>
-                <a:srgbClr val="000000"/>
-              </a:solidFill>
-              <a:latin typeface="Arial"/>
-            </a:endParaRPr>
-          </a:p>
-        </p:txBody>
-      </p:sp>
-      <p:sp>
-        <p:nvSpPr>
-          <p:cNvPr id="129" name="PlaceHolder 7"/>
+            <a:endParaRPr b="0" lang="en-IN" sz="3200" spc="-1" strike="noStrike">
+              <a:latin typeface="Arial"/>
+            </a:endParaRPr>
+          </a:p>
+        </p:txBody>
+      </p:sp>
+      <p:sp>
+        <p:nvSpPr>
+          <p:cNvPr id="126" name="PlaceHolder 7"/>
           <p:cNvSpPr>
             <a:spLocks noGrp="1"/>
           </p:cNvSpPr>
@@ -4026,10 +3796,7 @@
             <a:normAutofit/>
           </a:bodyPr>
           <a:p>
-            <a:endParaRPr b="0" lang="en-IN" sz="1400" spc="-1" strike="noStrike">
-              <a:solidFill>
-                <a:srgbClr val="000000"/>
-              </a:solidFill>
+            <a:endParaRPr b="0" lang="en-IN" sz="3200" spc="-1" strike="noStrike">
               <a:latin typeface="Arial"/>
             </a:endParaRPr>
           </a:p>
@@ -4081,7 +3848,7 @@
       </p:grpSpPr>
       <p:sp>
         <p:nvSpPr>
-          <p:cNvPr id="136" name="PlaceHolder 1"/>
+          <p:cNvPr id="132" name="PlaceHolder 1"/>
           <p:cNvSpPr>
             <a:spLocks noGrp="1"/>
           </p:cNvSpPr>
@@ -4091,8 +3858,8 @@
         </p:nvSpPr>
         <p:spPr>
           <a:xfrm>
-            <a:off x="823680" y="2053080"/>
-            <a:ext cx="4586760" cy="1148400"/>
+            <a:off x="457200" y="205200"/>
+            <a:ext cx="8229240" cy="858600"/>
           </a:xfrm>
           <a:prstGeom prst="rect">
             <a:avLst/>
@@ -4107,18 +3874,16 @@
             <a:noAutofit/>
           </a:bodyPr>
           <a:p>
-            <a:endParaRPr b="0" lang="en-IN" sz="1400" spc="-1" strike="noStrike">
-              <a:solidFill>
-                <a:srgbClr val="000000"/>
-              </a:solidFill>
-              <a:latin typeface="Arial"/>
-            </a:endParaRPr>
-          </a:p>
-        </p:txBody>
-      </p:sp>
-      <p:sp>
-        <p:nvSpPr>
-          <p:cNvPr id="137" name="PlaceHolder 2"/>
+            <a:pPr algn="ctr"/>
+            <a:endParaRPr b="0" lang="en-IN" sz="4400" spc="-1" strike="noStrike">
+              <a:latin typeface="Arial"/>
+            </a:endParaRPr>
+          </a:p>
+        </p:txBody>
+      </p:sp>
+      <p:sp>
+        <p:nvSpPr>
+          <p:cNvPr id="133" name="PlaceHolder 2"/>
           <p:cNvSpPr>
             <a:spLocks noGrp="1"/>
           </p:cNvSpPr>
@@ -4175,7 +3940,7 @@
       </p:grpSpPr>
       <p:sp>
         <p:nvSpPr>
-          <p:cNvPr id="138" name="PlaceHolder 1"/>
+          <p:cNvPr id="134" name="PlaceHolder 1"/>
           <p:cNvSpPr>
             <a:spLocks noGrp="1"/>
           </p:cNvSpPr>
@@ -4185,8 +3950,8 @@
         </p:nvSpPr>
         <p:spPr>
           <a:xfrm>
-            <a:off x="823680" y="2053080"/>
-            <a:ext cx="4586760" cy="1148400"/>
+            <a:off x="457200" y="205200"/>
+            <a:ext cx="8229240" cy="858600"/>
           </a:xfrm>
           <a:prstGeom prst="rect">
             <a:avLst/>
@@ -4201,18 +3966,16 @@
             <a:noAutofit/>
           </a:bodyPr>
           <a:p>
-            <a:endParaRPr b="0" lang="en-IN" sz="1400" spc="-1" strike="noStrike">
-              <a:solidFill>
-                <a:srgbClr val="000000"/>
-              </a:solidFill>
-              <a:latin typeface="Arial"/>
-            </a:endParaRPr>
-          </a:p>
-        </p:txBody>
-      </p:sp>
-      <p:sp>
-        <p:nvSpPr>
-          <p:cNvPr id="139" name="PlaceHolder 2"/>
+            <a:pPr algn="ctr"/>
+            <a:endParaRPr b="0" lang="en-IN" sz="4400" spc="-1" strike="noStrike">
+              <a:latin typeface="Arial"/>
+            </a:endParaRPr>
+          </a:p>
+        </p:txBody>
+      </p:sp>
+      <p:sp>
+        <p:nvSpPr>
+          <p:cNvPr id="135" name="PlaceHolder 2"/>
           <p:cNvSpPr>
             <a:spLocks noGrp="1"/>
           </p:cNvSpPr>
@@ -4238,10 +4001,7 @@
             <a:normAutofit/>
           </a:bodyPr>
           <a:p>
-            <a:endParaRPr b="0" lang="en-IN" sz="1400" spc="-1" strike="noStrike">
-              <a:solidFill>
-                <a:srgbClr val="000000"/>
-              </a:solidFill>
+            <a:endParaRPr b="0" lang="en-IN" sz="3200" spc="-1" strike="noStrike">
               <a:latin typeface="Arial"/>
             </a:endParaRPr>
           </a:p>
@@ -4271,7 +4031,7 @@
       </p:grpSpPr>
       <p:sp>
         <p:nvSpPr>
-          <p:cNvPr id="13" name="PlaceHolder 1"/>
+          <p:cNvPr id="12" name="PlaceHolder 1"/>
           <p:cNvSpPr>
             <a:spLocks noGrp="1"/>
           </p:cNvSpPr>
@@ -4281,8 +4041,8 @@
         </p:nvSpPr>
         <p:spPr>
           <a:xfrm>
-            <a:off x="823680" y="2053080"/>
-            <a:ext cx="4586760" cy="1148400"/>
+            <a:off x="457200" y="205200"/>
+            <a:ext cx="8229240" cy="858600"/>
           </a:xfrm>
           <a:prstGeom prst="rect">
             <a:avLst/>
@@ -4297,18 +4057,16 @@
             <a:noAutofit/>
           </a:bodyPr>
           <a:p>
-            <a:endParaRPr b="0" lang="en-IN" sz="1400" spc="-1" strike="noStrike">
-              <a:solidFill>
-                <a:srgbClr val="000000"/>
-              </a:solidFill>
-              <a:latin typeface="Arial"/>
-            </a:endParaRPr>
-          </a:p>
-        </p:txBody>
-      </p:sp>
-      <p:sp>
-        <p:nvSpPr>
-          <p:cNvPr id="14" name="PlaceHolder 2"/>
+            <a:pPr algn="ctr"/>
+            <a:endParaRPr b="0" lang="en-IN" sz="4400" spc="-1" strike="noStrike">
+              <a:latin typeface="Arial"/>
+            </a:endParaRPr>
+          </a:p>
+        </p:txBody>
+      </p:sp>
+      <p:sp>
+        <p:nvSpPr>
+          <p:cNvPr id="13" name="PlaceHolder 2"/>
           <p:cNvSpPr>
             <a:spLocks noGrp="1"/>
           </p:cNvSpPr>
@@ -4334,18 +4092,15 @@
             <a:normAutofit/>
           </a:bodyPr>
           <a:p>
-            <a:endParaRPr b="0" lang="en-IN" sz="1400" spc="-1" strike="noStrike">
-              <a:solidFill>
-                <a:srgbClr val="000000"/>
-              </a:solidFill>
-              <a:latin typeface="Arial"/>
-            </a:endParaRPr>
-          </a:p>
-        </p:txBody>
-      </p:sp>
-      <p:sp>
-        <p:nvSpPr>
-          <p:cNvPr id="15" name="PlaceHolder 3"/>
+            <a:endParaRPr b="0" lang="en-IN" sz="3200" spc="-1" strike="noStrike">
+              <a:latin typeface="Arial"/>
+            </a:endParaRPr>
+          </a:p>
+        </p:txBody>
+      </p:sp>
+      <p:sp>
+        <p:nvSpPr>
+          <p:cNvPr id="14" name="PlaceHolder 3"/>
           <p:cNvSpPr>
             <a:spLocks noGrp="1"/>
           </p:cNvSpPr>
@@ -4371,10 +4126,7 @@
             <a:normAutofit/>
           </a:bodyPr>
           <a:p>
-            <a:endParaRPr b="0" lang="en-IN" sz="1400" spc="-1" strike="noStrike">
-              <a:solidFill>
-                <a:srgbClr val="000000"/>
-              </a:solidFill>
+            <a:endParaRPr b="0" lang="en-IN" sz="3200" spc="-1" strike="noStrike">
               <a:latin typeface="Arial"/>
             </a:endParaRPr>
           </a:p>
@@ -4404,7 +4156,7 @@
       </p:grpSpPr>
       <p:sp>
         <p:nvSpPr>
-          <p:cNvPr id="140" name="PlaceHolder 1"/>
+          <p:cNvPr id="136" name="PlaceHolder 1"/>
           <p:cNvSpPr>
             <a:spLocks noGrp="1"/>
           </p:cNvSpPr>
@@ -4414,8 +4166,8 @@
         </p:nvSpPr>
         <p:spPr>
           <a:xfrm>
-            <a:off x="823680" y="2053080"/>
-            <a:ext cx="4586760" cy="1148400"/>
+            <a:off x="457200" y="205200"/>
+            <a:ext cx="8229240" cy="858600"/>
           </a:xfrm>
           <a:prstGeom prst="rect">
             <a:avLst/>
@@ -4430,18 +4182,16 @@
             <a:noAutofit/>
           </a:bodyPr>
           <a:p>
-            <a:endParaRPr b="0" lang="en-IN" sz="1400" spc="-1" strike="noStrike">
-              <a:solidFill>
-                <a:srgbClr val="000000"/>
-              </a:solidFill>
-              <a:latin typeface="Arial"/>
-            </a:endParaRPr>
-          </a:p>
-        </p:txBody>
-      </p:sp>
-      <p:sp>
-        <p:nvSpPr>
-          <p:cNvPr id="141" name="PlaceHolder 2"/>
+            <a:pPr algn="ctr"/>
+            <a:endParaRPr b="0" lang="en-IN" sz="4400" spc="-1" strike="noStrike">
+              <a:latin typeface="Arial"/>
+            </a:endParaRPr>
+          </a:p>
+        </p:txBody>
+      </p:sp>
+      <p:sp>
+        <p:nvSpPr>
+          <p:cNvPr id="137" name="PlaceHolder 2"/>
           <p:cNvSpPr>
             <a:spLocks noGrp="1"/>
           </p:cNvSpPr>
@@ -4467,18 +4217,15 @@
             <a:normAutofit/>
           </a:bodyPr>
           <a:p>
-            <a:endParaRPr b="0" lang="en-IN" sz="1400" spc="-1" strike="noStrike">
-              <a:solidFill>
-                <a:srgbClr val="000000"/>
-              </a:solidFill>
-              <a:latin typeface="Arial"/>
-            </a:endParaRPr>
-          </a:p>
-        </p:txBody>
-      </p:sp>
-      <p:sp>
-        <p:nvSpPr>
-          <p:cNvPr id="142" name="PlaceHolder 3"/>
+            <a:endParaRPr b="0" lang="en-IN" sz="3200" spc="-1" strike="noStrike">
+              <a:latin typeface="Arial"/>
+            </a:endParaRPr>
+          </a:p>
+        </p:txBody>
+      </p:sp>
+      <p:sp>
+        <p:nvSpPr>
+          <p:cNvPr id="138" name="PlaceHolder 3"/>
           <p:cNvSpPr>
             <a:spLocks noGrp="1"/>
           </p:cNvSpPr>
@@ -4504,10 +4251,7 @@
             <a:normAutofit/>
           </a:bodyPr>
           <a:p>
-            <a:endParaRPr b="0" lang="en-IN" sz="1400" spc="-1" strike="noStrike">
-              <a:solidFill>
-                <a:srgbClr val="000000"/>
-              </a:solidFill>
+            <a:endParaRPr b="0" lang="en-IN" sz="3200" spc="-1" strike="noStrike">
               <a:latin typeface="Arial"/>
             </a:endParaRPr>
           </a:p>
@@ -4537,7 +4281,7 @@
       </p:grpSpPr>
       <p:sp>
         <p:nvSpPr>
-          <p:cNvPr id="143" name="PlaceHolder 1"/>
+          <p:cNvPr id="139" name="PlaceHolder 1"/>
           <p:cNvSpPr>
             <a:spLocks noGrp="1"/>
           </p:cNvSpPr>
@@ -4547,8 +4291,8 @@
         </p:nvSpPr>
         <p:spPr>
           <a:xfrm>
-            <a:off x="823680" y="2053080"/>
-            <a:ext cx="4586760" cy="1148400"/>
+            <a:off x="457200" y="205200"/>
+            <a:ext cx="8229240" cy="858600"/>
           </a:xfrm>
           <a:prstGeom prst="rect">
             <a:avLst/>
@@ -4563,10 +4307,8 @@
             <a:noAutofit/>
           </a:bodyPr>
           <a:p>
-            <a:endParaRPr b="0" lang="en-IN" sz="1400" spc="-1" strike="noStrike">
-              <a:solidFill>
-                <a:srgbClr val="000000"/>
-              </a:solidFill>
+            <a:pPr algn="ctr"/>
+            <a:endParaRPr b="0" lang="en-IN" sz="4400" spc="-1" strike="noStrike">
               <a:latin typeface="Arial"/>
             </a:endParaRPr>
           </a:p>
@@ -4596,7 +4338,7 @@
       </p:grpSpPr>
       <p:sp>
         <p:nvSpPr>
-          <p:cNvPr id="144" name="PlaceHolder 1"/>
+          <p:cNvPr id="140" name="PlaceHolder 1"/>
           <p:cNvSpPr>
             <a:spLocks noGrp="1"/>
           </p:cNvSpPr>
@@ -4606,8 +4348,8 @@
         </p:nvSpPr>
         <p:spPr>
           <a:xfrm>
-            <a:off x="823680" y="2053080"/>
-            <a:ext cx="4586760" cy="5324760"/>
+            <a:off x="457200" y="205200"/>
+            <a:ext cx="8229240" cy="3981240"/>
           </a:xfrm>
           <a:prstGeom prst="rect">
             <a:avLst/>
@@ -4653,7 +4395,7 @@
       </p:grpSpPr>
       <p:sp>
         <p:nvSpPr>
-          <p:cNvPr id="145" name="PlaceHolder 1"/>
+          <p:cNvPr id="141" name="PlaceHolder 1"/>
           <p:cNvSpPr>
             <a:spLocks noGrp="1"/>
           </p:cNvSpPr>
@@ -4663,8 +4405,8 @@
         </p:nvSpPr>
         <p:spPr>
           <a:xfrm>
-            <a:off x="823680" y="2053080"/>
-            <a:ext cx="4586760" cy="1148400"/>
+            <a:off x="457200" y="205200"/>
+            <a:ext cx="8229240" cy="858600"/>
           </a:xfrm>
           <a:prstGeom prst="rect">
             <a:avLst/>
@@ -4679,18 +4421,16 @@
             <a:noAutofit/>
           </a:bodyPr>
           <a:p>
-            <a:endParaRPr b="0" lang="en-IN" sz="1400" spc="-1" strike="noStrike">
-              <a:solidFill>
-                <a:srgbClr val="000000"/>
-              </a:solidFill>
-              <a:latin typeface="Arial"/>
-            </a:endParaRPr>
-          </a:p>
-        </p:txBody>
-      </p:sp>
-      <p:sp>
-        <p:nvSpPr>
-          <p:cNvPr id="146" name="PlaceHolder 2"/>
+            <a:pPr algn="ctr"/>
+            <a:endParaRPr b="0" lang="en-IN" sz="4400" spc="-1" strike="noStrike">
+              <a:latin typeface="Arial"/>
+            </a:endParaRPr>
+          </a:p>
+        </p:txBody>
+      </p:sp>
+      <p:sp>
+        <p:nvSpPr>
+          <p:cNvPr id="142" name="PlaceHolder 2"/>
           <p:cNvSpPr>
             <a:spLocks noGrp="1"/>
           </p:cNvSpPr>
@@ -4716,18 +4456,15 @@
             <a:normAutofit/>
           </a:bodyPr>
           <a:p>
-            <a:endParaRPr b="0" lang="en-IN" sz="1400" spc="-1" strike="noStrike">
-              <a:solidFill>
-                <a:srgbClr val="000000"/>
-              </a:solidFill>
-              <a:latin typeface="Arial"/>
-            </a:endParaRPr>
-          </a:p>
-        </p:txBody>
-      </p:sp>
-      <p:sp>
-        <p:nvSpPr>
-          <p:cNvPr id="147" name="PlaceHolder 3"/>
+            <a:endParaRPr b="0" lang="en-IN" sz="3200" spc="-1" strike="noStrike">
+              <a:latin typeface="Arial"/>
+            </a:endParaRPr>
+          </a:p>
+        </p:txBody>
+      </p:sp>
+      <p:sp>
+        <p:nvSpPr>
+          <p:cNvPr id="143" name="PlaceHolder 3"/>
           <p:cNvSpPr>
             <a:spLocks noGrp="1"/>
           </p:cNvSpPr>
@@ -4753,18 +4490,15 @@
             <a:normAutofit/>
           </a:bodyPr>
           <a:p>
-            <a:endParaRPr b="0" lang="en-IN" sz="1400" spc="-1" strike="noStrike">
-              <a:solidFill>
-                <a:srgbClr val="000000"/>
-              </a:solidFill>
-              <a:latin typeface="Arial"/>
-            </a:endParaRPr>
-          </a:p>
-        </p:txBody>
-      </p:sp>
-      <p:sp>
-        <p:nvSpPr>
-          <p:cNvPr id="148" name="PlaceHolder 4"/>
+            <a:endParaRPr b="0" lang="en-IN" sz="3200" spc="-1" strike="noStrike">
+              <a:latin typeface="Arial"/>
+            </a:endParaRPr>
+          </a:p>
+        </p:txBody>
+      </p:sp>
+      <p:sp>
+        <p:nvSpPr>
+          <p:cNvPr id="144" name="PlaceHolder 4"/>
           <p:cNvSpPr>
             <a:spLocks noGrp="1"/>
           </p:cNvSpPr>
@@ -4790,10 +4524,7 @@
             <a:normAutofit/>
           </a:bodyPr>
           <a:p>
-            <a:endParaRPr b="0" lang="en-IN" sz="1400" spc="-1" strike="noStrike">
-              <a:solidFill>
-                <a:srgbClr val="000000"/>
-              </a:solidFill>
+            <a:endParaRPr b="0" lang="en-IN" sz="3200" spc="-1" strike="noStrike">
               <a:latin typeface="Arial"/>
             </a:endParaRPr>
           </a:p>
@@ -4823,7 +4554,7 @@
       </p:grpSpPr>
       <p:sp>
         <p:nvSpPr>
-          <p:cNvPr id="149" name="PlaceHolder 1"/>
+          <p:cNvPr id="145" name="PlaceHolder 1"/>
           <p:cNvSpPr>
             <a:spLocks noGrp="1"/>
           </p:cNvSpPr>
@@ -4833,8 +4564,8 @@
         </p:nvSpPr>
         <p:spPr>
           <a:xfrm>
-            <a:off x="823680" y="2053080"/>
-            <a:ext cx="4586760" cy="1148400"/>
+            <a:off x="457200" y="205200"/>
+            <a:ext cx="8229240" cy="858600"/>
           </a:xfrm>
           <a:prstGeom prst="rect">
             <a:avLst/>
@@ -4849,18 +4580,16 @@
             <a:noAutofit/>
           </a:bodyPr>
           <a:p>
-            <a:endParaRPr b="0" lang="en-IN" sz="1400" spc="-1" strike="noStrike">
-              <a:solidFill>
-                <a:srgbClr val="000000"/>
-              </a:solidFill>
-              <a:latin typeface="Arial"/>
-            </a:endParaRPr>
-          </a:p>
-        </p:txBody>
-      </p:sp>
-      <p:sp>
-        <p:nvSpPr>
-          <p:cNvPr id="150" name="PlaceHolder 2"/>
+            <a:pPr algn="ctr"/>
+            <a:endParaRPr b="0" lang="en-IN" sz="4400" spc="-1" strike="noStrike">
+              <a:latin typeface="Arial"/>
+            </a:endParaRPr>
+          </a:p>
+        </p:txBody>
+      </p:sp>
+      <p:sp>
+        <p:nvSpPr>
+          <p:cNvPr id="146" name="PlaceHolder 2"/>
           <p:cNvSpPr>
             <a:spLocks noGrp="1"/>
           </p:cNvSpPr>
@@ -4886,18 +4615,15 @@
             <a:normAutofit/>
           </a:bodyPr>
           <a:p>
-            <a:endParaRPr b="0" lang="en-IN" sz="1400" spc="-1" strike="noStrike">
-              <a:solidFill>
-                <a:srgbClr val="000000"/>
-              </a:solidFill>
-              <a:latin typeface="Arial"/>
-            </a:endParaRPr>
-          </a:p>
-        </p:txBody>
-      </p:sp>
-      <p:sp>
-        <p:nvSpPr>
-          <p:cNvPr id="151" name="PlaceHolder 3"/>
+            <a:endParaRPr b="0" lang="en-IN" sz="3200" spc="-1" strike="noStrike">
+              <a:latin typeface="Arial"/>
+            </a:endParaRPr>
+          </a:p>
+        </p:txBody>
+      </p:sp>
+      <p:sp>
+        <p:nvSpPr>
+          <p:cNvPr id="147" name="PlaceHolder 3"/>
           <p:cNvSpPr>
             <a:spLocks noGrp="1"/>
           </p:cNvSpPr>
@@ -4923,18 +4649,15 @@
             <a:normAutofit/>
           </a:bodyPr>
           <a:p>
-            <a:endParaRPr b="0" lang="en-IN" sz="1400" spc="-1" strike="noStrike">
-              <a:solidFill>
-                <a:srgbClr val="000000"/>
-              </a:solidFill>
-              <a:latin typeface="Arial"/>
-            </a:endParaRPr>
-          </a:p>
-        </p:txBody>
-      </p:sp>
-      <p:sp>
-        <p:nvSpPr>
-          <p:cNvPr id="152" name="PlaceHolder 4"/>
+            <a:endParaRPr b="0" lang="en-IN" sz="3200" spc="-1" strike="noStrike">
+              <a:latin typeface="Arial"/>
+            </a:endParaRPr>
+          </a:p>
+        </p:txBody>
+      </p:sp>
+      <p:sp>
+        <p:nvSpPr>
+          <p:cNvPr id="148" name="PlaceHolder 4"/>
           <p:cNvSpPr>
             <a:spLocks noGrp="1"/>
           </p:cNvSpPr>
@@ -4960,10 +4683,7 @@
             <a:normAutofit/>
           </a:bodyPr>
           <a:p>
-            <a:endParaRPr b="0" lang="en-IN" sz="1400" spc="-1" strike="noStrike">
-              <a:solidFill>
-                <a:srgbClr val="000000"/>
-              </a:solidFill>
+            <a:endParaRPr b="0" lang="en-IN" sz="3200" spc="-1" strike="noStrike">
               <a:latin typeface="Arial"/>
             </a:endParaRPr>
           </a:p>
@@ -4993,7 +4713,7 @@
       </p:grpSpPr>
       <p:sp>
         <p:nvSpPr>
-          <p:cNvPr id="153" name="PlaceHolder 1"/>
+          <p:cNvPr id="149" name="PlaceHolder 1"/>
           <p:cNvSpPr>
             <a:spLocks noGrp="1"/>
           </p:cNvSpPr>
@@ -5003,8 +4723,8 @@
         </p:nvSpPr>
         <p:spPr>
           <a:xfrm>
-            <a:off x="823680" y="2053080"/>
-            <a:ext cx="4586760" cy="1148400"/>
+            <a:off x="457200" y="205200"/>
+            <a:ext cx="8229240" cy="858600"/>
           </a:xfrm>
           <a:prstGeom prst="rect">
             <a:avLst/>
@@ -5019,18 +4739,16 @@
             <a:noAutofit/>
           </a:bodyPr>
           <a:p>
-            <a:endParaRPr b="0" lang="en-IN" sz="1400" spc="-1" strike="noStrike">
-              <a:solidFill>
-                <a:srgbClr val="000000"/>
-              </a:solidFill>
-              <a:latin typeface="Arial"/>
-            </a:endParaRPr>
-          </a:p>
-        </p:txBody>
-      </p:sp>
-      <p:sp>
-        <p:nvSpPr>
-          <p:cNvPr id="154" name="PlaceHolder 2"/>
+            <a:pPr algn="ctr"/>
+            <a:endParaRPr b="0" lang="en-IN" sz="4400" spc="-1" strike="noStrike">
+              <a:latin typeface="Arial"/>
+            </a:endParaRPr>
+          </a:p>
+        </p:txBody>
+      </p:sp>
+      <p:sp>
+        <p:nvSpPr>
+          <p:cNvPr id="150" name="PlaceHolder 2"/>
           <p:cNvSpPr>
             <a:spLocks noGrp="1"/>
           </p:cNvSpPr>
@@ -5056,18 +4774,15 @@
             <a:normAutofit/>
           </a:bodyPr>
           <a:p>
-            <a:endParaRPr b="0" lang="en-IN" sz="1400" spc="-1" strike="noStrike">
-              <a:solidFill>
-                <a:srgbClr val="000000"/>
-              </a:solidFill>
-              <a:latin typeface="Arial"/>
-            </a:endParaRPr>
-          </a:p>
-        </p:txBody>
-      </p:sp>
-      <p:sp>
-        <p:nvSpPr>
-          <p:cNvPr id="155" name="PlaceHolder 3"/>
+            <a:endParaRPr b="0" lang="en-IN" sz="3200" spc="-1" strike="noStrike">
+              <a:latin typeface="Arial"/>
+            </a:endParaRPr>
+          </a:p>
+        </p:txBody>
+      </p:sp>
+      <p:sp>
+        <p:nvSpPr>
+          <p:cNvPr id="151" name="PlaceHolder 3"/>
           <p:cNvSpPr>
             <a:spLocks noGrp="1"/>
           </p:cNvSpPr>
@@ -5093,18 +4808,15 @@
             <a:normAutofit/>
           </a:bodyPr>
           <a:p>
-            <a:endParaRPr b="0" lang="en-IN" sz="1400" spc="-1" strike="noStrike">
-              <a:solidFill>
-                <a:srgbClr val="000000"/>
-              </a:solidFill>
-              <a:latin typeface="Arial"/>
-            </a:endParaRPr>
-          </a:p>
-        </p:txBody>
-      </p:sp>
-      <p:sp>
-        <p:nvSpPr>
-          <p:cNvPr id="156" name="PlaceHolder 4"/>
+            <a:endParaRPr b="0" lang="en-IN" sz="3200" spc="-1" strike="noStrike">
+              <a:latin typeface="Arial"/>
+            </a:endParaRPr>
+          </a:p>
+        </p:txBody>
+      </p:sp>
+      <p:sp>
+        <p:nvSpPr>
+          <p:cNvPr id="152" name="PlaceHolder 4"/>
           <p:cNvSpPr>
             <a:spLocks noGrp="1"/>
           </p:cNvSpPr>
@@ -5130,10 +4842,7 @@
             <a:normAutofit/>
           </a:bodyPr>
           <a:p>
-            <a:endParaRPr b="0" lang="en-IN" sz="1400" spc="-1" strike="noStrike">
-              <a:solidFill>
-                <a:srgbClr val="000000"/>
-              </a:solidFill>
+            <a:endParaRPr b="0" lang="en-IN" sz="3200" spc="-1" strike="noStrike">
               <a:latin typeface="Arial"/>
             </a:endParaRPr>
           </a:p>
@@ -5163,7 +4872,7 @@
       </p:grpSpPr>
       <p:sp>
         <p:nvSpPr>
-          <p:cNvPr id="157" name="PlaceHolder 1"/>
+          <p:cNvPr id="153" name="PlaceHolder 1"/>
           <p:cNvSpPr>
             <a:spLocks noGrp="1"/>
           </p:cNvSpPr>
@@ -5173,8 +4882,8 @@
         </p:nvSpPr>
         <p:spPr>
           <a:xfrm>
-            <a:off x="823680" y="2053080"/>
-            <a:ext cx="4586760" cy="1148400"/>
+            <a:off x="457200" y="205200"/>
+            <a:ext cx="8229240" cy="858600"/>
           </a:xfrm>
           <a:prstGeom prst="rect">
             <a:avLst/>
@@ -5189,18 +4898,16 @@
             <a:noAutofit/>
           </a:bodyPr>
           <a:p>
-            <a:endParaRPr b="0" lang="en-IN" sz="1400" spc="-1" strike="noStrike">
-              <a:solidFill>
-                <a:srgbClr val="000000"/>
-              </a:solidFill>
-              <a:latin typeface="Arial"/>
-            </a:endParaRPr>
-          </a:p>
-        </p:txBody>
-      </p:sp>
-      <p:sp>
-        <p:nvSpPr>
-          <p:cNvPr id="158" name="PlaceHolder 2"/>
+            <a:pPr algn="ctr"/>
+            <a:endParaRPr b="0" lang="en-IN" sz="4400" spc="-1" strike="noStrike">
+              <a:latin typeface="Arial"/>
+            </a:endParaRPr>
+          </a:p>
+        </p:txBody>
+      </p:sp>
+      <p:sp>
+        <p:nvSpPr>
+          <p:cNvPr id="154" name="PlaceHolder 2"/>
           <p:cNvSpPr>
             <a:spLocks noGrp="1"/>
           </p:cNvSpPr>
@@ -5226,18 +4933,15 @@
             <a:normAutofit/>
           </a:bodyPr>
           <a:p>
-            <a:endParaRPr b="0" lang="en-IN" sz="1400" spc="-1" strike="noStrike">
-              <a:solidFill>
-                <a:srgbClr val="000000"/>
-              </a:solidFill>
-              <a:latin typeface="Arial"/>
-            </a:endParaRPr>
-          </a:p>
-        </p:txBody>
-      </p:sp>
-      <p:sp>
-        <p:nvSpPr>
-          <p:cNvPr id="159" name="PlaceHolder 3"/>
+            <a:endParaRPr b="0" lang="en-IN" sz="3200" spc="-1" strike="noStrike">
+              <a:latin typeface="Arial"/>
+            </a:endParaRPr>
+          </a:p>
+        </p:txBody>
+      </p:sp>
+      <p:sp>
+        <p:nvSpPr>
+          <p:cNvPr id="155" name="PlaceHolder 3"/>
           <p:cNvSpPr>
             <a:spLocks noGrp="1"/>
           </p:cNvSpPr>
@@ -5263,10 +4967,7 @@
             <a:normAutofit/>
           </a:bodyPr>
           <a:p>
-            <a:endParaRPr b="0" lang="en-IN" sz="1400" spc="-1" strike="noStrike">
-              <a:solidFill>
-                <a:srgbClr val="000000"/>
-              </a:solidFill>
+            <a:endParaRPr b="0" lang="en-IN" sz="3200" spc="-1" strike="noStrike">
               <a:latin typeface="Arial"/>
             </a:endParaRPr>
           </a:p>
@@ -5296,7 +4997,7 @@
       </p:grpSpPr>
       <p:sp>
         <p:nvSpPr>
-          <p:cNvPr id="160" name="PlaceHolder 1"/>
+          <p:cNvPr id="156" name="PlaceHolder 1"/>
           <p:cNvSpPr>
             <a:spLocks noGrp="1"/>
           </p:cNvSpPr>
@@ -5306,8 +5007,8 @@
         </p:nvSpPr>
         <p:spPr>
           <a:xfrm>
-            <a:off x="823680" y="2053080"/>
-            <a:ext cx="4586760" cy="1148400"/>
+            <a:off x="457200" y="205200"/>
+            <a:ext cx="8229240" cy="858600"/>
           </a:xfrm>
           <a:prstGeom prst="rect">
             <a:avLst/>
@@ -5322,18 +5023,16 @@
             <a:noAutofit/>
           </a:bodyPr>
           <a:p>
-            <a:endParaRPr b="0" lang="en-IN" sz="1400" spc="-1" strike="noStrike">
-              <a:solidFill>
-                <a:srgbClr val="000000"/>
-              </a:solidFill>
-              <a:latin typeface="Arial"/>
-            </a:endParaRPr>
-          </a:p>
-        </p:txBody>
-      </p:sp>
-      <p:sp>
-        <p:nvSpPr>
-          <p:cNvPr id="161" name="PlaceHolder 2"/>
+            <a:pPr algn="ctr"/>
+            <a:endParaRPr b="0" lang="en-IN" sz="4400" spc="-1" strike="noStrike">
+              <a:latin typeface="Arial"/>
+            </a:endParaRPr>
+          </a:p>
+        </p:txBody>
+      </p:sp>
+      <p:sp>
+        <p:nvSpPr>
+          <p:cNvPr id="157" name="PlaceHolder 2"/>
           <p:cNvSpPr>
             <a:spLocks noGrp="1"/>
           </p:cNvSpPr>
@@ -5359,18 +5058,15 @@
             <a:normAutofit/>
           </a:bodyPr>
           <a:p>
-            <a:endParaRPr b="0" lang="en-IN" sz="1400" spc="-1" strike="noStrike">
-              <a:solidFill>
-                <a:srgbClr val="000000"/>
-              </a:solidFill>
-              <a:latin typeface="Arial"/>
-            </a:endParaRPr>
-          </a:p>
-        </p:txBody>
-      </p:sp>
-      <p:sp>
-        <p:nvSpPr>
-          <p:cNvPr id="162" name="PlaceHolder 3"/>
+            <a:endParaRPr b="0" lang="en-IN" sz="3200" spc="-1" strike="noStrike">
+              <a:latin typeface="Arial"/>
+            </a:endParaRPr>
+          </a:p>
+        </p:txBody>
+      </p:sp>
+      <p:sp>
+        <p:nvSpPr>
+          <p:cNvPr id="158" name="PlaceHolder 3"/>
           <p:cNvSpPr>
             <a:spLocks noGrp="1"/>
           </p:cNvSpPr>
@@ -5396,18 +5092,15 @@
             <a:normAutofit/>
           </a:bodyPr>
           <a:p>
-            <a:endParaRPr b="0" lang="en-IN" sz="1400" spc="-1" strike="noStrike">
-              <a:solidFill>
-                <a:srgbClr val="000000"/>
-              </a:solidFill>
-              <a:latin typeface="Arial"/>
-            </a:endParaRPr>
-          </a:p>
-        </p:txBody>
-      </p:sp>
-      <p:sp>
-        <p:nvSpPr>
-          <p:cNvPr id="163" name="PlaceHolder 4"/>
+            <a:endParaRPr b="0" lang="en-IN" sz="3200" spc="-1" strike="noStrike">
+              <a:latin typeface="Arial"/>
+            </a:endParaRPr>
+          </a:p>
+        </p:txBody>
+      </p:sp>
+      <p:sp>
+        <p:nvSpPr>
+          <p:cNvPr id="159" name="PlaceHolder 4"/>
           <p:cNvSpPr>
             <a:spLocks noGrp="1"/>
           </p:cNvSpPr>
@@ -5433,18 +5126,15 @@
             <a:normAutofit/>
           </a:bodyPr>
           <a:p>
-            <a:endParaRPr b="0" lang="en-IN" sz="1400" spc="-1" strike="noStrike">
-              <a:solidFill>
-                <a:srgbClr val="000000"/>
-              </a:solidFill>
-              <a:latin typeface="Arial"/>
-            </a:endParaRPr>
-          </a:p>
-        </p:txBody>
-      </p:sp>
-      <p:sp>
-        <p:nvSpPr>
-          <p:cNvPr id="164" name="PlaceHolder 5"/>
+            <a:endParaRPr b="0" lang="en-IN" sz="3200" spc="-1" strike="noStrike">
+              <a:latin typeface="Arial"/>
+            </a:endParaRPr>
+          </a:p>
+        </p:txBody>
+      </p:sp>
+      <p:sp>
+        <p:nvSpPr>
+          <p:cNvPr id="160" name="PlaceHolder 5"/>
           <p:cNvSpPr>
             <a:spLocks noGrp="1"/>
           </p:cNvSpPr>
@@ -5470,10 +5160,7 @@
             <a:normAutofit/>
           </a:bodyPr>
           <a:p>
-            <a:endParaRPr b="0" lang="en-IN" sz="1400" spc="-1" strike="noStrike">
-              <a:solidFill>
-                <a:srgbClr val="000000"/>
-              </a:solidFill>
+            <a:endParaRPr b="0" lang="en-IN" sz="3200" spc="-1" strike="noStrike">
               <a:latin typeface="Arial"/>
             </a:endParaRPr>
           </a:p>
@@ -5503,7 +5190,7 @@
       </p:grpSpPr>
       <p:sp>
         <p:nvSpPr>
-          <p:cNvPr id="165" name="PlaceHolder 1"/>
+          <p:cNvPr id="161" name="PlaceHolder 1"/>
           <p:cNvSpPr>
             <a:spLocks noGrp="1"/>
           </p:cNvSpPr>
@@ -5513,8 +5200,8 @@
         </p:nvSpPr>
         <p:spPr>
           <a:xfrm>
-            <a:off x="823680" y="2053080"/>
-            <a:ext cx="4586760" cy="1148400"/>
+            <a:off x="457200" y="205200"/>
+            <a:ext cx="8229240" cy="858600"/>
           </a:xfrm>
           <a:prstGeom prst="rect">
             <a:avLst/>
@@ -5529,18 +5216,16 @@
             <a:noAutofit/>
           </a:bodyPr>
           <a:p>
-            <a:endParaRPr b="0" lang="en-IN" sz="1400" spc="-1" strike="noStrike">
-              <a:solidFill>
-                <a:srgbClr val="000000"/>
-              </a:solidFill>
-              <a:latin typeface="Arial"/>
-            </a:endParaRPr>
-          </a:p>
-        </p:txBody>
-      </p:sp>
-      <p:sp>
-        <p:nvSpPr>
-          <p:cNvPr id="166" name="PlaceHolder 2"/>
+            <a:pPr algn="ctr"/>
+            <a:endParaRPr b="0" lang="en-IN" sz="4400" spc="-1" strike="noStrike">
+              <a:latin typeface="Arial"/>
+            </a:endParaRPr>
+          </a:p>
+        </p:txBody>
+      </p:sp>
+      <p:sp>
+        <p:nvSpPr>
+          <p:cNvPr id="162" name="PlaceHolder 2"/>
           <p:cNvSpPr>
             <a:spLocks noGrp="1"/>
           </p:cNvSpPr>
@@ -5566,18 +5251,15 @@
             <a:normAutofit/>
           </a:bodyPr>
           <a:p>
-            <a:endParaRPr b="0" lang="en-IN" sz="1400" spc="-1" strike="noStrike">
-              <a:solidFill>
-                <a:srgbClr val="000000"/>
-              </a:solidFill>
-              <a:latin typeface="Arial"/>
-            </a:endParaRPr>
-          </a:p>
-        </p:txBody>
-      </p:sp>
-      <p:sp>
-        <p:nvSpPr>
-          <p:cNvPr id="167" name="PlaceHolder 3"/>
+            <a:endParaRPr b="0" lang="en-IN" sz="3200" spc="-1" strike="noStrike">
+              <a:latin typeface="Arial"/>
+            </a:endParaRPr>
+          </a:p>
+        </p:txBody>
+      </p:sp>
+      <p:sp>
+        <p:nvSpPr>
+          <p:cNvPr id="163" name="PlaceHolder 3"/>
           <p:cNvSpPr>
             <a:spLocks noGrp="1"/>
           </p:cNvSpPr>
@@ -5603,18 +5285,15 @@
             <a:normAutofit/>
           </a:bodyPr>
           <a:p>
-            <a:endParaRPr b="0" lang="en-IN" sz="1400" spc="-1" strike="noStrike">
-              <a:solidFill>
-                <a:srgbClr val="000000"/>
-              </a:solidFill>
-              <a:latin typeface="Arial"/>
-            </a:endParaRPr>
-          </a:p>
-        </p:txBody>
-      </p:sp>
-      <p:sp>
-        <p:nvSpPr>
-          <p:cNvPr id="168" name="PlaceHolder 4"/>
+            <a:endParaRPr b="0" lang="en-IN" sz="3200" spc="-1" strike="noStrike">
+              <a:latin typeface="Arial"/>
+            </a:endParaRPr>
+          </a:p>
+        </p:txBody>
+      </p:sp>
+      <p:sp>
+        <p:nvSpPr>
+          <p:cNvPr id="164" name="PlaceHolder 4"/>
           <p:cNvSpPr>
             <a:spLocks noGrp="1"/>
           </p:cNvSpPr>
@@ -5640,18 +5319,15 @@
             <a:normAutofit/>
           </a:bodyPr>
           <a:p>
-            <a:endParaRPr b="0" lang="en-IN" sz="1400" spc="-1" strike="noStrike">
-              <a:solidFill>
-                <a:srgbClr val="000000"/>
-              </a:solidFill>
-              <a:latin typeface="Arial"/>
-            </a:endParaRPr>
-          </a:p>
-        </p:txBody>
-      </p:sp>
-      <p:sp>
-        <p:nvSpPr>
-          <p:cNvPr id="169" name="PlaceHolder 5"/>
+            <a:endParaRPr b="0" lang="en-IN" sz="3200" spc="-1" strike="noStrike">
+              <a:latin typeface="Arial"/>
+            </a:endParaRPr>
+          </a:p>
+        </p:txBody>
+      </p:sp>
+      <p:sp>
+        <p:nvSpPr>
+          <p:cNvPr id="165" name="PlaceHolder 5"/>
           <p:cNvSpPr>
             <a:spLocks noGrp="1"/>
           </p:cNvSpPr>
@@ -5677,18 +5353,15 @@
             <a:normAutofit/>
           </a:bodyPr>
           <a:p>
-            <a:endParaRPr b="0" lang="en-IN" sz="1400" spc="-1" strike="noStrike">
-              <a:solidFill>
-                <a:srgbClr val="000000"/>
-              </a:solidFill>
-              <a:latin typeface="Arial"/>
-            </a:endParaRPr>
-          </a:p>
-        </p:txBody>
-      </p:sp>
-      <p:sp>
-        <p:nvSpPr>
-          <p:cNvPr id="170" name="PlaceHolder 6"/>
+            <a:endParaRPr b="0" lang="en-IN" sz="3200" spc="-1" strike="noStrike">
+              <a:latin typeface="Arial"/>
+            </a:endParaRPr>
+          </a:p>
+        </p:txBody>
+      </p:sp>
+      <p:sp>
+        <p:nvSpPr>
+          <p:cNvPr id="166" name="PlaceHolder 6"/>
           <p:cNvSpPr>
             <a:spLocks noGrp="1"/>
           </p:cNvSpPr>
@@ -5714,18 +5387,15 @@
             <a:normAutofit/>
           </a:bodyPr>
           <a:p>
-            <a:endParaRPr b="0" lang="en-IN" sz="1400" spc="-1" strike="noStrike">
-              <a:solidFill>
-                <a:srgbClr val="000000"/>
-              </a:solidFill>
-              <a:latin typeface="Arial"/>
-            </a:endParaRPr>
-          </a:p>
-        </p:txBody>
-      </p:sp>
-      <p:sp>
-        <p:nvSpPr>
-          <p:cNvPr id="171" name="PlaceHolder 7"/>
+            <a:endParaRPr b="0" lang="en-IN" sz="3200" spc="-1" strike="noStrike">
+              <a:latin typeface="Arial"/>
+            </a:endParaRPr>
+          </a:p>
+        </p:txBody>
+      </p:sp>
+      <p:sp>
+        <p:nvSpPr>
+          <p:cNvPr id="167" name="PlaceHolder 7"/>
           <p:cNvSpPr>
             <a:spLocks noGrp="1"/>
           </p:cNvSpPr>
@@ -5751,10 +5421,7 @@
             <a:normAutofit/>
           </a:bodyPr>
           <a:p>
-            <a:endParaRPr b="0" lang="en-IN" sz="1400" spc="-1" strike="noStrike">
-              <a:solidFill>
-                <a:srgbClr val="000000"/>
-              </a:solidFill>
+            <a:endParaRPr b="0" lang="en-IN" sz="3200" spc="-1" strike="noStrike">
               <a:latin typeface="Arial"/>
             </a:endParaRPr>
           </a:p>
@@ -5806,7 +5473,7 @@
       </p:grpSpPr>
       <p:sp>
         <p:nvSpPr>
-          <p:cNvPr id="16" name="PlaceHolder 1"/>
+          <p:cNvPr id="15" name="PlaceHolder 1"/>
           <p:cNvSpPr>
             <a:spLocks noGrp="1"/>
           </p:cNvSpPr>
@@ -5816,8 +5483,8 @@
         </p:nvSpPr>
         <p:spPr>
           <a:xfrm>
-            <a:off x="823680" y="2053080"/>
-            <a:ext cx="4586760" cy="1148400"/>
+            <a:off x="457200" y="205200"/>
+            <a:ext cx="8229240" cy="858600"/>
           </a:xfrm>
           <a:prstGeom prst="rect">
             <a:avLst/>
@@ -5832,10 +5499,8 @@
             <a:noAutofit/>
           </a:bodyPr>
           <a:p>
-            <a:endParaRPr b="0" lang="en-IN" sz="1400" spc="-1" strike="noStrike">
-              <a:solidFill>
-                <a:srgbClr val="000000"/>
-              </a:solidFill>
+            <a:pPr algn="ctr"/>
+            <a:endParaRPr b="0" lang="en-IN" sz="4400" spc="-1" strike="noStrike">
               <a:latin typeface="Arial"/>
             </a:endParaRPr>
           </a:p>
@@ -5865,7 +5530,7 @@
       </p:grpSpPr>
       <p:sp>
         <p:nvSpPr>
-          <p:cNvPr id="194" name="PlaceHolder 1"/>
+          <p:cNvPr id="189" name="PlaceHolder 1"/>
           <p:cNvSpPr>
             <a:spLocks noGrp="1"/>
           </p:cNvSpPr>
@@ -5875,8 +5540,8 @@
         </p:nvSpPr>
         <p:spPr>
           <a:xfrm>
-            <a:off x="823680" y="2053080"/>
-            <a:ext cx="4586760" cy="1148400"/>
+            <a:off x="457200" y="205200"/>
+            <a:ext cx="8229240" cy="858600"/>
           </a:xfrm>
           <a:prstGeom prst="rect">
             <a:avLst/>
@@ -5891,18 +5556,16 @@
             <a:noAutofit/>
           </a:bodyPr>
           <a:p>
-            <a:endParaRPr b="0" lang="en-IN" sz="1400" spc="-1" strike="noStrike">
-              <a:solidFill>
-                <a:srgbClr val="000000"/>
-              </a:solidFill>
-              <a:latin typeface="Arial"/>
-            </a:endParaRPr>
-          </a:p>
-        </p:txBody>
-      </p:sp>
-      <p:sp>
-        <p:nvSpPr>
-          <p:cNvPr id="195" name="PlaceHolder 2"/>
+            <a:pPr algn="ctr"/>
+            <a:endParaRPr b="0" lang="en-IN" sz="4400" spc="-1" strike="noStrike">
+              <a:latin typeface="Arial"/>
+            </a:endParaRPr>
+          </a:p>
+        </p:txBody>
+      </p:sp>
+      <p:sp>
+        <p:nvSpPr>
+          <p:cNvPr id="190" name="PlaceHolder 2"/>
           <p:cNvSpPr>
             <a:spLocks noGrp="1"/>
           </p:cNvSpPr>
@@ -5959,7 +5622,7 @@
       </p:grpSpPr>
       <p:sp>
         <p:nvSpPr>
-          <p:cNvPr id="196" name="PlaceHolder 1"/>
+          <p:cNvPr id="191" name="PlaceHolder 1"/>
           <p:cNvSpPr>
             <a:spLocks noGrp="1"/>
           </p:cNvSpPr>
@@ -5969,8 +5632,8 @@
         </p:nvSpPr>
         <p:spPr>
           <a:xfrm>
-            <a:off x="823680" y="2053080"/>
-            <a:ext cx="4586760" cy="1148400"/>
+            <a:off x="457200" y="205200"/>
+            <a:ext cx="8229240" cy="858600"/>
           </a:xfrm>
           <a:prstGeom prst="rect">
             <a:avLst/>
@@ -5985,18 +5648,16 @@
             <a:noAutofit/>
           </a:bodyPr>
           <a:p>
-            <a:endParaRPr b="0" lang="en-IN" sz="1400" spc="-1" strike="noStrike">
-              <a:solidFill>
-                <a:srgbClr val="000000"/>
-              </a:solidFill>
-              <a:latin typeface="Arial"/>
-            </a:endParaRPr>
-          </a:p>
-        </p:txBody>
-      </p:sp>
-      <p:sp>
-        <p:nvSpPr>
-          <p:cNvPr id="197" name="PlaceHolder 2"/>
+            <a:pPr algn="ctr"/>
+            <a:endParaRPr b="0" lang="en-IN" sz="4400" spc="-1" strike="noStrike">
+              <a:latin typeface="Arial"/>
+            </a:endParaRPr>
+          </a:p>
+        </p:txBody>
+      </p:sp>
+      <p:sp>
+        <p:nvSpPr>
+          <p:cNvPr id="192" name="PlaceHolder 2"/>
           <p:cNvSpPr>
             <a:spLocks noGrp="1"/>
           </p:cNvSpPr>
@@ -6022,10 +5683,7 @@
             <a:normAutofit/>
           </a:bodyPr>
           <a:p>
-            <a:endParaRPr b="0" lang="en-IN" sz="1400" spc="-1" strike="noStrike">
-              <a:solidFill>
-                <a:srgbClr val="000000"/>
-              </a:solidFill>
+            <a:endParaRPr b="0" lang="en-IN" sz="3200" spc="-1" strike="noStrike">
               <a:latin typeface="Arial"/>
             </a:endParaRPr>
           </a:p>
@@ -6055,7 +5713,7 @@
       </p:grpSpPr>
       <p:sp>
         <p:nvSpPr>
-          <p:cNvPr id="198" name="PlaceHolder 1"/>
+          <p:cNvPr id="193" name="PlaceHolder 1"/>
           <p:cNvSpPr>
             <a:spLocks noGrp="1"/>
           </p:cNvSpPr>
@@ -6065,8 +5723,8 @@
         </p:nvSpPr>
         <p:spPr>
           <a:xfrm>
-            <a:off x="823680" y="2053080"/>
-            <a:ext cx="4586760" cy="1148400"/>
+            <a:off x="457200" y="205200"/>
+            <a:ext cx="8229240" cy="858600"/>
           </a:xfrm>
           <a:prstGeom prst="rect">
             <a:avLst/>
@@ -6081,18 +5739,16 @@
             <a:noAutofit/>
           </a:bodyPr>
           <a:p>
-            <a:endParaRPr b="0" lang="en-IN" sz="1400" spc="-1" strike="noStrike">
-              <a:solidFill>
-                <a:srgbClr val="000000"/>
-              </a:solidFill>
-              <a:latin typeface="Arial"/>
-            </a:endParaRPr>
-          </a:p>
-        </p:txBody>
-      </p:sp>
-      <p:sp>
-        <p:nvSpPr>
-          <p:cNvPr id="199" name="PlaceHolder 2"/>
+            <a:pPr algn="ctr"/>
+            <a:endParaRPr b="0" lang="en-IN" sz="4400" spc="-1" strike="noStrike">
+              <a:latin typeface="Arial"/>
+            </a:endParaRPr>
+          </a:p>
+        </p:txBody>
+      </p:sp>
+      <p:sp>
+        <p:nvSpPr>
+          <p:cNvPr id="194" name="PlaceHolder 2"/>
           <p:cNvSpPr>
             <a:spLocks noGrp="1"/>
           </p:cNvSpPr>
@@ -6118,18 +5774,15 @@
             <a:normAutofit/>
           </a:bodyPr>
           <a:p>
-            <a:endParaRPr b="0" lang="en-IN" sz="1400" spc="-1" strike="noStrike">
-              <a:solidFill>
-                <a:srgbClr val="000000"/>
-              </a:solidFill>
-              <a:latin typeface="Arial"/>
-            </a:endParaRPr>
-          </a:p>
-        </p:txBody>
-      </p:sp>
-      <p:sp>
-        <p:nvSpPr>
-          <p:cNvPr id="200" name="PlaceHolder 3"/>
+            <a:endParaRPr b="0" lang="en-IN" sz="3200" spc="-1" strike="noStrike">
+              <a:latin typeface="Arial"/>
+            </a:endParaRPr>
+          </a:p>
+        </p:txBody>
+      </p:sp>
+      <p:sp>
+        <p:nvSpPr>
+          <p:cNvPr id="195" name="PlaceHolder 3"/>
           <p:cNvSpPr>
             <a:spLocks noGrp="1"/>
           </p:cNvSpPr>
@@ -6155,10 +5808,7 @@
             <a:normAutofit/>
           </a:bodyPr>
           <a:p>
-            <a:endParaRPr b="0" lang="en-IN" sz="1400" spc="-1" strike="noStrike">
-              <a:solidFill>
-                <a:srgbClr val="000000"/>
-              </a:solidFill>
+            <a:endParaRPr b="0" lang="en-IN" sz="3200" spc="-1" strike="noStrike">
               <a:latin typeface="Arial"/>
             </a:endParaRPr>
           </a:p>
@@ -6188,7 +5838,7 @@
       </p:grpSpPr>
       <p:sp>
         <p:nvSpPr>
-          <p:cNvPr id="201" name="PlaceHolder 1"/>
+          <p:cNvPr id="196" name="PlaceHolder 1"/>
           <p:cNvSpPr>
             <a:spLocks noGrp="1"/>
           </p:cNvSpPr>
@@ -6198,8 +5848,8 @@
         </p:nvSpPr>
         <p:spPr>
           <a:xfrm>
-            <a:off x="823680" y="2053080"/>
-            <a:ext cx="4586760" cy="1148400"/>
+            <a:off x="457200" y="205200"/>
+            <a:ext cx="8229240" cy="858600"/>
           </a:xfrm>
           <a:prstGeom prst="rect">
             <a:avLst/>
@@ -6214,10 +5864,8 @@
             <a:noAutofit/>
           </a:bodyPr>
           <a:p>
-            <a:endParaRPr b="0" lang="en-IN" sz="1400" spc="-1" strike="noStrike">
-              <a:solidFill>
-                <a:srgbClr val="000000"/>
-              </a:solidFill>
+            <a:pPr algn="ctr"/>
+            <a:endParaRPr b="0" lang="en-IN" sz="4400" spc="-1" strike="noStrike">
               <a:latin typeface="Arial"/>
             </a:endParaRPr>
           </a:p>
@@ -6247,7 +5895,7 @@
       </p:grpSpPr>
       <p:sp>
         <p:nvSpPr>
-          <p:cNvPr id="202" name="PlaceHolder 1"/>
+          <p:cNvPr id="197" name="PlaceHolder 1"/>
           <p:cNvSpPr>
             <a:spLocks noGrp="1"/>
           </p:cNvSpPr>
@@ -6257,8 +5905,8 @@
         </p:nvSpPr>
         <p:spPr>
           <a:xfrm>
-            <a:off x="823680" y="2053080"/>
-            <a:ext cx="4586760" cy="5324760"/>
+            <a:off x="457200" y="205200"/>
+            <a:ext cx="8229240" cy="3981240"/>
           </a:xfrm>
           <a:prstGeom prst="rect">
             <a:avLst/>
@@ -6304,7 +5952,7 @@
       </p:grpSpPr>
       <p:sp>
         <p:nvSpPr>
-          <p:cNvPr id="203" name="PlaceHolder 1"/>
+          <p:cNvPr id="198" name="PlaceHolder 1"/>
           <p:cNvSpPr>
             <a:spLocks noGrp="1"/>
           </p:cNvSpPr>
@@ -6314,8 +5962,8 @@
         </p:nvSpPr>
         <p:spPr>
           <a:xfrm>
-            <a:off x="823680" y="2053080"/>
-            <a:ext cx="4586760" cy="1148400"/>
+            <a:off x="457200" y="205200"/>
+            <a:ext cx="8229240" cy="858600"/>
           </a:xfrm>
           <a:prstGeom prst="rect">
             <a:avLst/>
@@ -6330,18 +5978,16 @@
             <a:noAutofit/>
           </a:bodyPr>
           <a:p>
-            <a:endParaRPr b="0" lang="en-IN" sz="1400" spc="-1" strike="noStrike">
-              <a:solidFill>
-                <a:srgbClr val="000000"/>
-              </a:solidFill>
-              <a:latin typeface="Arial"/>
-            </a:endParaRPr>
-          </a:p>
-        </p:txBody>
-      </p:sp>
-      <p:sp>
-        <p:nvSpPr>
-          <p:cNvPr id="204" name="PlaceHolder 2"/>
+            <a:pPr algn="ctr"/>
+            <a:endParaRPr b="0" lang="en-IN" sz="4400" spc="-1" strike="noStrike">
+              <a:latin typeface="Arial"/>
+            </a:endParaRPr>
+          </a:p>
+        </p:txBody>
+      </p:sp>
+      <p:sp>
+        <p:nvSpPr>
+          <p:cNvPr id="199" name="PlaceHolder 2"/>
           <p:cNvSpPr>
             <a:spLocks noGrp="1"/>
           </p:cNvSpPr>
@@ -6367,18 +6013,15 @@
             <a:normAutofit/>
           </a:bodyPr>
           <a:p>
-            <a:endParaRPr b="0" lang="en-IN" sz="1400" spc="-1" strike="noStrike">
-              <a:solidFill>
-                <a:srgbClr val="000000"/>
-              </a:solidFill>
-              <a:latin typeface="Arial"/>
-            </a:endParaRPr>
-          </a:p>
-        </p:txBody>
-      </p:sp>
-      <p:sp>
-        <p:nvSpPr>
-          <p:cNvPr id="205" name="PlaceHolder 3"/>
+            <a:endParaRPr b="0" lang="en-IN" sz="3200" spc="-1" strike="noStrike">
+              <a:latin typeface="Arial"/>
+            </a:endParaRPr>
+          </a:p>
+        </p:txBody>
+      </p:sp>
+      <p:sp>
+        <p:nvSpPr>
+          <p:cNvPr id="200" name="PlaceHolder 3"/>
           <p:cNvSpPr>
             <a:spLocks noGrp="1"/>
           </p:cNvSpPr>
@@ -6404,18 +6047,15 @@
             <a:normAutofit/>
           </a:bodyPr>
           <a:p>
-            <a:endParaRPr b="0" lang="en-IN" sz="1400" spc="-1" strike="noStrike">
-              <a:solidFill>
-                <a:srgbClr val="000000"/>
-              </a:solidFill>
-              <a:latin typeface="Arial"/>
-            </a:endParaRPr>
-          </a:p>
-        </p:txBody>
-      </p:sp>
-      <p:sp>
-        <p:nvSpPr>
-          <p:cNvPr id="206" name="PlaceHolder 4"/>
+            <a:endParaRPr b="0" lang="en-IN" sz="3200" spc="-1" strike="noStrike">
+              <a:latin typeface="Arial"/>
+            </a:endParaRPr>
+          </a:p>
+        </p:txBody>
+      </p:sp>
+      <p:sp>
+        <p:nvSpPr>
+          <p:cNvPr id="201" name="PlaceHolder 4"/>
           <p:cNvSpPr>
             <a:spLocks noGrp="1"/>
           </p:cNvSpPr>
@@ -6441,10 +6081,7 @@
             <a:normAutofit/>
           </a:bodyPr>
           <a:p>
-            <a:endParaRPr b="0" lang="en-IN" sz="1400" spc="-1" strike="noStrike">
-              <a:solidFill>
-                <a:srgbClr val="000000"/>
-              </a:solidFill>
+            <a:endParaRPr b="0" lang="en-IN" sz="3200" spc="-1" strike="noStrike">
               <a:latin typeface="Arial"/>
             </a:endParaRPr>
           </a:p>
@@ -6474,7 +6111,7 @@
       </p:grpSpPr>
       <p:sp>
         <p:nvSpPr>
-          <p:cNvPr id="207" name="PlaceHolder 1"/>
+          <p:cNvPr id="202" name="PlaceHolder 1"/>
           <p:cNvSpPr>
             <a:spLocks noGrp="1"/>
           </p:cNvSpPr>
@@ -6484,8 +6121,8 @@
         </p:nvSpPr>
         <p:spPr>
           <a:xfrm>
-            <a:off x="823680" y="2053080"/>
-            <a:ext cx="4586760" cy="1148400"/>
+            <a:off x="457200" y="205200"/>
+            <a:ext cx="8229240" cy="858600"/>
           </a:xfrm>
           <a:prstGeom prst="rect">
             <a:avLst/>
@@ -6500,18 +6137,16 @@
             <a:noAutofit/>
           </a:bodyPr>
           <a:p>
-            <a:endParaRPr b="0" lang="en-IN" sz="1400" spc="-1" strike="noStrike">
-              <a:solidFill>
-                <a:srgbClr val="000000"/>
-              </a:solidFill>
-              <a:latin typeface="Arial"/>
-            </a:endParaRPr>
-          </a:p>
-        </p:txBody>
-      </p:sp>
-      <p:sp>
-        <p:nvSpPr>
-          <p:cNvPr id="208" name="PlaceHolder 2"/>
+            <a:pPr algn="ctr"/>
+            <a:endParaRPr b="0" lang="en-IN" sz="4400" spc="-1" strike="noStrike">
+              <a:latin typeface="Arial"/>
+            </a:endParaRPr>
+          </a:p>
+        </p:txBody>
+      </p:sp>
+      <p:sp>
+        <p:nvSpPr>
+          <p:cNvPr id="203" name="PlaceHolder 2"/>
           <p:cNvSpPr>
             <a:spLocks noGrp="1"/>
           </p:cNvSpPr>
@@ -6537,18 +6172,15 @@
             <a:normAutofit/>
           </a:bodyPr>
           <a:p>
-            <a:endParaRPr b="0" lang="en-IN" sz="1400" spc="-1" strike="noStrike">
-              <a:solidFill>
-                <a:srgbClr val="000000"/>
-              </a:solidFill>
-              <a:latin typeface="Arial"/>
-            </a:endParaRPr>
-          </a:p>
-        </p:txBody>
-      </p:sp>
-      <p:sp>
-        <p:nvSpPr>
-          <p:cNvPr id="209" name="PlaceHolder 3"/>
+            <a:endParaRPr b="0" lang="en-IN" sz="3200" spc="-1" strike="noStrike">
+              <a:latin typeface="Arial"/>
+            </a:endParaRPr>
+          </a:p>
+        </p:txBody>
+      </p:sp>
+      <p:sp>
+        <p:nvSpPr>
+          <p:cNvPr id="204" name="PlaceHolder 3"/>
           <p:cNvSpPr>
             <a:spLocks noGrp="1"/>
           </p:cNvSpPr>
@@ -6574,18 +6206,15 @@
             <a:normAutofit/>
           </a:bodyPr>
           <a:p>
-            <a:endParaRPr b="0" lang="en-IN" sz="1400" spc="-1" strike="noStrike">
-              <a:solidFill>
-                <a:srgbClr val="000000"/>
-              </a:solidFill>
-              <a:latin typeface="Arial"/>
-            </a:endParaRPr>
-          </a:p>
-        </p:txBody>
-      </p:sp>
-      <p:sp>
-        <p:nvSpPr>
-          <p:cNvPr id="210" name="PlaceHolder 4"/>
+            <a:endParaRPr b="0" lang="en-IN" sz="3200" spc="-1" strike="noStrike">
+              <a:latin typeface="Arial"/>
+            </a:endParaRPr>
+          </a:p>
+        </p:txBody>
+      </p:sp>
+      <p:sp>
+        <p:nvSpPr>
+          <p:cNvPr id="205" name="PlaceHolder 4"/>
           <p:cNvSpPr>
             <a:spLocks noGrp="1"/>
           </p:cNvSpPr>
@@ -6611,10 +6240,7 @@
             <a:normAutofit/>
           </a:bodyPr>
           <a:p>
-            <a:endParaRPr b="0" lang="en-IN" sz="1400" spc="-1" strike="noStrike">
-              <a:solidFill>
-                <a:srgbClr val="000000"/>
-              </a:solidFill>
+            <a:endParaRPr b="0" lang="en-IN" sz="3200" spc="-1" strike="noStrike">
               <a:latin typeface="Arial"/>
             </a:endParaRPr>
           </a:p>
@@ -6644,7 +6270,7 @@
       </p:grpSpPr>
       <p:sp>
         <p:nvSpPr>
-          <p:cNvPr id="211" name="PlaceHolder 1"/>
+          <p:cNvPr id="206" name="PlaceHolder 1"/>
           <p:cNvSpPr>
             <a:spLocks noGrp="1"/>
           </p:cNvSpPr>
@@ -6654,8 +6280,8 @@
         </p:nvSpPr>
         <p:spPr>
           <a:xfrm>
-            <a:off x="823680" y="2053080"/>
-            <a:ext cx="4586760" cy="1148400"/>
+            <a:off x="457200" y="205200"/>
+            <a:ext cx="8229240" cy="858600"/>
           </a:xfrm>
           <a:prstGeom prst="rect">
             <a:avLst/>
@@ -6670,18 +6296,16 @@
             <a:noAutofit/>
           </a:bodyPr>
           <a:p>
-            <a:endParaRPr b="0" lang="en-IN" sz="1400" spc="-1" strike="noStrike">
-              <a:solidFill>
-                <a:srgbClr val="000000"/>
-              </a:solidFill>
-              <a:latin typeface="Arial"/>
-            </a:endParaRPr>
-          </a:p>
-        </p:txBody>
-      </p:sp>
-      <p:sp>
-        <p:nvSpPr>
-          <p:cNvPr id="212" name="PlaceHolder 2"/>
+            <a:pPr algn="ctr"/>
+            <a:endParaRPr b="0" lang="en-IN" sz="4400" spc="-1" strike="noStrike">
+              <a:latin typeface="Arial"/>
+            </a:endParaRPr>
+          </a:p>
+        </p:txBody>
+      </p:sp>
+      <p:sp>
+        <p:nvSpPr>
+          <p:cNvPr id="207" name="PlaceHolder 2"/>
           <p:cNvSpPr>
             <a:spLocks noGrp="1"/>
           </p:cNvSpPr>
@@ -6707,18 +6331,15 @@
             <a:normAutofit/>
           </a:bodyPr>
           <a:p>
-            <a:endParaRPr b="0" lang="en-IN" sz="1400" spc="-1" strike="noStrike">
-              <a:solidFill>
-                <a:srgbClr val="000000"/>
-              </a:solidFill>
-              <a:latin typeface="Arial"/>
-            </a:endParaRPr>
-          </a:p>
-        </p:txBody>
-      </p:sp>
-      <p:sp>
-        <p:nvSpPr>
-          <p:cNvPr id="213" name="PlaceHolder 3"/>
+            <a:endParaRPr b="0" lang="en-IN" sz="3200" spc="-1" strike="noStrike">
+              <a:latin typeface="Arial"/>
+            </a:endParaRPr>
+          </a:p>
+        </p:txBody>
+      </p:sp>
+      <p:sp>
+        <p:nvSpPr>
+          <p:cNvPr id="208" name="PlaceHolder 3"/>
           <p:cNvSpPr>
             <a:spLocks noGrp="1"/>
           </p:cNvSpPr>
@@ -6744,18 +6365,15 @@
             <a:normAutofit/>
           </a:bodyPr>
           <a:p>
-            <a:endParaRPr b="0" lang="en-IN" sz="1400" spc="-1" strike="noStrike">
-              <a:solidFill>
-                <a:srgbClr val="000000"/>
-              </a:solidFill>
-              <a:latin typeface="Arial"/>
-            </a:endParaRPr>
-          </a:p>
-        </p:txBody>
-      </p:sp>
-      <p:sp>
-        <p:nvSpPr>
-          <p:cNvPr id="214" name="PlaceHolder 4"/>
+            <a:endParaRPr b="0" lang="en-IN" sz="3200" spc="-1" strike="noStrike">
+              <a:latin typeface="Arial"/>
+            </a:endParaRPr>
+          </a:p>
+        </p:txBody>
+      </p:sp>
+      <p:sp>
+        <p:nvSpPr>
+          <p:cNvPr id="209" name="PlaceHolder 4"/>
           <p:cNvSpPr>
             <a:spLocks noGrp="1"/>
           </p:cNvSpPr>
@@ -6781,10 +6399,7 @@
             <a:normAutofit/>
           </a:bodyPr>
           <a:p>
-            <a:endParaRPr b="0" lang="en-IN" sz="1400" spc="-1" strike="noStrike">
-              <a:solidFill>
-                <a:srgbClr val="000000"/>
-              </a:solidFill>
+            <a:endParaRPr b="0" lang="en-IN" sz="3200" spc="-1" strike="noStrike">
               <a:latin typeface="Arial"/>
             </a:endParaRPr>
           </a:p>
@@ -6814,7 +6429,7 @@
       </p:grpSpPr>
       <p:sp>
         <p:nvSpPr>
-          <p:cNvPr id="215" name="PlaceHolder 1"/>
+          <p:cNvPr id="210" name="PlaceHolder 1"/>
           <p:cNvSpPr>
             <a:spLocks noGrp="1"/>
           </p:cNvSpPr>
@@ -6824,8 +6439,8 @@
         </p:nvSpPr>
         <p:spPr>
           <a:xfrm>
-            <a:off x="823680" y="2053080"/>
-            <a:ext cx="4586760" cy="1148400"/>
+            <a:off x="457200" y="205200"/>
+            <a:ext cx="8229240" cy="858600"/>
           </a:xfrm>
           <a:prstGeom prst="rect">
             <a:avLst/>
@@ -6840,18 +6455,16 @@
             <a:noAutofit/>
           </a:bodyPr>
           <a:p>
-            <a:endParaRPr b="0" lang="en-IN" sz="1400" spc="-1" strike="noStrike">
-              <a:solidFill>
-                <a:srgbClr val="000000"/>
-              </a:solidFill>
-              <a:latin typeface="Arial"/>
-            </a:endParaRPr>
-          </a:p>
-        </p:txBody>
-      </p:sp>
-      <p:sp>
-        <p:nvSpPr>
-          <p:cNvPr id="216" name="PlaceHolder 2"/>
+            <a:pPr algn="ctr"/>
+            <a:endParaRPr b="0" lang="en-IN" sz="4400" spc="-1" strike="noStrike">
+              <a:latin typeface="Arial"/>
+            </a:endParaRPr>
+          </a:p>
+        </p:txBody>
+      </p:sp>
+      <p:sp>
+        <p:nvSpPr>
+          <p:cNvPr id="211" name="PlaceHolder 2"/>
           <p:cNvSpPr>
             <a:spLocks noGrp="1"/>
           </p:cNvSpPr>
@@ -6877,18 +6490,15 @@
             <a:normAutofit/>
           </a:bodyPr>
           <a:p>
-            <a:endParaRPr b="0" lang="en-IN" sz="1400" spc="-1" strike="noStrike">
-              <a:solidFill>
-                <a:srgbClr val="000000"/>
-              </a:solidFill>
-              <a:latin typeface="Arial"/>
-            </a:endParaRPr>
-          </a:p>
-        </p:txBody>
-      </p:sp>
-      <p:sp>
-        <p:nvSpPr>
-          <p:cNvPr id="217" name="PlaceHolder 3"/>
+            <a:endParaRPr b="0" lang="en-IN" sz="3200" spc="-1" strike="noStrike">
+              <a:latin typeface="Arial"/>
+            </a:endParaRPr>
+          </a:p>
+        </p:txBody>
+      </p:sp>
+      <p:sp>
+        <p:nvSpPr>
+          <p:cNvPr id="212" name="PlaceHolder 3"/>
           <p:cNvSpPr>
             <a:spLocks noGrp="1"/>
           </p:cNvSpPr>
@@ -6914,10 +6524,7 @@
             <a:normAutofit/>
           </a:bodyPr>
           <a:p>
-            <a:endParaRPr b="0" lang="en-IN" sz="1400" spc="-1" strike="noStrike">
-              <a:solidFill>
-                <a:srgbClr val="000000"/>
-              </a:solidFill>
+            <a:endParaRPr b="0" lang="en-IN" sz="3200" spc="-1" strike="noStrike">
               <a:latin typeface="Arial"/>
             </a:endParaRPr>
           </a:p>
@@ -6947,7 +6554,7 @@
       </p:grpSpPr>
       <p:sp>
         <p:nvSpPr>
-          <p:cNvPr id="218" name="PlaceHolder 1"/>
+          <p:cNvPr id="213" name="PlaceHolder 1"/>
           <p:cNvSpPr>
             <a:spLocks noGrp="1"/>
           </p:cNvSpPr>
@@ -6957,8 +6564,8 @@
         </p:nvSpPr>
         <p:spPr>
           <a:xfrm>
-            <a:off x="823680" y="2053080"/>
-            <a:ext cx="4586760" cy="1148400"/>
+            <a:off x="457200" y="205200"/>
+            <a:ext cx="8229240" cy="858600"/>
           </a:xfrm>
           <a:prstGeom prst="rect">
             <a:avLst/>
@@ -6973,18 +6580,16 @@
             <a:noAutofit/>
           </a:bodyPr>
           <a:p>
-            <a:endParaRPr b="0" lang="en-IN" sz="1400" spc="-1" strike="noStrike">
-              <a:solidFill>
-                <a:srgbClr val="000000"/>
-              </a:solidFill>
-              <a:latin typeface="Arial"/>
-            </a:endParaRPr>
-          </a:p>
-        </p:txBody>
-      </p:sp>
-      <p:sp>
-        <p:nvSpPr>
-          <p:cNvPr id="219" name="PlaceHolder 2"/>
+            <a:pPr algn="ctr"/>
+            <a:endParaRPr b="0" lang="en-IN" sz="4400" spc="-1" strike="noStrike">
+              <a:latin typeface="Arial"/>
+            </a:endParaRPr>
+          </a:p>
+        </p:txBody>
+      </p:sp>
+      <p:sp>
+        <p:nvSpPr>
+          <p:cNvPr id="214" name="PlaceHolder 2"/>
           <p:cNvSpPr>
             <a:spLocks noGrp="1"/>
           </p:cNvSpPr>
@@ -7010,18 +6615,15 @@
             <a:normAutofit/>
           </a:bodyPr>
           <a:p>
-            <a:endParaRPr b="0" lang="en-IN" sz="1400" spc="-1" strike="noStrike">
-              <a:solidFill>
-                <a:srgbClr val="000000"/>
-              </a:solidFill>
-              <a:latin typeface="Arial"/>
-            </a:endParaRPr>
-          </a:p>
-        </p:txBody>
-      </p:sp>
-      <p:sp>
-        <p:nvSpPr>
-          <p:cNvPr id="220" name="PlaceHolder 3"/>
+            <a:endParaRPr b="0" lang="en-IN" sz="3200" spc="-1" strike="noStrike">
+              <a:latin typeface="Arial"/>
+            </a:endParaRPr>
+          </a:p>
+        </p:txBody>
+      </p:sp>
+      <p:sp>
+        <p:nvSpPr>
+          <p:cNvPr id="215" name="PlaceHolder 3"/>
           <p:cNvSpPr>
             <a:spLocks noGrp="1"/>
           </p:cNvSpPr>
@@ -7047,18 +6649,15 @@
             <a:normAutofit/>
           </a:bodyPr>
           <a:p>
-            <a:endParaRPr b="0" lang="en-IN" sz="1400" spc="-1" strike="noStrike">
-              <a:solidFill>
-                <a:srgbClr val="000000"/>
-              </a:solidFill>
-              <a:latin typeface="Arial"/>
-            </a:endParaRPr>
-          </a:p>
-        </p:txBody>
-      </p:sp>
-      <p:sp>
-        <p:nvSpPr>
-          <p:cNvPr id="221" name="PlaceHolder 4"/>
+            <a:endParaRPr b="0" lang="en-IN" sz="3200" spc="-1" strike="noStrike">
+              <a:latin typeface="Arial"/>
+            </a:endParaRPr>
+          </a:p>
+        </p:txBody>
+      </p:sp>
+      <p:sp>
+        <p:nvSpPr>
+          <p:cNvPr id="216" name="PlaceHolder 4"/>
           <p:cNvSpPr>
             <a:spLocks noGrp="1"/>
           </p:cNvSpPr>
@@ -7084,18 +6683,15 @@
             <a:normAutofit/>
           </a:bodyPr>
           <a:p>
-            <a:endParaRPr b="0" lang="en-IN" sz="1400" spc="-1" strike="noStrike">
-              <a:solidFill>
-                <a:srgbClr val="000000"/>
-              </a:solidFill>
-              <a:latin typeface="Arial"/>
-            </a:endParaRPr>
-          </a:p>
-        </p:txBody>
-      </p:sp>
-      <p:sp>
-        <p:nvSpPr>
-          <p:cNvPr id="222" name="PlaceHolder 5"/>
+            <a:endParaRPr b="0" lang="en-IN" sz="3200" spc="-1" strike="noStrike">
+              <a:latin typeface="Arial"/>
+            </a:endParaRPr>
+          </a:p>
+        </p:txBody>
+      </p:sp>
+      <p:sp>
+        <p:nvSpPr>
+          <p:cNvPr id="217" name="PlaceHolder 5"/>
           <p:cNvSpPr>
             <a:spLocks noGrp="1"/>
           </p:cNvSpPr>
@@ -7121,10 +6717,7 @@
             <a:normAutofit/>
           </a:bodyPr>
           <a:p>
-            <a:endParaRPr b="0" lang="en-IN" sz="1400" spc="-1" strike="noStrike">
-              <a:solidFill>
-                <a:srgbClr val="000000"/>
-              </a:solidFill>
+            <a:endParaRPr b="0" lang="en-IN" sz="3200" spc="-1" strike="noStrike">
               <a:latin typeface="Arial"/>
             </a:endParaRPr>
           </a:p>
@@ -7154,7 +6747,7 @@
       </p:grpSpPr>
       <p:sp>
         <p:nvSpPr>
-          <p:cNvPr id="17" name="PlaceHolder 1"/>
+          <p:cNvPr id="16" name="PlaceHolder 1"/>
           <p:cNvSpPr>
             <a:spLocks noGrp="1"/>
           </p:cNvSpPr>
@@ -7164,8 +6757,8 @@
         </p:nvSpPr>
         <p:spPr>
           <a:xfrm>
-            <a:off x="823680" y="2053080"/>
-            <a:ext cx="4586760" cy="5324760"/>
+            <a:off x="457200" y="205200"/>
+            <a:ext cx="8229240" cy="3981240"/>
           </a:xfrm>
           <a:prstGeom prst="rect">
             <a:avLst/>
@@ -7211,7 +6804,7 @@
       </p:grpSpPr>
       <p:sp>
         <p:nvSpPr>
-          <p:cNvPr id="223" name="PlaceHolder 1"/>
+          <p:cNvPr id="218" name="PlaceHolder 1"/>
           <p:cNvSpPr>
             <a:spLocks noGrp="1"/>
           </p:cNvSpPr>
@@ -7221,8 +6814,8 @@
         </p:nvSpPr>
         <p:spPr>
           <a:xfrm>
-            <a:off x="823680" y="2053080"/>
-            <a:ext cx="4586760" cy="1148400"/>
+            <a:off x="457200" y="205200"/>
+            <a:ext cx="8229240" cy="858600"/>
           </a:xfrm>
           <a:prstGeom prst="rect">
             <a:avLst/>
@@ -7237,18 +6830,16 @@
             <a:noAutofit/>
           </a:bodyPr>
           <a:p>
-            <a:endParaRPr b="0" lang="en-IN" sz="1400" spc="-1" strike="noStrike">
-              <a:solidFill>
-                <a:srgbClr val="000000"/>
-              </a:solidFill>
-              <a:latin typeface="Arial"/>
-            </a:endParaRPr>
-          </a:p>
-        </p:txBody>
-      </p:sp>
-      <p:sp>
-        <p:nvSpPr>
-          <p:cNvPr id="224" name="PlaceHolder 2"/>
+            <a:pPr algn="ctr"/>
+            <a:endParaRPr b="0" lang="en-IN" sz="4400" spc="-1" strike="noStrike">
+              <a:latin typeface="Arial"/>
+            </a:endParaRPr>
+          </a:p>
+        </p:txBody>
+      </p:sp>
+      <p:sp>
+        <p:nvSpPr>
+          <p:cNvPr id="219" name="PlaceHolder 2"/>
           <p:cNvSpPr>
             <a:spLocks noGrp="1"/>
           </p:cNvSpPr>
@@ -7274,18 +6865,15 @@
             <a:normAutofit/>
           </a:bodyPr>
           <a:p>
-            <a:endParaRPr b="0" lang="en-IN" sz="1400" spc="-1" strike="noStrike">
-              <a:solidFill>
-                <a:srgbClr val="000000"/>
-              </a:solidFill>
-              <a:latin typeface="Arial"/>
-            </a:endParaRPr>
-          </a:p>
-        </p:txBody>
-      </p:sp>
-      <p:sp>
-        <p:nvSpPr>
-          <p:cNvPr id="225" name="PlaceHolder 3"/>
+            <a:endParaRPr b="0" lang="en-IN" sz="3200" spc="-1" strike="noStrike">
+              <a:latin typeface="Arial"/>
+            </a:endParaRPr>
+          </a:p>
+        </p:txBody>
+      </p:sp>
+      <p:sp>
+        <p:nvSpPr>
+          <p:cNvPr id="220" name="PlaceHolder 3"/>
           <p:cNvSpPr>
             <a:spLocks noGrp="1"/>
           </p:cNvSpPr>
@@ -7311,18 +6899,15 @@
             <a:normAutofit/>
           </a:bodyPr>
           <a:p>
-            <a:endParaRPr b="0" lang="en-IN" sz="1400" spc="-1" strike="noStrike">
-              <a:solidFill>
-                <a:srgbClr val="000000"/>
-              </a:solidFill>
-              <a:latin typeface="Arial"/>
-            </a:endParaRPr>
-          </a:p>
-        </p:txBody>
-      </p:sp>
-      <p:sp>
-        <p:nvSpPr>
-          <p:cNvPr id="226" name="PlaceHolder 4"/>
+            <a:endParaRPr b="0" lang="en-IN" sz="3200" spc="-1" strike="noStrike">
+              <a:latin typeface="Arial"/>
+            </a:endParaRPr>
+          </a:p>
+        </p:txBody>
+      </p:sp>
+      <p:sp>
+        <p:nvSpPr>
+          <p:cNvPr id="221" name="PlaceHolder 4"/>
           <p:cNvSpPr>
             <a:spLocks noGrp="1"/>
           </p:cNvSpPr>
@@ -7348,18 +6933,15 @@
             <a:normAutofit/>
           </a:bodyPr>
           <a:p>
-            <a:endParaRPr b="0" lang="en-IN" sz="1400" spc="-1" strike="noStrike">
-              <a:solidFill>
-                <a:srgbClr val="000000"/>
-              </a:solidFill>
-              <a:latin typeface="Arial"/>
-            </a:endParaRPr>
-          </a:p>
-        </p:txBody>
-      </p:sp>
-      <p:sp>
-        <p:nvSpPr>
-          <p:cNvPr id="227" name="PlaceHolder 5"/>
+            <a:endParaRPr b="0" lang="en-IN" sz="3200" spc="-1" strike="noStrike">
+              <a:latin typeface="Arial"/>
+            </a:endParaRPr>
+          </a:p>
+        </p:txBody>
+      </p:sp>
+      <p:sp>
+        <p:nvSpPr>
+          <p:cNvPr id="222" name="PlaceHolder 5"/>
           <p:cNvSpPr>
             <a:spLocks noGrp="1"/>
           </p:cNvSpPr>
@@ -7385,18 +6967,15 @@
             <a:normAutofit/>
           </a:bodyPr>
           <a:p>
-            <a:endParaRPr b="0" lang="en-IN" sz="1400" spc="-1" strike="noStrike">
-              <a:solidFill>
-                <a:srgbClr val="000000"/>
-              </a:solidFill>
-              <a:latin typeface="Arial"/>
-            </a:endParaRPr>
-          </a:p>
-        </p:txBody>
-      </p:sp>
-      <p:sp>
-        <p:nvSpPr>
-          <p:cNvPr id="228" name="PlaceHolder 6"/>
+            <a:endParaRPr b="0" lang="en-IN" sz="3200" spc="-1" strike="noStrike">
+              <a:latin typeface="Arial"/>
+            </a:endParaRPr>
+          </a:p>
+        </p:txBody>
+      </p:sp>
+      <p:sp>
+        <p:nvSpPr>
+          <p:cNvPr id="223" name="PlaceHolder 6"/>
           <p:cNvSpPr>
             <a:spLocks noGrp="1"/>
           </p:cNvSpPr>
@@ -7422,18 +7001,15 @@
             <a:normAutofit/>
           </a:bodyPr>
           <a:p>
-            <a:endParaRPr b="0" lang="en-IN" sz="1400" spc="-1" strike="noStrike">
-              <a:solidFill>
-                <a:srgbClr val="000000"/>
-              </a:solidFill>
-              <a:latin typeface="Arial"/>
-            </a:endParaRPr>
-          </a:p>
-        </p:txBody>
-      </p:sp>
-      <p:sp>
-        <p:nvSpPr>
-          <p:cNvPr id="229" name="PlaceHolder 7"/>
+            <a:endParaRPr b="0" lang="en-IN" sz="3200" spc="-1" strike="noStrike">
+              <a:latin typeface="Arial"/>
+            </a:endParaRPr>
+          </a:p>
+        </p:txBody>
+      </p:sp>
+      <p:sp>
+        <p:nvSpPr>
+          <p:cNvPr id="224" name="PlaceHolder 7"/>
           <p:cNvSpPr>
             <a:spLocks noGrp="1"/>
           </p:cNvSpPr>
@@ -7459,10 +7035,7 @@
             <a:normAutofit/>
           </a:bodyPr>
           <a:p>
-            <a:endParaRPr b="0" lang="en-IN" sz="1400" spc="-1" strike="noStrike">
-              <a:solidFill>
-                <a:srgbClr val="000000"/>
-              </a:solidFill>
+            <a:endParaRPr b="0" lang="en-IN" sz="3200" spc="-1" strike="noStrike">
               <a:latin typeface="Arial"/>
             </a:endParaRPr>
           </a:p>
@@ -7492,7 +7065,7 @@
       </p:grpSpPr>
       <p:sp>
         <p:nvSpPr>
-          <p:cNvPr id="18" name="PlaceHolder 1"/>
+          <p:cNvPr id="17" name="PlaceHolder 1"/>
           <p:cNvSpPr>
             <a:spLocks noGrp="1"/>
           </p:cNvSpPr>
@@ -7502,8 +7075,8 @@
         </p:nvSpPr>
         <p:spPr>
           <a:xfrm>
-            <a:off x="823680" y="2053080"/>
-            <a:ext cx="4586760" cy="1148400"/>
+            <a:off x="457200" y="205200"/>
+            <a:ext cx="8229240" cy="858600"/>
           </a:xfrm>
           <a:prstGeom prst="rect">
             <a:avLst/>
@@ -7518,18 +7091,16 @@
             <a:noAutofit/>
           </a:bodyPr>
           <a:p>
-            <a:endParaRPr b="0" lang="en-IN" sz="1400" spc="-1" strike="noStrike">
-              <a:solidFill>
-                <a:srgbClr val="000000"/>
-              </a:solidFill>
-              <a:latin typeface="Arial"/>
-            </a:endParaRPr>
-          </a:p>
-        </p:txBody>
-      </p:sp>
-      <p:sp>
-        <p:nvSpPr>
-          <p:cNvPr id="19" name="PlaceHolder 2"/>
+            <a:pPr algn="ctr"/>
+            <a:endParaRPr b="0" lang="en-IN" sz="4400" spc="-1" strike="noStrike">
+              <a:latin typeface="Arial"/>
+            </a:endParaRPr>
+          </a:p>
+        </p:txBody>
+      </p:sp>
+      <p:sp>
+        <p:nvSpPr>
+          <p:cNvPr id="18" name="PlaceHolder 2"/>
           <p:cNvSpPr>
             <a:spLocks noGrp="1"/>
           </p:cNvSpPr>
@@ -7555,18 +7126,15 @@
             <a:normAutofit/>
           </a:bodyPr>
           <a:p>
-            <a:endParaRPr b="0" lang="en-IN" sz="1400" spc="-1" strike="noStrike">
-              <a:solidFill>
-                <a:srgbClr val="000000"/>
-              </a:solidFill>
-              <a:latin typeface="Arial"/>
-            </a:endParaRPr>
-          </a:p>
-        </p:txBody>
-      </p:sp>
-      <p:sp>
-        <p:nvSpPr>
-          <p:cNvPr id="20" name="PlaceHolder 3"/>
+            <a:endParaRPr b="0" lang="en-IN" sz="3200" spc="-1" strike="noStrike">
+              <a:latin typeface="Arial"/>
+            </a:endParaRPr>
+          </a:p>
+        </p:txBody>
+      </p:sp>
+      <p:sp>
+        <p:nvSpPr>
+          <p:cNvPr id="19" name="PlaceHolder 3"/>
           <p:cNvSpPr>
             <a:spLocks noGrp="1"/>
           </p:cNvSpPr>
@@ -7592,18 +7160,15 @@
             <a:normAutofit/>
           </a:bodyPr>
           <a:p>
-            <a:endParaRPr b="0" lang="en-IN" sz="1400" spc="-1" strike="noStrike">
-              <a:solidFill>
-                <a:srgbClr val="000000"/>
-              </a:solidFill>
-              <a:latin typeface="Arial"/>
-            </a:endParaRPr>
-          </a:p>
-        </p:txBody>
-      </p:sp>
-      <p:sp>
-        <p:nvSpPr>
-          <p:cNvPr id="21" name="PlaceHolder 4"/>
+            <a:endParaRPr b="0" lang="en-IN" sz="3200" spc="-1" strike="noStrike">
+              <a:latin typeface="Arial"/>
+            </a:endParaRPr>
+          </a:p>
+        </p:txBody>
+      </p:sp>
+      <p:sp>
+        <p:nvSpPr>
+          <p:cNvPr id="20" name="PlaceHolder 4"/>
           <p:cNvSpPr>
             <a:spLocks noGrp="1"/>
           </p:cNvSpPr>
@@ -7629,10 +7194,7 @@
             <a:normAutofit/>
           </a:bodyPr>
           <a:p>
-            <a:endParaRPr b="0" lang="en-IN" sz="1400" spc="-1" strike="noStrike">
-              <a:solidFill>
-                <a:srgbClr val="000000"/>
-              </a:solidFill>
+            <a:endParaRPr b="0" lang="en-IN" sz="3200" spc="-1" strike="noStrike">
               <a:latin typeface="Arial"/>
             </a:endParaRPr>
           </a:p>
@@ -7662,7 +7224,7 @@
       </p:grpSpPr>
       <p:sp>
         <p:nvSpPr>
-          <p:cNvPr id="22" name="PlaceHolder 1"/>
+          <p:cNvPr id="21" name="PlaceHolder 1"/>
           <p:cNvSpPr>
             <a:spLocks noGrp="1"/>
           </p:cNvSpPr>
@@ -7672,8 +7234,8 @@
         </p:nvSpPr>
         <p:spPr>
           <a:xfrm>
-            <a:off x="823680" y="2053080"/>
-            <a:ext cx="4586760" cy="1148400"/>
+            <a:off x="457200" y="205200"/>
+            <a:ext cx="8229240" cy="858600"/>
           </a:xfrm>
           <a:prstGeom prst="rect">
             <a:avLst/>
@@ -7688,18 +7250,16 @@
             <a:noAutofit/>
           </a:bodyPr>
           <a:p>
-            <a:endParaRPr b="0" lang="en-IN" sz="1400" spc="-1" strike="noStrike">
-              <a:solidFill>
-                <a:srgbClr val="000000"/>
-              </a:solidFill>
-              <a:latin typeface="Arial"/>
-            </a:endParaRPr>
-          </a:p>
-        </p:txBody>
-      </p:sp>
-      <p:sp>
-        <p:nvSpPr>
-          <p:cNvPr id="23" name="PlaceHolder 2"/>
+            <a:pPr algn="ctr"/>
+            <a:endParaRPr b="0" lang="en-IN" sz="4400" spc="-1" strike="noStrike">
+              <a:latin typeface="Arial"/>
+            </a:endParaRPr>
+          </a:p>
+        </p:txBody>
+      </p:sp>
+      <p:sp>
+        <p:nvSpPr>
+          <p:cNvPr id="22" name="PlaceHolder 2"/>
           <p:cNvSpPr>
             <a:spLocks noGrp="1"/>
           </p:cNvSpPr>
@@ -7725,18 +7285,15 @@
             <a:normAutofit/>
           </a:bodyPr>
           <a:p>
-            <a:endParaRPr b="0" lang="en-IN" sz="1400" spc="-1" strike="noStrike">
-              <a:solidFill>
-                <a:srgbClr val="000000"/>
-              </a:solidFill>
-              <a:latin typeface="Arial"/>
-            </a:endParaRPr>
-          </a:p>
-        </p:txBody>
-      </p:sp>
-      <p:sp>
-        <p:nvSpPr>
-          <p:cNvPr id="24" name="PlaceHolder 3"/>
+            <a:endParaRPr b="0" lang="en-IN" sz="3200" spc="-1" strike="noStrike">
+              <a:latin typeface="Arial"/>
+            </a:endParaRPr>
+          </a:p>
+        </p:txBody>
+      </p:sp>
+      <p:sp>
+        <p:nvSpPr>
+          <p:cNvPr id="23" name="PlaceHolder 3"/>
           <p:cNvSpPr>
             <a:spLocks noGrp="1"/>
           </p:cNvSpPr>
@@ -7762,18 +7319,15 @@
             <a:normAutofit/>
           </a:bodyPr>
           <a:p>
-            <a:endParaRPr b="0" lang="en-IN" sz="1400" spc="-1" strike="noStrike">
-              <a:solidFill>
-                <a:srgbClr val="000000"/>
-              </a:solidFill>
-              <a:latin typeface="Arial"/>
-            </a:endParaRPr>
-          </a:p>
-        </p:txBody>
-      </p:sp>
-      <p:sp>
-        <p:nvSpPr>
-          <p:cNvPr id="25" name="PlaceHolder 4"/>
+            <a:endParaRPr b="0" lang="en-IN" sz="3200" spc="-1" strike="noStrike">
+              <a:latin typeface="Arial"/>
+            </a:endParaRPr>
+          </a:p>
+        </p:txBody>
+      </p:sp>
+      <p:sp>
+        <p:nvSpPr>
+          <p:cNvPr id="24" name="PlaceHolder 4"/>
           <p:cNvSpPr>
             <a:spLocks noGrp="1"/>
           </p:cNvSpPr>
@@ -7799,10 +7353,7 @@
             <a:normAutofit/>
           </a:bodyPr>
           <a:p>
-            <a:endParaRPr b="0" lang="en-IN" sz="1400" spc="-1" strike="noStrike">
-              <a:solidFill>
-                <a:srgbClr val="000000"/>
-              </a:solidFill>
+            <a:endParaRPr b="0" lang="en-IN" sz="3200" spc="-1" strike="noStrike">
               <a:latin typeface="Arial"/>
             </a:endParaRPr>
           </a:p>
@@ -7832,7 +7383,7 @@
       </p:grpSpPr>
       <p:sp>
         <p:nvSpPr>
-          <p:cNvPr id="26" name="PlaceHolder 1"/>
+          <p:cNvPr id="25" name="PlaceHolder 1"/>
           <p:cNvSpPr>
             <a:spLocks noGrp="1"/>
           </p:cNvSpPr>
@@ -7842,8 +7393,8 @@
         </p:nvSpPr>
         <p:spPr>
           <a:xfrm>
-            <a:off x="823680" y="2053080"/>
-            <a:ext cx="4586760" cy="1148400"/>
+            <a:off x="457200" y="205200"/>
+            <a:ext cx="8229240" cy="858600"/>
           </a:xfrm>
           <a:prstGeom prst="rect">
             <a:avLst/>
@@ -7858,18 +7409,16 @@
             <a:noAutofit/>
           </a:bodyPr>
           <a:p>
-            <a:endParaRPr b="0" lang="en-IN" sz="1400" spc="-1" strike="noStrike">
-              <a:solidFill>
-                <a:srgbClr val="000000"/>
-              </a:solidFill>
-              <a:latin typeface="Arial"/>
-            </a:endParaRPr>
-          </a:p>
-        </p:txBody>
-      </p:sp>
-      <p:sp>
-        <p:nvSpPr>
-          <p:cNvPr id="27" name="PlaceHolder 2"/>
+            <a:pPr algn="ctr"/>
+            <a:endParaRPr b="0" lang="en-IN" sz="4400" spc="-1" strike="noStrike">
+              <a:latin typeface="Arial"/>
+            </a:endParaRPr>
+          </a:p>
+        </p:txBody>
+      </p:sp>
+      <p:sp>
+        <p:nvSpPr>
+          <p:cNvPr id="26" name="PlaceHolder 2"/>
           <p:cNvSpPr>
             <a:spLocks noGrp="1"/>
           </p:cNvSpPr>
@@ -7895,18 +7444,15 @@
             <a:normAutofit/>
           </a:bodyPr>
           <a:p>
-            <a:endParaRPr b="0" lang="en-IN" sz="1400" spc="-1" strike="noStrike">
-              <a:solidFill>
-                <a:srgbClr val="000000"/>
-              </a:solidFill>
-              <a:latin typeface="Arial"/>
-            </a:endParaRPr>
-          </a:p>
-        </p:txBody>
-      </p:sp>
-      <p:sp>
-        <p:nvSpPr>
-          <p:cNvPr id="28" name="PlaceHolder 3"/>
+            <a:endParaRPr b="0" lang="en-IN" sz="3200" spc="-1" strike="noStrike">
+              <a:latin typeface="Arial"/>
+            </a:endParaRPr>
+          </a:p>
+        </p:txBody>
+      </p:sp>
+      <p:sp>
+        <p:nvSpPr>
+          <p:cNvPr id="27" name="PlaceHolder 3"/>
           <p:cNvSpPr>
             <a:spLocks noGrp="1"/>
           </p:cNvSpPr>
@@ -7932,18 +7478,15 @@
             <a:normAutofit/>
           </a:bodyPr>
           <a:p>
-            <a:endParaRPr b="0" lang="en-IN" sz="1400" spc="-1" strike="noStrike">
-              <a:solidFill>
-                <a:srgbClr val="000000"/>
-              </a:solidFill>
-              <a:latin typeface="Arial"/>
-            </a:endParaRPr>
-          </a:p>
-        </p:txBody>
-      </p:sp>
-      <p:sp>
-        <p:nvSpPr>
-          <p:cNvPr id="29" name="PlaceHolder 4"/>
+            <a:endParaRPr b="0" lang="en-IN" sz="3200" spc="-1" strike="noStrike">
+              <a:latin typeface="Arial"/>
+            </a:endParaRPr>
+          </a:p>
+        </p:txBody>
+      </p:sp>
+      <p:sp>
+        <p:nvSpPr>
+          <p:cNvPr id="28" name="PlaceHolder 4"/>
           <p:cNvSpPr>
             <a:spLocks noGrp="1"/>
           </p:cNvSpPr>
@@ -7969,10 +7512,7 @@
             <a:normAutofit/>
           </a:bodyPr>
           <a:p>
-            <a:endParaRPr b="0" lang="en-IN" sz="1400" spc="-1" strike="noStrike">
-              <a:solidFill>
-                <a:srgbClr val="000000"/>
-              </a:solidFill>
+            <a:endParaRPr b="0" lang="en-IN" sz="3200" spc="-1" strike="noStrike">
               <a:latin typeface="Arial"/>
             </a:endParaRPr>
           </a:p>
@@ -8015,8 +7555,8 @@
         </p:nvSpPr>
         <p:spPr>
           <a:xfrm rot="5400000">
-            <a:off x="7500600" y="0"/>
-            <a:ext cx="1643400" cy="1643400"/>
+            <a:off x="7500960" y="0"/>
+            <a:ext cx="1643040" cy="1643040"/>
           </a:xfrm>
           <a:prstGeom prst="diagStripe">
             <a:avLst>
@@ -8047,10 +7587,10 @@
         </p:nvGrpSpPr>
         <p:grpSpPr>
           <a:xfrm>
-            <a:off x="5760" y="-8280"/>
-            <a:ext cx="5138280" cy="5152320"/>
-            <a:chOff x="5760" y="-8280"/>
-            <a:chExt cx="5138280" cy="5152320"/>
+            <a:off x="5760" y="-7920"/>
+            <a:ext cx="5137920" cy="5151960"/>
+            <a:chOff x="5760" y="-7920"/>
+            <a:chExt cx="5137920" cy="5151960"/>
           </a:xfrm>
         </p:grpSpPr>
         <p:sp>
@@ -8061,8 +7601,8 @@
           </p:nvSpPr>
           <p:spPr>
             <a:xfrm rot="16200000">
-              <a:off x="360" y="360"/>
-              <a:ext cx="5152320" cy="5134680"/>
+              <a:off x="360" y="720"/>
+              <a:ext cx="5151960" cy="5134320"/>
             </a:xfrm>
             <a:prstGeom prst="diagStripe">
               <a:avLst>
@@ -8093,8 +7633,8 @@
           </p:nvSpPr>
           <p:spPr>
             <a:xfrm rot="16200000">
-              <a:off x="0" y="1142280"/>
-              <a:ext cx="3996360" cy="3982320"/>
+              <a:off x="0" y="1142640"/>
+              <a:ext cx="3996000" cy="3981960"/>
             </a:xfrm>
             <a:prstGeom prst="diagStripe">
               <a:avLst>
@@ -8125,8 +7665,8 @@
           </p:nvSpPr>
           <p:spPr>
             <a:xfrm rot="16200000">
-              <a:off x="1800" y="720"/>
-              <a:ext cx="2299320" cy="2291400"/>
+              <a:off x="1800" y="1080"/>
+              <a:ext cx="2298960" cy="2291040"/>
             </a:xfrm>
             <a:prstGeom prst="diagStripe">
               <a:avLst>
@@ -8155,8 +7695,8 @@
           </p:nvSpPr>
           <p:spPr>
             <a:xfrm flipH="1">
-              <a:off x="652680" y="588240"/>
-              <a:ext cx="2299680" cy="2291040"/>
+              <a:off x="651960" y="588240"/>
+              <a:ext cx="2299320" cy="2290680"/>
             </a:xfrm>
             <a:prstGeom prst="diagStripe">
               <a:avLst>
@@ -8190,35 +7730,29 @@
         </p:nvSpPr>
         <p:spPr>
           <a:xfrm>
-            <a:off x="3537000" y="1578240"/>
-            <a:ext cx="5017320" cy="1578600"/>
-          </a:xfrm>
-          <a:prstGeom prst="rect">
-            <a:avLst/>
-          </a:prstGeom>
-          <a:noFill/>
-          <a:ln w="0">
-            <a:noFill/>
-          </a:ln>
-        </p:spPr>
-        <p:txBody>
-          <a:bodyPr tIns="91440" bIns="91440" anchor="t">
-            <a:normAutofit/>
+            <a:off x="823680" y="2053080"/>
+            <a:ext cx="4586400" cy="1148040"/>
+          </a:xfrm>
+          <a:prstGeom prst="rect">
+            <a:avLst/>
+          </a:prstGeom>
+          <a:noFill/>
+          <a:ln w="0">
+            <a:noFill/>
+          </a:ln>
+        </p:spPr>
+        <p:txBody>
+          <a:bodyPr lIns="0" rIns="0" tIns="0" bIns="0" anchor="ctr">
+            <a:noAutofit/>
           </a:bodyPr>
           <a:p>
             <a:r>
-              <a:rPr b="0" lang="en-IN" sz="4000" spc="-1" strike="noStrike">
-                <a:solidFill>
-                  <a:srgbClr val="000000"/>
-                </a:solidFill>
+              <a:rPr b="0" lang="en-IN" sz="1800" spc="-1" strike="noStrike">
                 <a:latin typeface="Arial"/>
               </a:rPr>
               <a:t>Click to edit the title text format</a:t>
             </a:r>
-            <a:endParaRPr b="0" lang="en-IN" sz="4000" spc="-1" strike="noStrike">
-              <a:solidFill>
-                <a:srgbClr val="000000"/>
-              </a:solidFill>
+            <a:endParaRPr b="0" lang="en-IN" sz="1800" spc="-1" strike="noStrike">
               <a:latin typeface="Arial"/>
             </a:endParaRPr>
           </a:p>
@@ -8227,58 +7761,6 @@
       <p:sp>
         <p:nvSpPr>
           <p:cNvPr id="7" name="PlaceHolder 2"/>
-          <p:cNvSpPr>
-            <a:spLocks noGrp="1"/>
-          </p:cNvSpPr>
-          <p:nvPr>
-            <p:ph type="sldNum"/>
-          </p:nvPr>
-        </p:nvSpPr>
-        <p:spPr>
-          <a:xfrm>
-            <a:off x="8472600" y="4663080"/>
-            <a:ext cx="548280" cy="393120"/>
-          </a:xfrm>
-          <a:prstGeom prst="rect">
-            <a:avLst/>
-          </a:prstGeom>
-          <a:noFill/>
-          <a:ln w="0">
-            <a:noFill/>
-          </a:ln>
-        </p:spPr>
-        <p:txBody>
-          <a:bodyPr tIns="91440" bIns="91440" anchor="ctr">
-            <a:normAutofit/>
-          </a:bodyPr>
-          <a:p>
-            <a:pPr algn="r">
-              <a:lnSpc>
-                <a:spcPct val="100000"/>
-              </a:lnSpc>
-              <a:tabLst>
-                <a:tab algn="l" pos="0"/>
-              </a:tabLst>
-            </a:pPr>
-            <a:fld id="{45B7F814-76EB-454B-937F-F9DB0E3C5513}" type="slidenum">
-              <a:rPr b="0" lang="pt-BR" sz="1000" spc="-1" strike="noStrike">
-                <a:solidFill>
-                  <a:srgbClr val="ffffff"/>
-                </a:solidFill>
-                <a:latin typeface="Lato"/>
-                <a:ea typeface="Lato"/>
-              </a:rPr>
-              <a:t>&lt;number&gt;</a:t>
-            </a:fld>
-            <a:endParaRPr b="0" lang="en-IN" sz="1000" spc="-1" strike="noStrike">
-              <a:latin typeface="Times New Roman"/>
-            </a:endParaRPr>
-          </a:p>
-        </p:txBody>
-      </p:sp>
-      <p:sp>
-        <p:nvSpPr>
-          <p:cNvPr id="8" name="PlaceHolder 3"/>
           <p:cNvSpPr>
             <a:spLocks noGrp="1"/>
           </p:cNvSpPr>
@@ -8316,18 +7798,12 @@
               <a:buChar char=""/>
             </a:pPr>
             <a:r>
-              <a:rPr b="0" lang="en-IN" sz="1400" spc="-1" strike="noStrike">
-                <a:solidFill>
-                  <a:srgbClr val="000000"/>
-                </a:solidFill>
+              <a:rPr b="0" lang="en-IN" sz="3200" spc="-1" strike="noStrike">
                 <a:latin typeface="Arial"/>
               </a:rPr>
               <a:t>Click to edit the outline text format</a:t>
             </a:r>
-            <a:endParaRPr b="0" lang="en-IN" sz="1400" spc="-1" strike="noStrike">
-              <a:solidFill>
-                <a:srgbClr val="000000"/>
-              </a:solidFill>
+            <a:endParaRPr b="0" lang="en-IN" sz="3200" spc="-1" strike="noStrike">
               <a:latin typeface="Arial"/>
             </a:endParaRPr>
           </a:p>
@@ -8344,18 +7820,12 @@
               <a:buChar char=""/>
             </a:pPr>
             <a:r>
-              <a:rPr b="0" lang="en-IN" sz="1400" spc="-1" strike="noStrike">
-                <a:solidFill>
-                  <a:srgbClr val="000000"/>
-                </a:solidFill>
+              <a:rPr b="0" lang="en-IN" sz="2800" spc="-1" strike="noStrike">
                 <a:latin typeface="Arial"/>
               </a:rPr>
               <a:t>Second Outline Level</a:t>
             </a:r>
-            <a:endParaRPr b="0" lang="en-IN" sz="1400" spc="-1" strike="noStrike">
-              <a:solidFill>
-                <a:srgbClr val="000000"/>
-              </a:solidFill>
+            <a:endParaRPr b="0" lang="en-IN" sz="2800" spc="-1" strike="noStrike">
               <a:latin typeface="Arial"/>
             </a:endParaRPr>
           </a:p>
@@ -8372,18 +7842,12 @@
               <a:buChar char=""/>
             </a:pPr>
             <a:r>
-              <a:rPr b="0" lang="en-IN" sz="1400" spc="-1" strike="noStrike">
-                <a:solidFill>
-                  <a:srgbClr val="000000"/>
-                </a:solidFill>
+              <a:rPr b="0" lang="en-IN" sz="2400" spc="-1" strike="noStrike">
                 <a:latin typeface="Arial"/>
               </a:rPr>
               <a:t>Third Outline Level</a:t>
             </a:r>
-            <a:endParaRPr b="0" lang="en-IN" sz="1400" spc="-1" strike="noStrike">
-              <a:solidFill>
-                <a:srgbClr val="000000"/>
-              </a:solidFill>
+            <a:endParaRPr b="0" lang="en-IN" sz="2400" spc="-1" strike="noStrike">
               <a:latin typeface="Arial"/>
             </a:endParaRPr>
           </a:p>
@@ -8400,18 +7864,12 @@
               <a:buChar char=""/>
             </a:pPr>
             <a:r>
-              <a:rPr b="0" lang="en-IN" sz="1400" spc="-1" strike="noStrike">
-                <a:solidFill>
-                  <a:srgbClr val="000000"/>
-                </a:solidFill>
+              <a:rPr b="0" lang="en-IN" sz="2000" spc="-1" strike="noStrike">
                 <a:latin typeface="Arial"/>
               </a:rPr>
               <a:t>Fourth Outline Level</a:t>
             </a:r>
-            <a:endParaRPr b="0" lang="en-IN" sz="1400" spc="-1" strike="noStrike">
-              <a:solidFill>
-                <a:srgbClr val="000000"/>
-              </a:solidFill>
+            <a:endParaRPr b="0" lang="en-IN" sz="2000" spc="-1" strike="noStrike">
               <a:latin typeface="Arial"/>
             </a:endParaRPr>
           </a:p>
@@ -8429,17 +7887,11 @@
             </a:pPr>
             <a:r>
               <a:rPr b="0" lang="en-IN" sz="2000" spc="-1" strike="noStrike">
-                <a:solidFill>
-                  <a:srgbClr val="000000"/>
-                </a:solidFill>
                 <a:latin typeface="Arial"/>
               </a:rPr>
               <a:t>Fifth Outline Level</a:t>
             </a:r>
             <a:endParaRPr b="0" lang="en-IN" sz="2000" spc="-1" strike="noStrike">
-              <a:solidFill>
-                <a:srgbClr val="000000"/>
-              </a:solidFill>
               <a:latin typeface="Arial"/>
             </a:endParaRPr>
           </a:p>
@@ -8457,17 +7909,11 @@
             </a:pPr>
             <a:r>
               <a:rPr b="0" lang="en-IN" sz="2000" spc="-1" strike="noStrike">
-                <a:solidFill>
-                  <a:srgbClr val="000000"/>
-                </a:solidFill>
                 <a:latin typeface="Arial"/>
               </a:rPr>
               <a:t>Sixth Outline Level</a:t>
             </a:r>
             <a:endParaRPr b="0" lang="en-IN" sz="2000" spc="-1" strike="noStrike">
-              <a:solidFill>
-                <a:srgbClr val="000000"/>
-              </a:solidFill>
               <a:latin typeface="Arial"/>
             </a:endParaRPr>
           </a:p>
@@ -8485,17 +7931,11 @@
             </a:pPr>
             <a:r>
               <a:rPr b="0" lang="en-IN" sz="2000" spc="-1" strike="noStrike">
-                <a:solidFill>
-                  <a:srgbClr val="000000"/>
-                </a:solidFill>
                 <a:latin typeface="Arial"/>
               </a:rPr>
               <a:t>Seventh Outline Level</a:t>
             </a:r>
             <a:endParaRPr b="0" lang="en-IN" sz="2000" spc="-1" strike="noStrike">
-              <a:solidFill>
-                <a:srgbClr val="000000"/>
-              </a:solidFill>
               <a:latin typeface="Arial"/>
             </a:endParaRPr>
           </a:p>
@@ -8547,28 +7987,28 @@
       </p:grpSpPr>
       <p:grpSp>
         <p:nvGrpSpPr>
-          <p:cNvPr id="45" name="Google Shape;49;p5"/>
+          <p:cNvPr id="44" name="Google Shape;49;p5"/>
           <p:cNvGrpSpPr/>
           <p:nvPr/>
         </p:nvGrpSpPr>
         <p:grpSpPr>
           <a:xfrm>
-            <a:off x="0" y="381240"/>
-            <a:ext cx="1037520" cy="1015920"/>
-            <a:chOff x="0" y="381240"/>
-            <a:chExt cx="1037520" cy="1015920"/>
+            <a:off x="0" y="381600"/>
+            <a:ext cx="1036800" cy="1015200"/>
+            <a:chOff x="0" y="381600"/>
+            <a:chExt cx="1036800" cy="1015200"/>
           </a:xfrm>
         </p:grpSpPr>
         <p:sp>
           <p:nvSpPr>
-            <p:cNvPr id="46" name="Google Shape;50;p5"/>
+            <p:cNvPr id="45" name="Google Shape;50;p5"/>
             <p:cNvSpPr/>
             <p:nvPr/>
           </p:nvSpPr>
           <p:spPr>
             <a:xfrm rot="16200000">
-              <a:off x="0" y="381240"/>
-              <a:ext cx="808560" cy="808560"/>
+              <a:off x="0" y="381600"/>
+              <a:ext cx="808200" cy="808200"/>
             </a:xfrm>
             <a:prstGeom prst="diagStripe">
               <a:avLst>
@@ -8591,14 +8031,14 @@
         </p:sp>
         <p:sp>
           <p:nvSpPr>
-            <p:cNvPr id="47" name="Google Shape;51;p5"/>
+            <p:cNvPr id="46" name="Google Shape;51;p5"/>
             <p:cNvSpPr/>
             <p:nvPr/>
           </p:nvSpPr>
           <p:spPr>
             <a:xfrm flipH="1">
-              <a:off x="228960" y="588600"/>
-              <a:ext cx="808560" cy="808560"/>
+              <a:off x="228240" y="588600"/>
+              <a:ext cx="808200" cy="808200"/>
             </a:xfrm>
             <a:prstGeom prst="diagStripe">
               <a:avLst>
@@ -8622,7 +8062,7 @@
       </p:grpSp>
       <p:sp>
         <p:nvSpPr>
-          <p:cNvPr id="48" name="PlaceHolder 1"/>
+          <p:cNvPr id="47" name="PlaceHolder 1"/>
           <p:cNvSpPr>
             <a:spLocks noGrp="1"/>
           </p:cNvSpPr>
@@ -8632,43 +8072,37 @@
         </p:nvSpPr>
         <p:spPr>
           <a:xfrm>
-            <a:off x="1297440" y="393840"/>
-            <a:ext cx="7038720" cy="913680"/>
-          </a:xfrm>
-          <a:prstGeom prst="rect">
-            <a:avLst/>
-          </a:prstGeom>
-          <a:noFill/>
-          <a:ln w="0">
-            <a:noFill/>
-          </a:ln>
-        </p:spPr>
-        <p:txBody>
-          <a:bodyPr tIns="91440" bIns="91440" anchor="t">
-            <a:normAutofit/>
+            <a:off x="823680" y="2053080"/>
+            <a:ext cx="4586400" cy="1148040"/>
+          </a:xfrm>
+          <a:prstGeom prst="rect">
+            <a:avLst/>
+          </a:prstGeom>
+          <a:noFill/>
+          <a:ln w="0">
+            <a:noFill/>
+          </a:ln>
+        </p:spPr>
+        <p:txBody>
+          <a:bodyPr lIns="0" rIns="0" tIns="0" bIns="0" anchor="ctr">
+            <a:noAutofit/>
           </a:bodyPr>
           <a:p>
             <a:r>
-              <a:rPr b="0" lang="en-IN" sz="2400" spc="-1" strike="noStrike">
-                <a:solidFill>
-                  <a:srgbClr val="000000"/>
-                </a:solidFill>
+              <a:rPr b="0" lang="en-IN" sz="1800" spc="-1" strike="noStrike">
                 <a:latin typeface="Arial"/>
               </a:rPr>
               <a:t>Click to edit the title text format</a:t>
             </a:r>
-            <a:endParaRPr b="0" lang="en-IN" sz="2400" spc="-1" strike="noStrike">
-              <a:solidFill>
-                <a:srgbClr val="000000"/>
-              </a:solidFill>
-              <a:latin typeface="Arial"/>
-            </a:endParaRPr>
-          </a:p>
-        </p:txBody>
-      </p:sp>
-      <p:sp>
-        <p:nvSpPr>
-          <p:cNvPr id="49" name="PlaceHolder 2"/>
+            <a:endParaRPr b="0" lang="en-IN" sz="1800" spc="-1" strike="noStrike">
+              <a:latin typeface="Arial"/>
+            </a:endParaRPr>
+          </a:p>
+        </p:txBody>
+      </p:sp>
+      <p:sp>
+        <p:nvSpPr>
+          <p:cNvPr id="48" name="PlaceHolder 2"/>
           <p:cNvSpPr>
             <a:spLocks noGrp="1"/>
           </p:cNvSpPr>
@@ -8678,20 +8112,20 @@
         </p:nvSpPr>
         <p:spPr>
           <a:xfrm>
-            <a:off x="1297440" y="1567440"/>
-            <a:ext cx="3402720" cy="2910960"/>
-          </a:xfrm>
-          <a:prstGeom prst="rect">
-            <a:avLst/>
-          </a:prstGeom>
-          <a:noFill/>
-          <a:ln w="0">
-            <a:noFill/>
-          </a:ln>
-        </p:spPr>
-        <p:txBody>
-          <a:bodyPr tIns="91440" bIns="91440" anchor="t">
-            <a:normAutofit fontScale="78000"/>
+            <a:off x="457200" y="1203480"/>
+            <a:ext cx="4015440" cy="2982600"/>
+          </a:xfrm>
+          <a:prstGeom prst="rect">
+            <a:avLst/>
+          </a:prstGeom>
+          <a:noFill/>
+          <a:ln w="0">
+            <a:noFill/>
+          </a:ln>
+        </p:spPr>
+        <p:txBody>
+          <a:bodyPr lIns="0" rIns="0" tIns="0" bIns="0" anchor="t">
+            <a:normAutofit fontScale="94000"/>
           </a:bodyPr>
           <a:p>
             <a:pPr marL="432000" indent="-324000">
@@ -8706,18 +8140,12 @@
               <a:buChar char=""/>
             </a:pPr>
             <a:r>
-              <a:rPr b="0" lang="en-IN" sz="1300" spc="-1" strike="noStrike">
-                <a:solidFill>
-                  <a:srgbClr val="000000"/>
-                </a:solidFill>
+              <a:rPr b="0" lang="en-IN" sz="1800" spc="-1" strike="noStrike">
                 <a:latin typeface="Arial"/>
               </a:rPr>
               <a:t>Click to edit the outline text format</a:t>
             </a:r>
-            <a:endParaRPr b="0" lang="en-IN" sz="1300" spc="-1" strike="noStrike">
-              <a:solidFill>
-                <a:srgbClr val="000000"/>
-              </a:solidFill>
+            <a:endParaRPr b="0" lang="en-IN" sz="1800" spc="-1" strike="noStrike">
               <a:latin typeface="Arial"/>
             </a:endParaRPr>
           </a:p>
@@ -8734,18 +8162,12 @@
               <a:buChar char=""/>
             </a:pPr>
             <a:r>
-              <a:rPr b="0" lang="en-IN" sz="1300" spc="-1" strike="noStrike">
-                <a:solidFill>
-                  <a:srgbClr val="000000"/>
-                </a:solidFill>
+              <a:rPr b="0" lang="en-IN" sz="1800" spc="-1" strike="noStrike">
                 <a:latin typeface="Arial"/>
               </a:rPr>
               <a:t>Second Outline Level</a:t>
             </a:r>
-            <a:endParaRPr b="0" lang="en-IN" sz="1300" spc="-1" strike="noStrike">
-              <a:solidFill>
-                <a:srgbClr val="000000"/>
-              </a:solidFill>
+            <a:endParaRPr b="0" lang="en-IN" sz="1800" spc="-1" strike="noStrike">
               <a:latin typeface="Arial"/>
             </a:endParaRPr>
           </a:p>
@@ -8762,18 +8184,12 @@
               <a:buChar char=""/>
             </a:pPr>
             <a:r>
-              <a:rPr b="0" lang="en-IN" sz="1300" spc="-1" strike="noStrike">
-                <a:solidFill>
-                  <a:srgbClr val="000000"/>
-                </a:solidFill>
+              <a:rPr b="0" lang="en-IN" sz="1800" spc="-1" strike="noStrike">
                 <a:latin typeface="Arial"/>
               </a:rPr>
               <a:t>Third Outline Level</a:t>
             </a:r>
-            <a:endParaRPr b="0" lang="en-IN" sz="1300" spc="-1" strike="noStrike">
-              <a:solidFill>
-                <a:srgbClr val="000000"/>
-              </a:solidFill>
+            <a:endParaRPr b="0" lang="en-IN" sz="1800" spc="-1" strike="noStrike">
               <a:latin typeface="Arial"/>
             </a:endParaRPr>
           </a:p>
@@ -8790,18 +8206,12 @@
               <a:buChar char=""/>
             </a:pPr>
             <a:r>
-              <a:rPr b="0" lang="en-IN" sz="1300" spc="-1" strike="noStrike">
-                <a:solidFill>
-                  <a:srgbClr val="000000"/>
-                </a:solidFill>
+              <a:rPr b="0" lang="en-IN" sz="1800" spc="-1" strike="noStrike">
                 <a:latin typeface="Arial"/>
               </a:rPr>
               <a:t>Fourth Outline Level</a:t>
             </a:r>
-            <a:endParaRPr b="0" lang="en-IN" sz="1300" spc="-1" strike="noStrike">
-              <a:solidFill>
-                <a:srgbClr val="000000"/>
-              </a:solidFill>
+            <a:endParaRPr b="0" lang="en-IN" sz="1800" spc="-1" strike="noStrike">
               <a:latin typeface="Arial"/>
             </a:endParaRPr>
           </a:p>
@@ -8818,18 +8228,12 @@
               <a:buChar char=""/>
             </a:pPr>
             <a:r>
-              <a:rPr b="0" lang="en-IN" sz="1300" spc="-1" strike="noStrike">
-                <a:solidFill>
-                  <a:srgbClr val="000000"/>
-                </a:solidFill>
+              <a:rPr b="0" lang="en-IN" sz="1800" spc="-1" strike="noStrike">
                 <a:latin typeface="Arial"/>
               </a:rPr>
               <a:t>Fifth Outline Level</a:t>
             </a:r>
-            <a:endParaRPr b="0" lang="en-IN" sz="1300" spc="-1" strike="noStrike">
-              <a:solidFill>
-                <a:srgbClr val="000000"/>
-              </a:solidFill>
+            <a:endParaRPr b="0" lang="en-IN" sz="1800" spc="-1" strike="noStrike">
               <a:latin typeface="Arial"/>
             </a:endParaRPr>
           </a:p>
@@ -8846,18 +8250,12 @@
               <a:buChar char=""/>
             </a:pPr>
             <a:r>
-              <a:rPr b="0" lang="en-IN" sz="1300" spc="-1" strike="noStrike">
-                <a:solidFill>
-                  <a:srgbClr val="000000"/>
-                </a:solidFill>
+              <a:rPr b="0" lang="en-IN" sz="1800" spc="-1" strike="noStrike">
                 <a:latin typeface="Arial"/>
               </a:rPr>
               <a:t>Sixth Outline Level</a:t>
             </a:r>
-            <a:endParaRPr b="0" lang="en-IN" sz="1300" spc="-1" strike="noStrike">
-              <a:solidFill>
-                <a:srgbClr val="000000"/>
-              </a:solidFill>
+            <a:endParaRPr b="0" lang="en-IN" sz="1800" spc="-1" strike="noStrike">
               <a:latin typeface="Arial"/>
             </a:endParaRPr>
           </a:p>
@@ -8874,26 +8272,20 @@
               <a:buChar char=""/>
             </a:pPr>
             <a:r>
-              <a:rPr b="0" lang="en-IN" sz="1300" spc="-1" strike="noStrike">
-                <a:solidFill>
-                  <a:srgbClr val="000000"/>
-                </a:solidFill>
+              <a:rPr b="0" lang="en-IN" sz="1800" spc="-1" strike="noStrike">
                 <a:latin typeface="Arial"/>
               </a:rPr>
               <a:t>Seventh Outline Level</a:t>
             </a:r>
-            <a:endParaRPr b="0" lang="en-IN" sz="1300" spc="-1" strike="noStrike">
-              <a:solidFill>
-                <a:srgbClr val="000000"/>
-              </a:solidFill>
-              <a:latin typeface="Arial"/>
-            </a:endParaRPr>
-          </a:p>
-        </p:txBody>
-      </p:sp>
-      <p:sp>
-        <p:nvSpPr>
-          <p:cNvPr id="50" name="PlaceHolder 3"/>
+            <a:endParaRPr b="0" lang="en-IN" sz="1800" spc="-1" strike="noStrike">
+              <a:latin typeface="Arial"/>
+            </a:endParaRPr>
+          </a:p>
+        </p:txBody>
+      </p:sp>
+      <p:sp>
+        <p:nvSpPr>
+          <p:cNvPr id="49" name="PlaceHolder 3"/>
           <p:cNvSpPr>
             <a:spLocks noGrp="1"/>
           </p:cNvSpPr>
@@ -8903,20 +8295,20 @@
         </p:nvSpPr>
         <p:spPr>
           <a:xfrm>
-            <a:off x="4933080" y="1567440"/>
-            <a:ext cx="3402720" cy="2910960"/>
-          </a:xfrm>
-          <a:prstGeom prst="rect">
-            <a:avLst/>
-          </a:prstGeom>
-          <a:noFill/>
-          <a:ln w="0">
-            <a:noFill/>
-          </a:ln>
-        </p:spPr>
-        <p:txBody>
-          <a:bodyPr tIns="91440" bIns="91440" anchor="t">
-            <a:normAutofit fontScale="78000"/>
+            <a:off x="4674240" y="1203480"/>
+            <a:ext cx="4015440" cy="2982600"/>
+          </a:xfrm>
+          <a:prstGeom prst="rect">
+            <a:avLst/>
+          </a:prstGeom>
+          <a:noFill/>
+          <a:ln w="0">
+            <a:noFill/>
+          </a:ln>
+        </p:spPr>
+        <p:txBody>
+          <a:bodyPr lIns="0" rIns="0" tIns="0" bIns="0" anchor="t">
+            <a:normAutofit fontScale="94000"/>
           </a:bodyPr>
           <a:p>
             <a:pPr marL="432000" indent="-324000">
@@ -8931,18 +8323,12 @@
               <a:buChar char=""/>
             </a:pPr>
             <a:r>
-              <a:rPr b="0" lang="en-IN" sz="1300" spc="-1" strike="noStrike">
-                <a:solidFill>
-                  <a:srgbClr val="000000"/>
-                </a:solidFill>
+              <a:rPr b="0" lang="en-IN" sz="1800" spc="-1" strike="noStrike">
                 <a:latin typeface="Arial"/>
               </a:rPr>
               <a:t>Click to edit the outline text format</a:t>
             </a:r>
-            <a:endParaRPr b="0" lang="en-IN" sz="1300" spc="-1" strike="noStrike">
-              <a:solidFill>
-                <a:srgbClr val="000000"/>
-              </a:solidFill>
+            <a:endParaRPr b="0" lang="en-IN" sz="1800" spc="-1" strike="noStrike">
               <a:latin typeface="Arial"/>
             </a:endParaRPr>
           </a:p>
@@ -8959,18 +8345,12 @@
               <a:buChar char=""/>
             </a:pPr>
             <a:r>
-              <a:rPr b="0" lang="en-IN" sz="1300" spc="-1" strike="noStrike">
-                <a:solidFill>
-                  <a:srgbClr val="000000"/>
-                </a:solidFill>
+              <a:rPr b="0" lang="en-IN" sz="1800" spc="-1" strike="noStrike">
                 <a:latin typeface="Arial"/>
               </a:rPr>
               <a:t>Second Outline Level</a:t>
             </a:r>
-            <a:endParaRPr b="0" lang="en-IN" sz="1300" spc="-1" strike="noStrike">
-              <a:solidFill>
-                <a:srgbClr val="000000"/>
-              </a:solidFill>
+            <a:endParaRPr b="0" lang="en-IN" sz="1800" spc="-1" strike="noStrike">
               <a:latin typeface="Arial"/>
             </a:endParaRPr>
           </a:p>
@@ -8987,18 +8367,12 @@
               <a:buChar char=""/>
             </a:pPr>
             <a:r>
-              <a:rPr b="0" lang="en-IN" sz="1300" spc="-1" strike="noStrike">
-                <a:solidFill>
-                  <a:srgbClr val="000000"/>
-                </a:solidFill>
+              <a:rPr b="0" lang="en-IN" sz="1800" spc="-1" strike="noStrike">
                 <a:latin typeface="Arial"/>
               </a:rPr>
               <a:t>Third Outline Level</a:t>
             </a:r>
-            <a:endParaRPr b="0" lang="en-IN" sz="1300" spc="-1" strike="noStrike">
-              <a:solidFill>
-                <a:srgbClr val="000000"/>
-              </a:solidFill>
+            <a:endParaRPr b="0" lang="en-IN" sz="1800" spc="-1" strike="noStrike">
               <a:latin typeface="Arial"/>
             </a:endParaRPr>
           </a:p>
@@ -9015,18 +8389,12 @@
               <a:buChar char=""/>
             </a:pPr>
             <a:r>
-              <a:rPr b="0" lang="en-IN" sz="1300" spc="-1" strike="noStrike">
-                <a:solidFill>
-                  <a:srgbClr val="000000"/>
-                </a:solidFill>
+              <a:rPr b="0" lang="en-IN" sz="1800" spc="-1" strike="noStrike">
                 <a:latin typeface="Arial"/>
               </a:rPr>
               <a:t>Fourth Outline Level</a:t>
             </a:r>
-            <a:endParaRPr b="0" lang="en-IN" sz="1300" spc="-1" strike="noStrike">
-              <a:solidFill>
-                <a:srgbClr val="000000"/>
-              </a:solidFill>
+            <a:endParaRPr b="0" lang="en-IN" sz="1800" spc="-1" strike="noStrike">
               <a:latin typeface="Arial"/>
             </a:endParaRPr>
           </a:p>
@@ -9043,18 +8411,12 @@
               <a:buChar char=""/>
             </a:pPr>
             <a:r>
-              <a:rPr b="0" lang="en-IN" sz="1300" spc="-1" strike="noStrike">
-                <a:solidFill>
-                  <a:srgbClr val="000000"/>
-                </a:solidFill>
+              <a:rPr b="0" lang="en-IN" sz="1800" spc="-1" strike="noStrike">
                 <a:latin typeface="Arial"/>
               </a:rPr>
               <a:t>Fifth Outline Level</a:t>
             </a:r>
-            <a:endParaRPr b="0" lang="en-IN" sz="1300" spc="-1" strike="noStrike">
-              <a:solidFill>
-                <a:srgbClr val="000000"/>
-              </a:solidFill>
+            <a:endParaRPr b="0" lang="en-IN" sz="1800" spc="-1" strike="noStrike">
               <a:latin typeface="Arial"/>
             </a:endParaRPr>
           </a:p>
@@ -9071,18 +8433,12 @@
               <a:buChar char=""/>
             </a:pPr>
             <a:r>
-              <a:rPr b="0" lang="en-IN" sz="1300" spc="-1" strike="noStrike">
-                <a:solidFill>
-                  <a:srgbClr val="000000"/>
-                </a:solidFill>
+              <a:rPr b="0" lang="en-IN" sz="1800" spc="-1" strike="noStrike">
                 <a:latin typeface="Arial"/>
               </a:rPr>
               <a:t>Sixth Outline Level</a:t>
             </a:r>
-            <a:endParaRPr b="0" lang="en-IN" sz="1300" spc="-1" strike="noStrike">
-              <a:solidFill>
-                <a:srgbClr val="000000"/>
-              </a:solidFill>
+            <a:endParaRPr b="0" lang="en-IN" sz="1800" spc="-1" strike="noStrike">
               <a:latin typeface="Arial"/>
             </a:endParaRPr>
           </a:p>
@@ -9099,71 +8455,13 @@
               <a:buChar char=""/>
             </a:pPr>
             <a:r>
-              <a:rPr b="0" lang="en-IN" sz="1300" spc="-1" strike="noStrike">
-                <a:solidFill>
-                  <a:srgbClr val="000000"/>
-                </a:solidFill>
+              <a:rPr b="0" lang="en-IN" sz="1800" spc="-1" strike="noStrike">
                 <a:latin typeface="Arial"/>
               </a:rPr>
               <a:t>Seventh Outline Level</a:t>
             </a:r>
-            <a:endParaRPr b="0" lang="en-IN" sz="1300" spc="-1" strike="noStrike">
-              <a:solidFill>
-                <a:srgbClr val="000000"/>
-              </a:solidFill>
-              <a:latin typeface="Arial"/>
-            </a:endParaRPr>
-          </a:p>
-        </p:txBody>
-      </p:sp>
-      <p:sp>
-        <p:nvSpPr>
-          <p:cNvPr id="51" name="PlaceHolder 4"/>
-          <p:cNvSpPr>
-            <a:spLocks noGrp="1"/>
-          </p:cNvSpPr>
-          <p:nvPr>
-            <p:ph type="sldNum"/>
-          </p:nvPr>
-        </p:nvSpPr>
-        <p:spPr>
-          <a:xfrm>
-            <a:off x="8472600" y="4663080"/>
-            <a:ext cx="548280" cy="393120"/>
-          </a:xfrm>
-          <a:prstGeom prst="rect">
-            <a:avLst/>
-          </a:prstGeom>
-          <a:noFill/>
-          <a:ln w="0">
-            <a:noFill/>
-          </a:ln>
-        </p:spPr>
-        <p:txBody>
-          <a:bodyPr tIns="91440" bIns="91440" anchor="ctr">
-            <a:normAutofit/>
-          </a:bodyPr>
-          <a:p>
-            <a:pPr algn="r">
-              <a:lnSpc>
-                <a:spcPct val="100000"/>
-              </a:lnSpc>
-              <a:tabLst>
-                <a:tab algn="l" pos="0"/>
-              </a:tabLst>
-            </a:pPr>
-            <a:fld id="{6E905E44-66AE-47DF-8CD3-6C5FE3BF25E1}" type="slidenum">
-              <a:rPr b="0" lang="pt-BR" sz="1000" spc="-1" strike="noStrike">
-                <a:solidFill>
-                  <a:srgbClr val="ffffff"/>
-                </a:solidFill>
-                <a:latin typeface="Lato"/>
-                <a:ea typeface="Lato"/>
-              </a:rPr>
-              <a:t>&lt;number&gt;</a:t>
-            </a:fld>
-            <a:endParaRPr b="0" lang="en-IN" sz="1000" spc="-1" strike="noStrike">
-              <a:latin typeface="Times New Roman"/>
+            <a:endParaRPr b="0" lang="en-IN" sz="1800" spc="-1" strike="noStrike">
+              <a:latin typeface="Arial"/>
             </a:endParaRPr>
           </a:p>
         </p:txBody>
@@ -9214,28 +8512,28 @@
       </p:grpSpPr>
       <p:grpSp>
         <p:nvGrpSpPr>
-          <p:cNvPr id="88" name="Google Shape;63;p7"/>
+          <p:cNvPr id="86" name="Google Shape;63;p7"/>
           <p:cNvGrpSpPr/>
           <p:nvPr/>
         </p:nvGrpSpPr>
         <p:grpSpPr>
           <a:xfrm>
-            <a:off x="0" y="381240"/>
-            <a:ext cx="1037520" cy="1015920"/>
-            <a:chOff x="0" y="381240"/>
-            <a:chExt cx="1037520" cy="1015920"/>
+            <a:off x="0" y="381600"/>
+            <a:ext cx="1036800" cy="1015200"/>
+            <a:chOff x="0" y="381600"/>
+            <a:chExt cx="1036800" cy="1015200"/>
           </a:xfrm>
         </p:grpSpPr>
         <p:sp>
           <p:nvSpPr>
-            <p:cNvPr id="89" name="Google Shape;64;p7"/>
+            <p:cNvPr id="87" name="Google Shape;64;p7"/>
             <p:cNvSpPr/>
             <p:nvPr/>
           </p:nvSpPr>
           <p:spPr>
             <a:xfrm rot="16200000">
-              <a:off x="0" y="381240"/>
-              <a:ext cx="808560" cy="808560"/>
+              <a:off x="0" y="381600"/>
+              <a:ext cx="808200" cy="808200"/>
             </a:xfrm>
             <a:prstGeom prst="diagStripe">
               <a:avLst>
@@ -9258,14 +8556,14 @@
         </p:sp>
         <p:sp>
           <p:nvSpPr>
-            <p:cNvPr id="90" name="Google Shape;65;p7"/>
+            <p:cNvPr id="88" name="Google Shape;65;p7"/>
             <p:cNvSpPr/>
             <p:nvPr/>
           </p:nvSpPr>
           <p:spPr>
             <a:xfrm flipH="1">
-              <a:off x="228960" y="588600"/>
-              <a:ext cx="808560" cy="808560"/>
+              <a:off x="228240" y="588600"/>
+              <a:ext cx="808200" cy="808200"/>
             </a:xfrm>
             <a:prstGeom prst="diagStripe">
               <a:avLst>
@@ -9289,7 +8587,7 @@
       </p:grpSp>
       <p:sp>
         <p:nvSpPr>
-          <p:cNvPr id="91" name="PlaceHolder 1"/>
+          <p:cNvPr id="89" name="PlaceHolder 1"/>
           <p:cNvSpPr>
             <a:spLocks noGrp="1"/>
           </p:cNvSpPr>
@@ -9299,43 +8597,38 @@
         </p:nvSpPr>
         <p:spPr>
           <a:xfrm>
-            <a:off x="1297440" y="393840"/>
-            <a:ext cx="3798720" cy="1492920"/>
-          </a:xfrm>
-          <a:prstGeom prst="rect">
-            <a:avLst/>
-          </a:prstGeom>
-          <a:noFill/>
-          <a:ln w="0">
-            <a:noFill/>
-          </a:ln>
-        </p:spPr>
-        <p:txBody>
-          <a:bodyPr tIns="91440" bIns="91440" anchor="t">
-            <a:normAutofit/>
-          </a:bodyPr>
-          <a:p>
+            <a:off x="457200" y="205200"/>
+            <a:ext cx="8229240" cy="858600"/>
+          </a:xfrm>
+          <a:prstGeom prst="rect">
+            <a:avLst/>
+          </a:prstGeom>
+          <a:noFill/>
+          <a:ln w="0">
+            <a:noFill/>
+          </a:ln>
+        </p:spPr>
+        <p:txBody>
+          <a:bodyPr lIns="0" rIns="0" tIns="0" bIns="0" anchor="ctr">
+            <a:noAutofit/>
+          </a:bodyPr>
+          <a:p>
+            <a:pPr algn="ctr"/>
             <a:r>
-              <a:rPr b="0" lang="en-IN" sz="2400" spc="-1" strike="noStrike">
-                <a:solidFill>
-                  <a:srgbClr val="000000"/>
-                </a:solidFill>
+              <a:rPr b="0" lang="en-IN" sz="4400" spc="-1" strike="noStrike">
                 <a:latin typeface="Arial"/>
               </a:rPr>
               <a:t>Click to edit the title text format</a:t>
             </a:r>
-            <a:endParaRPr b="0" lang="en-IN" sz="2400" spc="-1" strike="noStrike">
-              <a:solidFill>
-                <a:srgbClr val="000000"/>
-              </a:solidFill>
-              <a:latin typeface="Arial"/>
-            </a:endParaRPr>
-          </a:p>
-        </p:txBody>
-      </p:sp>
-      <p:sp>
-        <p:nvSpPr>
-          <p:cNvPr id="92" name="PlaceHolder 2"/>
+            <a:endParaRPr b="0" lang="en-IN" sz="4400" spc="-1" strike="noStrike">
+              <a:latin typeface="Arial"/>
+            </a:endParaRPr>
+          </a:p>
+        </p:txBody>
+      </p:sp>
+      <p:sp>
+        <p:nvSpPr>
+          <p:cNvPr id="90" name="PlaceHolder 2"/>
           <p:cNvSpPr>
             <a:spLocks noGrp="1"/>
           </p:cNvSpPr>
@@ -9345,20 +8638,20 @@
         </p:nvSpPr>
         <p:spPr>
           <a:xfrm>
-            <a:off x="1297440" y="1972440"/>
-            <a:ext cx="3798720" cy="2415600"/>
-          </a:xfrm>
-          <a:prstGeom prst="rect">
-            <a:avLst/>
-          </a:prstGeom>
-          <a:noFill/>
-          <a:ln w="0">
-            <a:noFill/>
-          </a:ln>
-        </p:spPr>
-        <p:txBody>
-          <a:bodyPr tIns="91440" bIns="91440" anchor="t">
-            <a:normAutofit fontScale="92000"/>
+            <a:off x="457200" y="1203480"/>
+            <a:ext cx="8229240" cy="2982960"/>
+          </a:xfrm>
+          <a:prstGeom prst="rect">
+            <a:avLst/>
+          </a:prstGeom>
+          <a:noFill/>
+          <a:ln w="0">
+            <a:noFill/>
+          </a:ln>
+        </p:spPr>
+        <p:txBody>
+          <a:bodyPr lIns="0" rIns="0" tIns="0" bIns="0" anchor="t">
+            <a:normAutofit/>
           </a:bodyPr>
           <a:p>
             <a:pPr marL="432000" indent="-324000">
@@ -9373,18 +8666,12 @@
               <a:buChar char=""/>
             </a:pPr>
             <a:r>
-              <a:rPr b="0" lang="en-IN" sz="1300" spc="-1" strike="noStrike">
-                <a:solidFill>
-                  <a:srgbClr val="000000"/>
-                </a:solidFill>
+              <a:rPr b="0" lang="en-IN" sz="3200" spc="-1" strike="noStrike">
                 <a:latin typeface="Arial"/>
               </a:rPr>
               <a:t>Click to edit the outline text format</a:t>
             </a:r>
-            <a:endParaRPr b="0" lang="en-IN" sz="1300" spc="-1" strike="noStrike">
-              <a:solidFill>
-                <a:srgbClr val="000000"/>
-              </a:solidFill>
+            <a:endParaRPr b="0" lang="en-IN" sz="3200" spc="-1" strike="noStrike">
               <a:latin typeface="Arial"/>
             </a:endParaRPr>
           </a:p>
@@ -9401,18 +8688,12 @@
               <a:buChar char=""/>
             </a:pPr>
             <a:r>
-              <a:rPr b="0" lang="en-IN" sz="1300" spc="-1" strike="noStrike">
-                <a:solidFill>
-                  <a:srgbClr val="000000"/>
-                </a:solidFill>
+              <a:rPr b="0" lang="en-IN" sz="2800" spc="-1" strike="noStrike">
                 <a:latin typeface="Arial"/>
               </a:rPr>
               <a:t>Second Outline Level</a:t>
             </a:r>
-            <a:endParaRPr b="0" lang="en-IN" sz="1300" spc="-1" strike="noStrike">
-              <a:solidFill>
-                <a:srgbClr val="000000"/>
-              </a:solidFill>
+            <a:endParaRPr b="0" lang="en-IN" sz="2800" spc="-1" strike="noStrike">
               <a:latin typeface="Arial"/>
             </a:endParaRPr>
           </a:p>
@@ -9429,18 +8710,12 @@
               <a:buChar char=""/>
             </a:pPr>
             <a:r>
-              <a:rPr b="0" lang="en-IN" sz="1300" spc="-1" strike="noStrike">
-                <a:solidFill>
-                  <a:srgbClr val="000000"/>
-                </a:solidFill>
+              <a:rPr b="0" lang="en-IN" sz="2400" spc="-1" strike="noStrike">
                 <a:latin typeface="Arial"/>
               </a:rPr>
               <a:t>Third Outline Level</a:t>
             </a:r>
-            <a:endParaRPr b="0" lang="en-IN" sz="1300" spc="-1" strike="noStrike">
-              <a:solidFill>
-                <a:srgbClr val="000000"/>
-              </a:solidFill>
+            <a:endParaRPr b="0" lang="en-IN" sz="2400" spc="-1" strike="noStrike">
               <a:latin typeface="Arial"/>
             </a:endParaRPr>
           </a:p>
@@ -9457,18 +8732,12 @@
               <a:buChar char=""/>
             </a:pPr>
             <a:r>
-              <a:rPr b="0" lang="en-IN" sz="1300" spc="-1" strike="noStrike">
-                <a:solidFill>
-                  <a:srgbClr val="000000"/>
-                </a:solidFill>
+              <a:rPr b="0" lang="en-IN" sz="2000" spc="-1" strike="noStrike">
                 <a:latin typeface="Arial"/>
               </a:rPr>
               <a:t>Fourth Outline Level</a:t>
             </a:r>
-            <a:endParaRPr b="0" lang="en-IN" sz="1300" spc="-1" strike="noStrike">
-              <a:solidFill>
-                <a:srgbClr val="000000"/>
-              </a:solidFill>
+            <a:endParaRPr b="0" lang="en-IN" sz="2000" spc="-1" strike="noStrike">
               <a:latin typeface="Arial"/>
             </a:endParaRPr>
           </a:p>
@@ -9485,18 +8754,12 @@
               <a:buChar char=""/>
             </a:pPr>
             <a:r>
-              <a:rPr b="0" lang="en-IN" sz="1300" spc="-1" strike="noStrike">
-                <a:solidFill>
-                  <a:srgbClr val="000000"/>
-                </a:solidFill>
+              <a:rPr b="0" lang="en-IN" sz="2000" spc="-1" strike="noStrike">
                 <a:latin typeface="Arial"/>
               </a:rPr>
               <a:t>Fifth Outline Level</a:t>
             </a:r>
-            <a:endParaRPr b="0" lang="en-IN" sz="1300" spc="-1" strike="noStrike">
-              <a:solidFill>
-                <a:srgbClr val="000000"/>
-              </a:solidFill>
+            <a:endParaRPr b="0" lang="en-IN" sz="2000" spc="-1" strike="noStrike">
               <a:latin typeface="Arial"/>
             </a:endParaRPr>
           </a:p>
@@ -9513,18 +8776,12 @@
               <a:buChar char=""/>
             </a:pPr>
             <a:r>
-              <a:rPr b="0" lang="en-IN" sz="1300" spc="-1" strike="noStrike">
-                <a:solidFill>
-                  <a:srgbClr val="000000"/>
-                </a:solidFill>
+              <a:rPr b="0" lang="en-IN" sz="2000" spc="-1" strike="noStrike">
                 <a:latin typeface="Arial"/>
               </a:rPr>
               <a:t>Sixth Outline Level</a:t>
             </a:r>
-            <a:endParaRPr b="0" lang="en-IN" sz="1300" spc="-1" strike="noStrike">
-              <a:solidFill>
-                <a:srgbClr val="000000"/>
-              </a:solidFill>
+            <a:endParaRPr b="0" lang="en-IN" sz="2000" spc="-1" strike="noStrike">
               <a:latin typeface="Arial"/>
             </a:endParaRPr>
           </a:p>
@@ -9541,71 +8798,13 @@
               <a:buChar char=""/>
             </a:pPr>
             <a:r>
-              <a:rPr b="0" lang="en-IN" sz="1300" spc="-1" strike="noStrike">
-                <a:solidFill>
-                  <a:srgbClr val="000000"/>
-                </a:solidFill>
+              <a:rPr b="0" lang="en-IN" sz="2000" spc="-1" strike="noStrike">
                 <a:latin typeface="Arial"/>
               </a:rPr>
               <a:t>Seventh Outline Level</a:t>
             </a:r>
-            <a:endParaRPr b="0" lang="en-IN" sz="1300" spc="-1" strike="noStrike">
-              <a:solidFill>
-                <a:srgbClr val="000000"/>
-              </a:solidFill>
-              <a:latin typeface="Arial"/>
-            </a:endParaRPr>
-          </a:p>
-        </p:txBody>
-      </p:sp>
-      <p:sp>
-        <p:nvSpPr>
-          <p:cNvPr id="93" name="PlaceHolder 3"/>
-          <p:cNvSpPr>
-            <a:spLocks noGrp="1"/>
-          </p:cNvSpPr>
-          <p:nvPr>
-            <p:ph type="sldNum"/>
-          </p:nvPr>
-        </p:nvSpPr>
-        <p:spPr>
-          <a:xfrm>
-            <a:off x="8472600" y="4663080"/>
-            <a:ext cx="548280" cy="393120"/>
-          </a:xfrm>
-          <a:prstGeom prst="rect">
-            <a:avLst/>
-          </a:prstGeom>
-          <a:noFill/>
-          <a:ln w="0">
-            <a:noFill/>
-          </a:ln>
-        </p:spPr>
-        <p:txBody>
-          <a:bodyPr tIns="91440" bIns="91440" anchor="ctr">
-            <a:normAutofit/>
-          </a:bodyPr>
-          <a:p>
-            <a:pPr algn="r">
-              <a:lnSpc>
-                <a:spcPct val="100000"/>
-              </a:lnSpc>
-              <a:tabLst>
-                <a:tab algn="l" pos="0"/>
-              </a:tabLst>
-            </a:pPr>
-            <a:fld id="{6F948C4F-1479-44F3-BDFB-B6FBE65B1860}" type="slidenum">
-              <a:rPr b="0" lang="pt-BR" sz="1000" spc="-1" strike="noStrike">
-                <a:solidFill>
-                  <a:srgbClr val="ffffff"/>
-                </a:solidFill>
-                <a:latin typeface="Lato"/>
-                <a:ea typeface="Lato"/>
-              </a:rPr>
-              <a:t>&lt;number&gt;</a:t>
-            </a:fld>
-            <a:endParaRPr b="0" lang="en-IN" sz="1000" spc="-1" strike="noStrike">
-              <a:latin typeface="Times New Roman"/>
+            <a:endParaRPr b="0" lang="en-IN" sz="2000" spc="-1" strike="noStrike">
+              <a:latin typeface="Arial"/>
             </a:endParaRPr>
           </a:p>
         </p:txBody>
@@ -9656,28 +8855,28 @@
       </p:grpSpPr>
       <p:grpSp>
         <p:nvGrpSpPr>
-          <p:cNvPr id="130" name="Google Shape;42;p4"/>
+          <p:cNvPr id="127" name="Google Shape;42;p4"/>
           <p:cNvGrpSpPr/>
           <p:nvPr/>
         </p:nvGrpSpPr>
         <p:grpSpPr>
           <a:xfrm>
-            <a:off x="0" y="381240"/>
-            <a:ext cx="1037520" cy="1015920"/>
-            <a:chOff x="0" y="381240"/>
-            <a:chExt cx="1037520" cy="1015920"/>
+            <a:off x="0" y="381600"/>
+            <a:ext cx="1036800" cy="1015200"/>
+            <a:chOff x="0" y="381600"/>
+            <a:chExt cx="1036800" cy="1015200"/>
           </a:xfrm>
         </p:grpSpPr>
         <p:sp>
           <p:nvSpPr>
-            <p:cNvPr id="131" name="Google Shape;43;p4"/>
+            <p:cNvPr id="128" name="Google Shape;43;p4"/>
             <p:cNvSpPr/>
             <p:nvPr/>
           </p:nvSpPr>
           <p:spPr>
             <a:xfrm rot="16200000">
-              <a:off x="0" y="381240"/>
-              <a:ext cx="808560" cy="808560"/>
+              <a:off x="0" y="381600"/>
+              <a:ext cx="808200" cy="808200"/>
             </a:xfrm>
             <a:prstGeom prst="diagStripe">
               <a:avLst>
@@ -9700,14 +8899,14 @@
         </p:sp>
         <p:sp>
           <p:nvSpPr>
-            <p:cNvPr id="132" name="Google Shape;44;p4"/>
+            <p:cNvPr id="129" name="Google Shape;44;p4"/>
             <p:cNvSpPr/>
             <p:nvPr/>
           </p:nvSpPr>
           <p:spPr>
             <a:xfrm flipH="1">
-              <a:off x="228960" y="588600"/>
-              <a:ext cx="808560" cy="808560"/>
+              <a:off x="228240" y="588600"/>
+              <a:ext cx="808200" cy="808200"/>
             </a:xfrm>
             <a:prstGeom prst="diagStripe">
               <a:avLst>
@@ -9731,7 +8930,7 @@
       </p:grpSp>
       <p:sp>
         <p:nvSpPr>
-          <p:cNvPr id="133" name="PlaceHolder 1"/>
+          <p:cNvPr id="130" name="PlaceHolder 1"/>
           <p:cNvSpPr>
             <a:spLocks noGrp="1"/>
           </p:cNvSpPr>
@@ -9741,43 +8940,37 @@
         </p:nvSpPr>
         <p:spPr>
           <a:xfrm>
-            <a:off x="1297440" y="393840"/>
-            <a:ext cx="7038720" cy="913680"/>
-          </a:xfrm>
-          <a:prstGeom prst="rect">
-            <a:avLst/>
-          </a:prstGeom>
-          <a:noFill/>
-          <a:ln w="0">
-            <a:noFill/>
-          </a:ln>
-        </p:spPr>
-        <p:txBody>
-          <a:bodyPr tIns="91440" bIns="91440" anchor="t">
-            <a:normAutofit/>
+            <a:off x="823680" y="2053080"/>
+            <a:ext cx="4586400" cy="1148040"/>
+          </a:xfrm>
+          <a:prstGeom prst="rect">
+            <a:avLst/>
+          </a:prstGeom>
+          <a:noFill/>
+          <a:ln w="0">
+            <a:noFill/>
+          </a:ln>
+        </p:spPr>
+        <p:txBody>
+          <a:bodyPr lIns="0" rIns="0" tIns="0" bIns="0" anchor="ctr">
+            <a:noAutofit/>
           </a:bodyPr>
           <a:p>
             <a:r>
-              <a:rPr b="0" lang="en-IN" sz="2400" spc="-1" strike="noStrike">
-                <a:solidFill>
-                  <a:srgbClr val="000000"/>
-                </a:solidFill>
+              <a:rPr b="0" lang="en-IN" sz="1800" spc="-1" strike="noStrike">
                 <a:latin typeface="Arial"/>
               </a:rPr>
               <a:t>Click to edit the title text format</a:t>
             </a:r>
-            <a:endParaRPr b="0" lang="en-IN" sz="2400" spc="-1" strike="noStrike">
-              <a:solidFill>
-                <a:srgbClr val="000000"/>
-              </a:solidFill>
-              <a:latin typeface="Arial"/>
-            </a:endParaRPr>
-          </a:p>
-        </p:txBody>
-      </p:sp>
-      <p:sp>
-        <p:nvSpPr>
-          <p:cNvPr id="134" name="PlaceHolder 2"/>
+            <a:endParaRPr b="0" lang="en-IN" sz="1800" spc="-1" strike="noStrike">
+              <a:latin typeface="Arial"/>
+            </a:endParaRPr>
+          </a:p>
+        </p:txBody>
+      </p:sp>
+      <p:sp>
+        <p:nvSpPr>
+          <p:cNvPr id="131" name="PlaceHolder 2"/>
           <p:cNvSpPr>
             <a:spLocks noGrp="1"/>
           </p:cNvSpPr>
@@ -9787,19 +8980,19 @@
         </p:nvSpPr>
         <p:spPr>
           <a:xfrm>
-            <a:off x="1297440" y="1567440"/>
-            <a:ext cx="7038720" cy="2910960"/>
-          </a:xfrm>
-          <a:prstGeom prst="rect">
-            <a:avLst/>
-          </a:prstGeom>
-          <a:noFill/>
-          <a:ln w="0">
-            <a:noFill/>
-          </a:ln>
-        </p:spPr>
-        <p:txBody>
-          <a:bodyPr tIns="91440" bIns="91440" anchor="t">
+            <a:off x="457200" y="1203480"/>
+            <a:ext cx="8228880" cy="2982600"/>
+          </a:xfrm>
+          <a:prstGeom prst="rect">
+            <a:avLst/>
+          </a:prstGeom>
+          <a:noFill/>
+          <a:ln w="0">
+            <a:noFill/>
+          </a:ln>
+        </p:spPr>
+        <p:txBody>
+          <a:bodyPr lIns="0" rIns="0" tIns="0" bIns="0" anchor="t">
             <a:normAutofit/>
           </a:bodyPr>
           <a:p>
@@ -9815,18 +9008,12 @@
               <a:buChar char=""/>
             </a:pPr>
             <a:r>
-              <a:rPr b="0" lang="en-IN" sz="1300" spc="-1" strike="noStrike">
-                <a:solidFill>
-                  <a:srgbClr val="000000"/>
-                </a:solidFill>
+              <a:rPr b="0" lang="en-IN" sz="1800" spc="-1" strike="noStrike">
                 <a:latin typeface="Arial"/>
               </a:rPr>
               <a:t>Click to edit the outline text format</a:t>
             </a:r>
-            <a:endParaRPr b="0" lang="en-IN" sz="1300" spc="-1" strike="noStrike">
-              <a:solidFill>
-                <a:srgbClr val="000000"/>
-              </a:solidFill>
+            <a:endParaRPr b="0" lang="en-IN" sz="1800" spc="-1" strike="noStrike">
               <a:latin typeface="Arial"/>
             </a:endParaRPr>
           </a:p>
@@ -9843,18 +9030,12 @@
               <a:buChar char=""/>
             </a:pPr>
             <a:r>
-              <a:rPr b="0" lang="en-IN" sz="1300" spc="-1" strike="noStrike">
-                <a:solidFill>
-                  <a:srgbClr val="000000"/>
-                </a:solidFill>
+              <a:rPr b="0" lang="en-IN" sz="1800" spc="-1" strike="noStrike">
                 <a:latin typeface="Arial"/>
               </a:rPr>
               <a:t>Second Outline Level</a:t>
             </a:r>
-            <a:endParaRPr b="0" lang="en-IN" sz="1300" spc="-1" strike="noStrike">
-              <a:solidFill>
-                <a:srgbClr val="000000"/>
-              </a:solidFill>
+            <a:endParaRPr b="0" lang="en-IN" sz="1800" spc="-1" strike="noStrike">
               <a:latin typeface="Arial"/>
             </a:endParaRPr>
           </a:p>
@@ -9871,18 +9052,12 @@
               <a:buChar char=""/>
             </a:pPr>
             <a:r>
-              <a:rPr b="0" lang="en-IN" sz="1300" spc="-1" strike="noStrike">
-                <a:solidFill>
-                  <a:srgbClr val="000000"/>
-                </a:solidFill>
+              <a:rPr b="0" lang="en-IN" sz="1800" spc="-1" strike="noStrike">
                 <a:latin typeface="Arial"/>
               </a:rPr>
               <a:t>Third Outline Level</a:t>
             </a:r>
-            <a:endParaRPr b="0" lang="en-IN" sz="1300" spc="-1" strike="noStrike">
-              <a:solidFill>
-                <a:srgbClr val="000000"/>
-              </a:solidFill>
+            <a:endParaRPr b="0" lang="en-IN" sz="1800" spc="-1" strike="noStrike">
               <a:latin typeface="Arial"/>
             </a:endParaRPr>
           </a:p>
@@ -9899,18 +9074,12 @@
               <a:buChar char=""/>
             </a:pPr>
             <a:r>
-              <a:rPr b="0" lang="en-IN" sz="1300" spc="-1" strike="noStrike">
-                <a:solidFill>
-                  <a:srgbClr val="000000"/>
-                </a:solidFill>
+              <a:rPr b="0" lang="en-IN" sz="1800" spc="-1" strike="noStrike">
                 <a:latin typeface="Arial"/>
               </a:rPr>
               <a:t>Fourth Outline Level</a:t>
             </a:r>
-            <a:endParaRPr b="0" lang="en-IN" sz="1300" spc="-1" strike="noStrike">
-              <a:solidFill>
-                <a:srgbClr val="000000"/>
-              </a:solidFill>
+            <a:endParaRPr b="0" lang="en-IN" sz="1800" spc="-1" strike="noStrike">
               <a:latin typeface="Arial"/>
             </a:endParaRPr>
           </a:p>
@@ -9927,18 +9096,12 @@
               <a:buChar char=""/>
             </a:pPr>
             <a:r>
-              <a:rPr b="0" lang="en-IN" sz="1300" spc="-1" strike="noStrike">
-                <a:solidFill>
-                  <a:srgbClr val="000000"/>
-                </a:solidFill>
+              <a:rPr b="0" lang="en-IN" sz="1800" spc="-1" strike="noStrike">
                 <a:latin typeface="Arial"/>
               </a:rPr>
               <a:t>Fifth Outline Level</a:t>
             </a:r>
-            <a:endParaRPr b="0" lang="en-IN" sz="1300" spc="-1" strike="noStrike">
-              <a:solidFill>
-                <a:srgbClr val="000000"/>
-              </a:solidFill>
+            <a:endParaRPr b="0" lang="en-IN" sz="1800" spc="-1" strike="noStrike">
               <a:latin typeface="Arial"/>
             </a:endParaRPr>
           </a:p>
@@ -9955,18 +9118,12 @@
               <a:buChar char=""/>
             </a:pPr>
             <a:r>
-              <a:rPr b="0" lang="en-IN" sz="1300" spc="-1" strike="noStrike">
-                <a:solidFill>
-                  <a:srgbClr val="000000"/>
-                </a:solidFill>
+              <a:rPr b="0" lang="en-IN" sz="1800" spc="-1" strike="noStrike">
                 <a:latin typeface="Arial"/>
               </a:rPr>
               <a:t>Sixth Outline Level</a:t>
             </a:r>
-            <a:endParaRPr b="0" lang="en-IN" sz="1300" spc="-1" strike="noStrike">
-              <a:solidFill>
-                <a:srgbClr val="000000"/>
-              </a:solidFill>
+            <a:endParaRPr b="0" lang="en-IN" sz="1800" spc="-1" strike="noStrike">
               <a:latin typeface="Arial"/>
             </a:endParaRPr>
           </a:p>
@@ -9983,71 +9140,13 @@
               <a:buChar char=""/>
             </a:pPr>
             <a:r>
-              <a:rPr b="0" lang="en-IN" sz="1300" spc="-1" strike="noStrike">
-                <a:solidFill>
-                  <a:srgbClr val="000000"/>
-                </a:solidFill>
+              <a:rPr b="0" lang="en-IN" sz="1800" spc="-1" strike="noStrike">
                 <a:latin typeface="Arial"/>
               </a:rPr>
               <a:t>Seventh Outline Level</a:t>
             </a:r>
-            <a:endParaRPr b="0" lang="en-IN" sz="1300" spc="-1" strike="noStrike">
-              <a:solidFill>
-                <a:srgbClr val="000000"/>
-              </a:solidFill>
-              <a:latin typeface="Arial"/>
-            </a:endParaRPr>
-          </a:p>
-        </p:txBody>
-      </p:sp>
-      <p:sp>
-        <p:nvSpPr>
-          <p:cNvPr id="135" name="PlaceHolder 3"/>
-          <p:cNvSpPr>
-            <a:spLocks noGrp="1"/>
-          </p:cNvSpPr>
-          <p:nvPr>
-            <p:ph type="sldNum"/>
-          </p:nvPr>
-        </p:nvSpPr>
-        <p:spPr>
-          <a:xfrm>
-            <a:off x="8472600" y="4663080"/>
-            <a:ext cx="548280" cy="393120"/>
-          </a:xfrm>
-          <a:prstGeom prst="rect">
-            <a:avLst/>
-          </a:prstGeom>
-          <a:noFill/>
-          <a:ln w="0">
-            <a:noFill/>
-          </a:ln>
-        </p:spPr>
-        <p:txBody>
-          <a:bodyPr tIns="91440" bIns="91440" anchor="ctr">
-            <a:normAutofit/>
-          </a:bodyPr>
-          <a:p>
-            <a:pPr algn="r">
-              <a:lnSpc>
-                <a:spcPct val="100000"/>
-              </a:lnSpc>
-              <a:tabLst>
-                <a:tab algn="l" pos="0"/>
-              </a:tabLst>
-            </a:pPr>
-            <a:fld id="{E53D4226-79C5-45DF-8D73-C2C3245CFEC6}" type="slidenum">
-              <a:rPr b="0" lang="pt-BR" sz="1000" spc="-1" strike="noStrike">
-                <a:solidFill>
-                  <a:srgbClr val="ffffff"/>
-                </a:solidFill>
-                <a:latin typeface="Lato"/>
-                <a:ea typeface="Lato"/>
-              </a:rPr>
-              <a:t>&lt;number&gt;</a:t>
-            </a:fld>
-            <a:endParaRPr b="0" lang="en-IN" sz="1000" spc="-1" strike="noStrike">
-              <a:latin typeface="Times New Roman"/>
+            <a:endParaRPr b="0" lang="en-IN" sz="1800" spc="-1" strike="noStrike">
+              <a:latin typeface="Arial"/>
             </a:endParaRPr>
           </a:p>
         </p:txBody>
@@ -10098,28 +9197,28 @@
       </p:grpSpPr>
       <p:grpSp>
         <p:nvGrpSpPr>
-          <p:cNvPr id="172" name="Google Shape;20;p3"/>
+          <p:cNvPr id="168" name="Google Shape;20;p3"/>
           <p:cNvGrpSpPr/>
           <p:nvPr/>
         </p:nvGrpSpPr>
         <p:grpSpPr>
           <a:xfrm>
-            <a:off x="4406760" y="0"/>
-            <a:ext cx="4737240" cy="5142960"/>
-            <a:chOff x="4406760" y="0"/>
-            <a:chExt cx="4737240" cy="5142960"/>
+            <a:off x="4406760" y="-360"/>
+            <a:ext cx="4736880" cy="5143320"/>
+            <a:chOff x="4406760" y="-360"/>
+            <a:chExt cx="4736880" cy="5143320"/>
           </a:xfrm>
         </p:grpSpPr>
         <p:sp>
           <p:nvSpPr>
-            <p:cNvPr id="173" name="Google Shape;21;p3"/>
+            <p:cNvPr id="169" name="Google Shape;21;p3"/>
             <p:cNvSpPr/>
             <p:nvPr/>
           </p:nvSpPr>
           <p:spPr>
             <a:xfrm rot="5400000">
               <a:off x="4408200" y="-1800"/>
-              <a:ext cx="4733640" cy="4737240"/>
+              <a:ext cx="4733280" cy="4736880"/>
             </a:xfrm>
             <a:prstGeom prst="diagStripe">
               <a:avLst>
@@ -10144,14 +9243,14 @@
         </p:sp>
         <p:sp>
           <p:nvSpPr>
-            <p:cNvPr id="174" name="Google Shape;22;p3"/>
+            <p:cNvPr id="170" name="Google Shape;22;p3"/>
             <p:cNvSpPr/>
             <p:nvPr/>
           </p:nvSpPr>
           <p:spPr>
             <a:xfrm rot="5400000">
-              <a:off x="4841280" y="5400"/>
-              <a:ext cx="4297680" cy="4286520"/>
+              <a:off x="4841640" y="5040"/>
+              <a:ext cx="4297320" cy="4286160"/>
             </a:xfrm>
             <a:prstGeom prst="diagStripe">
               <a:avLst>
@@ -10176,14 +9275,14 @@
         </p:sp>
         <p:sp>
           <p:nvSpPr>
-            <p:cNvPr id="175" name="Google Shape;23;p3"/>
+            <p:cNvPr id="171" name="Google Shape;23;p3"/>
             <p:cNvSpPr/>
             <p:nvPr/>
           </p:nvSpPr>
           <p:spPr>
             <a:xfrm rot="16200000">
-              <a:off x="5618520" y="1236600"/>
-              <a:ext cx="808560" cy="808560"/>
+              <a:off x="5618520" y="1236960"/>
+              <a:ext cx="808200" cy="808200"/>
             </a:xfrm>
             <a:prstGeom prst="diagStripe">
               <a:avLst>
@@ -10208,14 +9307,14 @@
         </p:sp>
         <p:sp>
           <p:nvSpPr>
-            <p:cNvPr id="176" name="Google Shape;24;p3"/>
+            <p:cNvPr id="172" name="Google Shape;24;p3"/>
             <p:cNvSpPr/>
             <p:nvPr/>
           </p:nvSpPr>
           <p:spPr>
             <a:xfrm flipH="1">
-              <a:off x="5850000" y="1443960"/>
-              <a:ext cx="808560" cy="808560"/>
+              <a:off x="5849280" y="1443960"/>
+              <a:ext cx="808200" cy="808200"/>
             </a:xfrm>
             <a:prstGeom prst="diagStripe">
               <a:avLst>
@@ -10240,14 +9339,14 @@
         </p:sp>
         <p:sp>
           <p:nvSpPr>
-            <p:cNvPr id="177" name="Google Shape;25;p3"/>
+            <p:cNvPr id="173" name="Google Shape;25;p3"/>
             <p:cNvSpPr/>
             <p:nvPr/>
           </p:nvSpPr>
           <p:spPr>
             <a:xfrm rot="16200000">
-              <a:off x="5987160" y="2469600"/>
-              <a:ext cx="808560" cy="808560"/>
+              <a:off x="5987160" y="2469960"/>
+              <a:ext cx="808200" cy="808200"/>
             </a:xfrm>
             <a:prstGeom prst="diagStripe">
               <a:avLst>
@@ -10272,14 +9371,14 @@
         </p:sp>
         <p:sp>
           <p:nvSpPr>
-            <p:cNvPr id="178" name="Google Shape;26;p3"/>
+            <p:cNvPr id="174" name="Google Shape;26;p3"/>
             <p:cNvSpPr/>
             <p:nvPr/>
           </p:nvSpPr>
           <p:spPr>
             <a:xfrm flipH="1">
-              <a:off x="6222240" y="2676960"/>
-              <a:ext cx="808560" cy="808560"/>
+              <a:off x="6221520" y="2676960"/>
+              <a:ext cx="808200" cy="808200"/>
             </a:xfrm>
             <a:prstGeom prst="diagStripe">
               <a:avLst>
@@ -10304,14 +9403,14 @@
         </p:sp>
         <p:sp>
           <p:nvSpPr>
-            <p:cNvPr id="179" name="Google Shape;27;p3"/>
+            <p:cNvPr id="175" name="Google Shape;27;p3"/>
             <p:cNvSpPr/>
             <p:nvPr/>
           </p:nvSpPr>
           <p:spPr>
             <a:xfrm rot="16200000">
-              <a:off x="6675480" y="1862280"/>
-              <a:ext cx="808560" cy="808560"/>
+              <a:off x="6675480" y="1862640"/>
+              <a:ext cx="808200" cy="808200"/>
             </a:xfrm>
             <a:prstGeom prst="diagStripe">
               <a:avLst>
@@ -10336,14 +9435,14 @@
         </p:sp>
         <p:sp>
           <p:nvSpPr>
-            <p:cNvPr id="180" name="Google Shape;28;p3"/>
+            <p:cNvPr id="176" name="Google Shape;28;p3"/>
             <p:cNvSpPr/>
             <p:nvPr/>
           </p:nvSpPr>
           <p:spPr>
             <a:xfrm flipH="1">
-              <a:off x="6908040" y="2069640"/>
-              <a:ext cx="808560" cy="808560"/>
+              <a:off x="6907320" y="2069640"/>
+              <a:ext cx="808200" cy="808200"/>
             </a:xfrm>
             <a:prstGeom prst="diagStripe">
               <a:avLst>
@@ -10366,14 +9465,14 @@
         </p:sp>
         <p:sp>
           <p:nvSpPr>
-            <p:cNvPr id="181" name="Google Shape;29;p3"/>
+            <p:cNvPr id="177" name="Google Shape;29;p3"/>
             <p:cNvSpPr/>
             <p:nvPr/>
           </p:nvSpPr>
           <p:spPr>
             <a:xfrm rot="16200000">
-              <a:off x="6861240" y="2477880"/>
-              <a:ext cx="808560" cy="808560"/>
+              <a:off x="6861240" y="2478240"/>
+              <a:ext cx="808200" cy="808200"/>
             </a:xfrm>
             <a:prstGeom prst="diagStripe">
               <a:avLst>
@@ -10398,14 +9497,14 @@
         </p:sp>
         <p:sp>
           <p:nvSpPr>
-            <p:cNvPr id="182" name="Google Shape;30;p3"/>
+            <p:cNvPr id="178" name="Google Shape;30;p3"/>
             <p:cNvSpPr/>
             <p:nvPr/>
           </p:nvSpPr>
           <p:spPr>
             <a:xfrm flipH="1">
-              <a:off x="7965360" y="2692800"/>
-              <a:ext cx="808560" cy="808560"/>
+              <a:off x="7964640" y="2692800"/>
+              <a:ext cx="808200" cy="808200"/>
             </a:xfrm>
             <a:prstGeom prst="diagStripe">
               <a:avLst>
@@ -10430,14 +9529,14 @@
         </p:sp>
         <p:sp>
           <p:nvSpPr>
-            <p:cNvPr id="183" name="Google Shape;31;p3"/>
+            <p:cNvPr id="179" name="Google Shape;31;p3"/>
             <p:cNvSpPr/>
             <p:nvPr/>
           </p:nvSpPr>
           <p:spPr>
             <a:xfrm flipH="1">
-              <a:off x="8145000" y="3308760"/>
-              <a:ext cx="808560" cy="808560"/>
+              <a:off x="8144280" y="3308760"/>
+              <a:ext cx="808200" cy="808200"/>
             </a:xfrm>
             <a:prstGeom prst="diagStripe">
               <a:avLst>
@@ -10462,14 +9561,14 @@
         </p:sp>
         <p:sp>
           <p:nvSpPr>
-            <p:cNvPr id="184" name="Google Shape;32;p3"/>
+            <p:cNvPr id="180" name="Google Shape;32;p3"/>
             <p:cNvSpPr/>
             <p:nvPr/>
           </p:nvSpPr>
           <p:spPr>
             <a:xfrm rot="16200000">
-              <a:off x="7047720" y="3095280"/>
-              <a:ext cx="808560" cy="808560"/>
+              <a:off x="7047720" y="3095640"/>
+              <a:ext cx="808200" cy="808200"/>
             </a:xfrm>
             <a:prstGeom prst="diagStripe">
               <a:avLst>
@@ -10494,14 +9593,14 @@
         </p:sp>
         <p:sp>
           <p:nvSpPr>
-            <p:cNvPr id="185" name="Google Shape;33;p3"/>
+            <p:cNvPr id="181" name="Google Shape;33;p3"/>
             <p:cNvSpPr/>
             <p:nvPr/>
           </p:nvSpPr>
           <p:spPr>
             <a:xfrm flipH="1">
-              <a:off x="7276680" y="3302640"/>
-              <a:ext cx="808560" cy="808560"/>
+              <a:off x="7275960" y="3302640"/>
+              <a:ext cx="808200" cy="808200"/>
             </a:xfrm>
             <a:prstGeom prst="diagStripe">
               <a:avLst>
@@ -10526,14 +9625,14 @@
         </p:sp>
         <p:sp>
           <p:nvSpPr>
-            <p:cNvPr id="186" name="Google Shape;34;p3"/>
+            <p:cNvPr id="182" name="Google Shape;34;p3"/>
             <p:cNvSpPr/>
             <p:nvPr/>
           </p:nvSpPr>
           <p:spPr>
             <a:xfrm rot="16200000">
-              <a:off x="7227360" y="3710880"/>
-              <a:ext cx="808560" cy="808560"/>
+              <a:off x="7227360" y="3711240"/>
+              <a:ext cx="808200" cy="808200"/>
             </a:xfrm>
             <a:prstGeom prst="diagStripe">
               <a:avLst>
@@ -10556,14 +9655,14 @@
         </p:sp>
         <p:sp>
           <p:nvSpPr>
-            <p:cNvPr id="187" name="Google Shape;35;p3"/>
+            <p:cNvPr id="183" name="Google Shape;35;p3"/>
             <p:cNvSpPr/>
             <p:nvPr/>
           </p:nvSpPr>
           <p:spPr>
             <a:xfrm flipH="1">
-              <a:off x="7462440" y="3918240"/>
-              <a:ext cx="808560" cy="808560"/>
+              <a:off x="7461720" y="3918240"/>
+              <a:ext cx="808200" cy="808200"/>
             </a:xfrm>
             <a:prstGeom prst="diagStripe">
               <a:avLst>
@@ -10588,14 +9687,14 @@
         </p:sp>
         <p:sp>
           <p:nvSpPr>
-            <p:cNvPr id="188" name="Google Shape;36;p3"/>
+            <p:cNvPr id="184" name="Google Shape;36;p3"/>
             <p:cNvSpPr/>
             <p:nvPr/>
           </p:nvSpPr>
           <p:spPr>
             <a:xfrm rot="16200000">
-              <a:off x="8102520" y="3718800"/>
-              <a:ext cx="808560" cy="808560"/>
+              <a:off x="8102520" y="3719160"/>
+              <a:ext cx="808200" cy="808200"/>
             </a:xfrm>
             <a:prstGeom prst="diagStripe">
               <a:avLst>
@@ -10620,14 +9719,14 @@
         </p:sp>
         <p:sp>
           <p:nvSpPr>
-            <p:cNvPr id="189" name="Google Shape;37;p3"/>
+            <p:cNvPr id="185" name="Google Shape;37;p3"/>
             <p:cNvSpPr/>
             <p:nvPr/>
           </p:nvSpPr>
           <p:spPr>
             <a:xfrm flipH="1">
-              <a:off x="8334360" y="3925800"/>
-              <a:ext cx="808560" cy="808560"/>
+              <a:off x="8333640" y="3925800"/>
+              <a:ext cx="808200" cy="808200"/>
             </a:xfrm>
             <a:prstGeom prst="diagStripe">
               <a:avLst>
@@ -10652,14 +9751,14 @@
         </p:sp>
         <p:sp>
           <p:nvSpPr>
-            <p:cNvPr id="190" name="Google Shape;38;p3"/>
+            <p:cNvPr id="186" name="Google Shape;38;p3"/>
             <p:cNvSpPr/>
             <p:nvPr/>
           </p:nvSpPr>
           <p:spPr>
             <a:xfrm rot="16200000">
-              <a:off x="8288280" y="4334400"/>
-              <a:ext cx="808560" cy="808560"/>
+              <a:off x="8288280" y="4334760"/>
+              <a:ext cx="808200" cy="808200"/>
             </a:xfrm>
             <a:prstGeom prst="diagStripe">
               <a:avLst>
@@ -10685,7 +9784,7 @@
       </p:grpSp>
       <p:sp>
         <p:nvSpPr>
-          <p:cNvPr id="191" name="PlaceHolder 1"/>
+          <p:cNvPr id="187" name="PlaceHolder 1"/>
           <p:cNvSpPr>
             <a:spLocks noGrp="1"/>
           </p:cNvSpPr>
@@ -10695,95 +9794,38 @@
         </p:nvSpPr>
         <p:spPr>
           <a:xfrm>
-            <a:off x="823680" y="2053080"/>
-            <a:ext cx="4586760" cy="1148400"/>
-          </a:xfrm>
-          <a:prstGeom prst="rect">
-            <a:avLst/>
-          </a:prstGeom>
-          <a:noFill/>
-          <a:ln w="0">
-            <a:noFill/>
-          </a:ln>
-        </p:spPr>
-        <p:txBody>
-          <a:bodyPr tIns="91440" bIns="91440" anchor="ctr">
-            <a:normAutofit/>
-          </a:bodyPr>
-          <a:p>
+            <a:off x="457200" y="205200"/>
+            <a:ext cx="8229240" cy="858600"/>
+          </a:xfrm>
+          <a:prstGeom prst="rect">
+            <a:avLst/>
+          </a:prstGeom>
+          <a:noFill/>
+          <a:ln w="0">
+            <a:noFill/>
+          </a:ln>
+        </p:spPr>
+        <p:txBody>
+          <a:bodyPr lIns="0" rIns="0" tIns="0" bIns="0" anchor="ctr">
+            <a:noAutofit/>
+          </a:bodyPr>
+          <a:p>
+            <a:pPr algn="ctr"/>
             <a:r>
-              <a:rPr b="0" lang="en-IN" sz="2800" spc="-1" strike="noStrike">
-                <a:solidFill>
-                  <a:srgbClr val="000000"/>
-                </a:solidFill>
+              <a:rPr b="0" lang="en-IN" sz="4400" spc="-1" strike="noStrike">
                 <a:latin typeface="Arial"/>
               </a:rPr>
               <a:t>Click to edit the title text format</a:t>
             </a:r>
-            <a:endParaRPr b="0" lang="en-IN" sz="2800" spc="-1" strike="noStrike">
-              <a:solidFill>
-                <a:srgbClr val="000000"/>
-              </a:solidFill>
-              <a:latin typeface="Arial"/>
-            </a:endParaRPr>
-          </a:p>
-        </p:txBody>
-      </p:sp>
-      <p:sp>
-        <p:nvSpPr>
-          <p:cNvPr id="192" name="PlaceHolder 2"/>
-          <p:cNvSpPr>
-            <a:spLocks noGrp="1"/>
-          </p:cNvSpPr>
-          <p:nvPr>
-            <p:ph type="sldNum"/>
-          </p:nvPr>
-        </p:nvSpPr>
-        <p:spPr>
-          <a:xfrm>
-            <a:off x="8472600" y="4663080"/>
-            <a:ext cx="548280" cy="393120"/>
-          </a:xfrm>
-          <a:prstGeom prst="rect">
-            <a:avLst/>
-          </a:prstGeom>
-          <a:noFill/>
-          <a:ln w="0">
-            <a:noFill/>
-          </a:ln>
-        </p:spPr>
-        <p:txBody>
-          <a:bodyPr tIns="91440" bIns="91440" anchor="ctr">
-            <a:normAutofit/>
-          </a:bodyPr>
-          <a:p>
-            <a:pPr algn="r">
-              <a:lnSpc>
-                <a:spcPct val="100000"/>
-              </a:lnSpc>
-              <a:tabLst>
-                <a:tab algn="l" pos="0"/>
-              </a:tabLst>
-            </a:pPr>
-            <a:fld id="{A62C39A9-6DB5-4916-B8B0-53554D255725}" type="slidenum">
-              <a:rPr b="0" lang="pt-BR" sz="1000" spc="-1" strike="noStrike">
-                <a:solidFill>
-                  <a:srgbClr val="ffffff"/>
-                </a:solidFill>
-                <a:latin typeface="Lato"/>
-                <a:ea typeface="Lato"/>
-              </a:rPr>
-              <a:t>&lt;number&gt;</a:t>
-            </a:fld>
-            <a:endParaRPr b="0" lang="en-IN" sz="1000" spc="-1" strike="noStrike">
-              <a:latin typeface="Times New Roman"/>
-            </a:endParaRPr>
-          </a:p>
-        </p:txBody>
-      </p:sp>
-      <p:sp>
-        <p:nvSpPr>
-          <p:cNvPr id="193" name="PlaceHolder 3"/>
+            <a:endParaRPr b="0" lang="en-IN" sz="4400" spc="-1" strike="noStrike">
+              <a:latin typeface="Arial"/>
+            </a:endParaRPr>
+          </a:p>
+        </p:txBody>
+      </p:sp>
+      <p:sp>
+        <p:nvSpPr>
+          <p:cNvPr id="188" name="PlaceHolder 2"/>
           <p:cNvSpPr>
             <a:spLocks noGrp="1"/>
           </p:cNvSpPr>
@@ -10821,18 +9863,12 @@
               <a:buChar char=""/>
             </a:pPr>
             <a:r>
-              <a:rPr b="0" lang="en-IN" sz="1400" spc="-1" strike="noStrike">
-                <a:solidFill>
-                  <a:srgbClr val="000000"/>
-                </a:solidFill>
+              <a:rPr b="0" lang="en-IN" sz="3200" spc="-1" strike="noStrike">
                 <a:latin typeface="Arial"/>
               </a:rPr>
               <a:t>Click to edit the outline text format</a:t>
             </a:r>
-            <a:endParaRPr b="0" lang="en-IN" sz="1400" spc="-1" strike="noStrike">
-              <a:solidFill>
-                <a:srgbClr val="000000"/>
-              </a:solidFill>
+            <a:endParaRPr b="0" lang="en-IN" sz="3200" spc="-1" strike="noStrike">
               <a:latin typeface="Arial"/>
             </a:endParaRPr>
           </a:p>
@@ -10849,18 +9885,12 @@
               <a:buChar char=""/>
             </a:pPr>
             <a:r>
-              <a:rPr b="0" lang="en-IN" sz="1400" spc="-1" strike="noStrike">
-                <a:solidFill>
-                  <a:srgbClr val="000000"/>
-                </a:solidFill>
+              <a:rPr b="0" lang="en-IN" sz="2800" spc="-1" strike="noStrike">
                 <a:latin typeface="Arial"/>
               </a:rPr>
               <a:t>Second Outline Level</a:t>
             </a:r>
-            <a:endParaRPr b="0" lang="en-IN" sz="1400" spc="-1" strike="noStrike">
-              <a:solidFill>
-                <a:srgbClr val="000000"/>
-              </a:solidFill>
+            <a:endParaRPr b="0" lang="en-IN" sz="2800" spc="-1" strike="noStrike">
               <a:latin typeface="Arial"/>
             </a:endParaRPr>
           </a:p>
@@ -10877,18 +9907,12 @@
               <a:buChar char=""/>
             </a:pPr>
             <a:r>
-              <a:rPr b="0" lang="en-IN" sz="1400" spc="-1" strike="noStrike">
-                <a:solidFill>
-                  <a:srgbClr val="000000"/>
-                </a:solidFill>
+              <a:rPr b="0" lang="en-IN" sz="2400" spc="-1" strike="noStrike">
                 <a:latin typeface="Arial"/>
               </a:rPr>
               <a:t>Third Outline Level</a:t>
             </a:r>
-            <a:endParaRPr b="0" lang="en-IN" sz="1400" spc="-1" strike="noStrike">
-              <a:solidFill>
-                <a:srgbClr val="000000"/>
-              </a:solidFill>
+            <a:endParaRPr b="0" lang="en-IN" sz="2400" spc="-1" strike="noStrike">
               <a:latin typeface="Arial"/>
             </a:endParaRPr>
           </a:p>
@@ -10905,18 +9929,12 @@
               <a:buChar char=""/>
             </a:pPr>
             <a:r>
-              <a:rPr b="0" lang="en-IN" sz="1400" spc="-1" strike="noStrike">
-                <a:solidFill>
-                  <a:srgbClr val="000000"/>
-                </a:solidFill>
+              <a:rPr b="0" lang="en-IN" sz="2000" spc="-1" strike="noStrike">
                 <a:latin typeface="Arial"/>
               </a:rPr>
               <a:t>Fourth Outline Level</a:t>
             </a:r>
-            <a:endParaRPr b="0" lang="en-IN" sz="1400" spc="-1" strike="noStrike">
-              <a:solidFill>
-                <a:srgbClr val="000000"/>
-              </a:solidFill>
+            <a:endParaRPr b="0" lang="en-IN" sz="2000" spc="-1" strike="noStrike">
               <a:latin typeface="Arial"/>
             </a:endParaRPr>
           </a:p>
@@ -10934,17 +9952,11 @@
             </a:pPr>
             <a:r>
               <a:rPr b="0" lang="en-IN" sz="2000" spc="-1" strike="noStrike">
-                <a:solidFill>
-                  <a:srgbClr val="000000"/>
-                </a:solidFill>
                 <a:latin typeface="Arial"/>
               </a:rPr>
               <a:t>Fifth Outline Level</a:t>
             </a:r>
             <a:endParaRPr b="0" lang="en-IN" sz="2000" spc="-1" strike="noStrike">
-              <a:solidFill>
-                <a:srgbClr val="000000"/>
-              </a:solidFill>
               <a:latin typeface="Arial"/>
             </a:endParaRPr>
           </a:p>
@@ -10962,17 +9974,11 @@
             </a:pPr>
             <a:r>
               <a:rPr b="0" lang="en-IN" sz="2000" spc="-1" strike="noStrike">
-                <a:solidFill>
-                  <a:srgbClr val="000000"/>
-                </a:solidFill>
                 <a:latin typeface="Arial"/>
               </a:rPr>
               <a:t>Sixth Outline Level</a:t>
             </a:r>
             <a:endParaRPr b="0" lang="en-IN" sz="2000" spc="-1" strike="noStrike">
-              <a:solidFill>
-                <a:srgbClr val="000000"/>
-              </a:solidFill>
               <a:latin typeface="Arial"/>
             </a:endParaRPr>
           </a:p>
@@ -10990,17 +9996,11 @@
             </a:pPr>
             <a:r>
               <a:rPr b="0" lang="en-IN" sz="2000" spc="-1" strike="noStrike">
-                <a:solidFill>
-                  <a:srgbClr val="000000"/>
-                </a:solidFill>
                 <a:latin typeface="Arial"/>
               </a:rPr>
               <a:t>Seventh Outline Level</a:t>
             </a:r>
             <a:endParaRPr b="0" lang="en-IN" sz="2000" spc="-1" strike="noStrike">
-              <a:solidFill>
-                <a:srgbClr val="000000"/>
-              </a:solidFill>
               <a:latin typeface="Arial"/>
             </a:endParaRPr>
           </a:p>
@@ -11045,7 +10045,7 @@
       </p:grpSpPr>
       <p:sp>
         <p:nvSpPr>
-          <p:cNvPr id="230" name="PlaceHolder 1"/>
+          <p:cNvPr id="225" name="PlaceHolder 1"/>
           <p:cNvSpPr>
             <a:spLocks noGrp="1"/>
           </p:cNvSpPr>
@@ -11056,18 +10056,18 @@
         <p:spPr>
           <a:xfrm>
             <a:off x="3537000" y="1729440"/>
-            <a:ext cx="5017320" cy="1578600"/>
-          </a:xfrm>
-          <a:prstGeom prst="rect">
-            <a:avLst/>
-          </a:prstGeom>
-          <a:noFill/>
-          <a:ln w="0">
-            <a:noFill/>
-          </a:ln>
-        </p:spPr>
-        <p:txBody>
-          <a:bodyPr tIns="91440" bIns="91440" anchor="t">
+            <a:ext cx="5016960" cy="1578240"/>
+          </a:xfrm>
+          <a:prstGeom prst="rect">
+            <a:avLst/>
+          </a:prstGeom>
+          <a:noFill/>
+          <a:ln w="0">
+            <a:noFill/>
+          </a:ln>
+        </p:spPr>
+        <p:txBody>
+          <a:bodyPr lIns="0" rIns="0" tIns="91440" bIns="91440" anchor="t">
             <a:normAutofit/>
           </a:bodyPr>
           <a:p>
@@ -11098,17 +10098,14 @@
               <a:t>grupo 4</a:t>
             </a:r>
             <a:endParaRPr b="0" lang="en-IN" sz="3000" spc="-1" strike="noStrike">
-              <a:solidFill>
-                <a:srgbClr val="000000"/>
-              </a:solidFill>
-              <a:latin typeface="Arial"/>
-            </a:endParaRPr>
-          </a:p>
-        </p:txBody>
-      </p:sp>
-      <p:sp>
-        <p:nvSpPr>
-          <p:cNvPr id="231" name="PlaceHolder 2"/>
+              <a:latin typeface="Arial"/>
+            </a:endParaRPr>
+          </a:p>
+        </p:txBody>
+      </p:sp>
+      <p:sp>
+        <p:nvSpPr>
+          <p:cNvPr id="226" name="PlaceHolder 2"/>
           <p:cNvSpPr>
             <a:spLocks noGrp="1"/>
           </p:cNvSpPr>
@@ -11119,19 +10116,19 @@
         <p:spPr>
           <a:xfrm>
             <a:off x="6045840" y="4007880"/>
-            <a:ext cx="2219400" cy="602640"/>
-          </a:xfrm>
-          <a:prstGeom prst="rect">
-            <a:avLst/>
-          </a:prstGeom>
-          <a:noFill/>
-          <a:ln w="0">
-            <a:noFill/>
-          </a:ln>
-        </p:spPr>
-        <p:txBody>
-          <a:bodyPr tIns="91440" bIns="91440" anchor="t">
-            <a:normAutofit fontScale="87000"/>
+            <a:ext cx="2219040" cy="602280"/>
+          </a:xfrm>
+          <a:prstGeom prst="rect">
+            <a:avLst/>
+          </a:prstGeom>
+          <a:noFill/>
+          <a:ln w="0">
+            <a:noFill/>
+          </a:ln>
+        </p:spPr>
+        <p:txBody>
+          <a:bodyPr lIns="0" rIns="0" tIns="91440" bIns="91440" anchor="t">
+            <a:normAutofit fontScale="94000"/>
           </a:bodyPr>
           <a:p>
             <a:pPr>
@@ -11183,14 +10180,14 @@
       </p:sp>
       <p:sp>
         <p:nvSpPr>
-          <p:cNvPr id="232" name="CaixaDeTexto 1"/>
+          <p:cNvPr id="227" name="CaixaDeTexto 1"/>
           <p:cNvSpPr/>
           <p:nvPr/>
         </p:nvSpPr>
         <p:spPr>
           <a:xfrm>
             <a:off x="0" y="4007880"/>
-            <a:ext cx="2742840" cy="944280"/>
+            <a:ext cx="2742480" cy="942840"/>
           </a:xfrm>
           <a:prstGeom prst="rect">
             <a:avLst/>
@@ -11207,7 +10204,7 @@
           <a:fontRef idx="minor"/>
         </p:style>
         <p:txBody>
-          <a:bodyPr numCol="1" spcCol="0" horzOverflow="overflow" vertOverflow="overflow" anchor="t">
+          <a:bodyPr numCol="1" spcCol="0" horzOverflow="overflow" vertOverflow="overflow" lIns="90000" rIns="90000" tIns="45000" bIns="45000" anchor="t">
             <a:spAutoFit/>
           </a:bodyPr>
           <a:p>
@@ -11324,7 +10321,7 @@
       </p:grpSpPr>
       <p:sp>
         <p:nvSpPr>
-          <p:cNvPr id="233" name="PlaceHolder 1"/>
+          <p:cNvPr id="228" name="PlaceHolder 1"/>
           <p:cNvSpPr>
             <a:spLocks noGrp="1"/>
           </p:cNvSpPr>
@@ -11335,18 +10332,18 @@
         <p:spPr>
           <a:xfrm>
             <a:off x="1862280" y="412200"/>
-            <a:ext cx="5419440" cy="861480"/>
-          </a:xfrm>
-          <a:prstGeom prst="rect">
-            <a:avLst/>
-          </a:prstGeom>
-          <a:noFill/>
-          <a:ln w="0">
-            <a:noFill/>
-          </a:ln>
-        </p:spPr>
-        <p:txBody>
-          <a:bodyPr tIns="91440" bIns="91440" anchor="t">
+            <a:ext cx="5419080" cy="861120"/>
+          </a:xfrm>
+          <a:prstGeom prst="rect">
+            <a:avLst/>
+          </a:prstGeom>
+          <a:noFill/>
+          <a:ln w="0">
+            <a:noFill/>
+          </a:ln>
+        </p:spPr>
+        <p:txBody>
+          <a:bodyPr lIns="0" rIns="0" tIns="91440" bIns="91440" anchor="t">
             <a:normAutofit/>
           </a:bodyPr>
           <a:p>
@@ -11366,17 +10363,14 @@
               <a:t>O que é o WriterHub</a:t>
             </a:r>
             <a:endParaRPr b="0" lang="en-IN" sz="2400" spc="-1" strike="noStrike">
-              <a:solidFill>
-                <a:srgbClr val="000000"/>
-              </a:solidFill>
-              <a:latin typeface="Arial"/>
-            </a:endParaRPr>
-          </a:p>
-        </p:txBody>
-      </p:sp>
-      <p:sp>
-        <p:nvSpPr>
-          <p:cNvPr id="234" name="PlaceHolder 2"/>
+              <a:latin typeface="Arial"/>
+            </a:endParaRPr>
+          </a:p>
+        </p:txBody>
+      </p:sp>
+      <p:sp>
+        <p:nvSpPr>
+          <p:cNvPr id="229" name="PlaceHolder 2"/>
           <p:cNvSpPr>
             <a:spLocks noGrp="1"/>
           </p:cNvSpPr>
@@ -11387,19 +10381,19 @@
         <p:spPr>
           <a:xfrm>
             <a:off x="1297440" y="1116000"/>
-            <a:ext cx="3650760" cy="3342240"/>
-          </a:xfrm>
-          <a:prstGeom prst="rect">
-            <a:avLst/>
-          </a:prstGeom>
-          <a:noFill/>
-          <a:ln w="0">
-            <a:noFill/>
-          </a:ln>
-        </p:spPr>
-        <p:txBody>
-          <a:bodyPr tIns="91440" bIns="91440" anchor="t">
-            <a:normAutofit fontScale="91000"/>
+            <a:ext cx="3650400" cy="3341880"/>
+          </a:xfrm>
+          <a:prstGeom prst="rect">
+            <a:avLst/>
+          </a:prstGeom>
+          <a:noFill/>
+          <a:ln w="0">
+            <a:noFill/>
+          </a:ln>
+        </p:spPr>
+        <p:txBody>
+          <a:bodyPr lIns="0" rIns="0" tIns="91440" bIns="91440" anchor="t">
+            <a:normAutofit fontScale="92000"/>
           </a:bodyPr>
           <a:p>
             <a:pPr marL="457200" indent="-311040">
@@ -11423,9 +10417,6 @@
               <a:t>O projeto WriterHub busca ajudar escritores profissionais e iniciantes</a:t>
             </a:r>
             <a:endParaRPr b="0" lang="en-IN" sz="1400" spc="-1" strike="noStrike">
-              <a:solidFill>
-                <a:srgbClr val="000000"/>
-              </a:solidFill>
               <a:latin typeface="Arial"/>
             </a:endParaRPr>
           </a:p>
@@ -11439,9 +10430,6 @@
               </a:tabLst>
             </a:pPr>
             <a:endParaRPr b="0" lang="en-IN" sz="1400" spc="-1" strike="noStrike">
-              <a:solidFill>
-                <a:srgbClr val="000000"/>
-              </a:solidFill>
               <a:latin typeface="Arial"/>
             </a:endParaRPr>
           </a:p>
@@ -11500,9 +10488,6 @@
               <a:t>Confortável</a:t>
             </a:r>
             <a:endParaRPr b="0" lang="en-IN" sz="1400" spc="-1" strike="noStrike">
-              <a:solidFill>
-                <a:srgbClr val="000000"/>
-              </a:solidFill>
               <a:latin typeface="Arial"/>
             </a:endParaRPr>
           </a:p>
@@ -11516,9 +10501,6 @@
               </a:tabLst>
             </a:pPr>
             <a:endParaRPr b="0" lang="en-IN" sz="1400" spc="-1" strike="noStrike">
-              <a:solidFill>
-                <a:srgbClr val="000000"/>
-              </a:solidFill>
               <a:latin typeface="Arial"/>
             </a:endParaRPr>
           </a:p>
@@ -11547,9 +10529,6 @@
               <a:t>O incentivo a escrita e o mercado intocado no brasil nos motivou a criar esse projeto</a:t>
             </a:r>
             <a:endParaRPr b="0" lang="en-IN" sz="1400" spc="-1" strike="noStrike">
-              <a:solidFill>
-                <a:srgbClr val="000000"/>
-              </a:solidFill>
               <a:latin typeface="Arial"/>
             </a:endParaRPr>
           </a:p>
@@ -11563,9 +10542,6 @@
               </a:tabLst>
             </a:pPr>
             <a:endParaRPr b="0" lang="en-IN" sz="1400" spc="-1" strike="noStrike">
-              <a:solidFill>
-                <a:srgbClr val="000000"/>
-              </a:solidFill>
               <a:latin typeface="Arial"/>
             </a:endParaRPr>
           </a:p>
@@ -11594,9 +10570,6 @@
               <a:t>Ao ajudar os criativos a colocarem suas ideias no papel estamos por consequência ajudando a sociedade</a:t>
             </a:r>
             <a:endParaRPr b="0" lang="en-IN" sz="1400" spc="-1" strike="noStrike">
-              <a:solidFill>
-                <a:srgbClr val="000000"/>
-              </a:solidFill>
               <a:latin typeface="Arial"/>
             </a:endParaRPr>
           </a:p>
@@ -11610,9 +10583,6 @@
               </a:tabLst>
             </a:pPr>
             <a:endParaRPr b="0" lang="en-IN" sz="1400" spc="-1" strike="noStrike">
-              <a:solidFill>
-                <a:srgbClr val="000000"/>
-              </a:solidFill>
               <a:latin typeface="Arial"/>
             </a:endParaRPr>
           </a:p>
@@ -11626,9 +10596,6 @@
               </a:tabLst>
             </a:pPr>
             <a:endParaRPr b="0" lang="en-IN" sz="1400" spc="-1" strike="noStrike">
-              <a:solidFill>
-                <a:srgbClr val="000000"/>
-              </a:solidFill>
               <a:latin typeface="Arial"/>
             </a:endParaRPr>
           </a:p>
@@ -11642,24 +10609,21 @@
               </a:tabLst>
             </a:pPr>
             <a:endParaRPr b="0" lang="en-IN" sz="1400" spc="-1" strike="noStrike">
-              <a:solidFill>
-                <a:srgbClr val="000000"/>
-              </a:solidFill>
-              <a:latin typeface="Arial"/>
-            </a:endParaRPr>
-          </a:p>
-        </p:txBody>
-      </p:sp>
-      <p:sp>
-        <p:nvSpPr>
-          <p:cNvPr id="235" name="Google Shape;145;p14"/>
+              <a:latin typeface="Arial"/>
+            </a:endParaRPr>
+          </a:p>
+        </p:txBody>
+      </p:sp>
+      <p:sp>
+        <p:nvSpPr>
+          <p:cNvPr id="230" name="Google Shape;145;p14"/>
           <p:cNvSpPr/>
           <p:nvPr/>
         </p:nvSpPr>
         <p:spPr>
           <a:xfrm>
             <a:off x="1162440" y="4080960"/>
-            <a:ext cx="7314840" cy="396000"/>
+            <a:ext cx="7314480" cy="395640"/>
           </a:xfrm>
           <a:prstGeom prst="rect">
             <a:avLst/>
@@ -11676,7 +10640,7 @@
           <a:fontRef idx="minor"/>
         </p:style>
         <p:txBody>
-          <a:bodyPr tIns="91440" bIns="91440" anchor="t">
+          <a:bodyPr lIns="90000" rIns="90000" tIns="91440" bIns="91440" anchor="t">
             <a:spAutoFit/>
           </a:bodyPr>
           <a:p>
@@ -11706,7 +10670,7 @@
       </p:sp>
       <p:pic>
         <p:nvPicPr>
-          <p:cNvPr id="236" name="Imagem 2" descr="Uma imagem contendo quarto&#10;&#10;Descrição gerada automaticamente"/>
+          <p:cNvPr id="231" name="Imagem 2" descr="Uma imagem contendo quarto&#10;&#10;Descrição gerada automaticamente"/>
           <p:cNvPicPr/>
           <p:nvPr/>
         </p:nvPicPr>
@@ -11717,7 +10681,7 @@
         <p:spPr>
           <a:xfrm>
             <a:off x="5734440" y="1405080"/>
-            <a:ext cx="2742840" cy="2742840"/>
+            <a:ext cx="2742480" cy="2742480"/>
           </a:xfrm>
           <a:prstGeom prst="rect">
             <a:avLst/>
@@ -11759,7 +10723,7 @@
       </p:grpSpPr>
       <p:sp>
         <p:nvSpPr>
-          <p:cNvPr id="237" name="PlaceHolder 1"/>
+          <p:cNvPr id="232" name="PlaceHolder 1"/>
           <p:cNvSpPr>
             <a:spLocks noGrp="1"/>
           </p:cNvSpPr>
@@ -11770,18 +10734,18 @@
         <p:spPr>
           <a:xfrm>
             <a:off x="1077480" y="285840"/>
-            <a:ext cx="6989040" cy="824040"/>
-          </a:xfrm>
-          <a:prstGeom prst="rect">
-            <a:avLst/>
-          </a:prstGeom>
-          <a:noFill/>
-          <a:ln w="0">
-            <a:noFill/>
-          </a:ln>
-        </p:spPr>
-        <p:txBody>
-          <a:bodyPr tIns="91440" bIns="91440" anchor="t">
+            <a:ext cx="6988680" cy="823680"/>
+          </a:xfrm>
+          <a:prstGeom prst="rect">
+            <a:avLst/>
+          </a:prstGeom>
+          <a:noFill/>
+          <a:ln w="0">
+            <a:noFill/>
+          </a:ln>
+        </p:spPr>
+        <p:txBody>
+          <a:bodyPr lIns="90000" rIns="90000" tIns="91440" bIns="91440" anchor="t">
             <a:normAutofit/>
           </a:bodyPr>
           <a:p>
@@ -11804,24 +10768,21 @@
               <a:t>Competidores</a:t>
             </a:r>
             <a:endParaRPr b="0" lang="en-IN" sz="2400" spc="-1" strike="noStrike">
-              <a:solidFill>
-                <a:srgbClr val="000000"/>
-              </a:solidFill>
-              <a:latin typeface="Arial"/>
-            </a:endParaRPr>
-          </a:p>
-        </p:txBody>
-      </p:sp>
-      <p:sp>
-        <p:nvSpPr>
-          <p:cNvPr id="238" name="Google Shape;152;p15"/>
+              <a:latin typeface="Arial"/>
+            </a:endParaRPr>
+          </a:p>
+        </p:txBody>
+      </p:sp>
+      <p:sp>
+        <p:nvSpPr>
+          <p:cNvPr id="233" name="Google Shape;152;p15"/>
           <p:cNvSpPr/>
           <p:nvPr/>
         </p:nvSpPr>
         <p:spPr>
           <a:xfrm>
             <a:off x="1140840" y="4420800"/>
-            <a:ext cx="7314840" cy="396000"/>
+            <a:ext cx="7314480" cy="395640"/>
           </a:xfrm>
           <a:prstGeom prst="rect">
             <a:avLst/>
@@ -11838,7 +10799,7 @@
           <a:fontRef idx="minor"/>
         </p:style>
         <p:txBody>
-          <a:bodyPr tIns="91440" bIns="91440" anchor="t">
+          <a:bodyPr lIns="90000" rIns="90000" tIns="91440" bIns="91440" anchor="t">
             <a:spAutoFit/>
           </a:bodyPr>
           <a:p>
@@ -11865,14 +10826,14 @@
       </p:sp>
       <p:sp>
         <p:nvSpPr>
-          <p:cNvPr id="239" name="CaixaDeTexto 5"/>
+          <p:cNvPr id="234" name="CaixaDeTexto 5"/>
           <p:cNvSpPr/>
           <p:nvPr/>
         </p:nvSpPr>
         <p:spPr>
           <a:xfrm>
             <a:off x="-1101960" y="3669480"/>
-            <a:ext cx="2742840" cy="307440"/>
+            <a:ext cx="2742480" cy="307080"/>
           </a:xfrm>
           <a:prstGeom prst="rect">
             <a:avLst/>
@@ -11891,7 +10852,7 @@
       </p:sp>
       <p:sp>
         <p:nvSpPr>
-          <p:cNvPr id="240" name="PlaceHolder 2"/>
+          <p:cNvPr id="235" name="PlaceHolder 2"/>
           <p:cNvSpPr>
             <a:spLocks noGrp="1"/>
           </p:cNvSpPr>
@@ -11902,18 +10863,18 @@
         <p:spPr>
           <a:xfrm>
             <a:off x="833760" y="1368720"/>
-            <a:ext cx="4132800" cy="2792880"/>
-          </a:xfrm>
-          <a:prstGeom prst="rect">
-            <a:avLst/>
-          </a:prstGeom>
-          <a:noFill/>
-          <a:ln w="0">
-            <a:noFill/>
-          </a:ln>
-        </p:spPr>
-        <p:txBody>
-          <a:bodyPr tIns="91440" bIns="91440" anchor="t">
+            <a:ext cx="4132440" cy="2792520"/>
+          </a:xfrm>
+          <a:prstGeom prst="rect">
+            <a:avLst/>
+          </a:prstGeom>
+          <a:noFill/>
+          <a:ln w="0">
+            <a:noFill/>
+          </a:ln>
+        </p:spPr>
+        <p:txBody>
+          <a:bodyPr lIns="90000" rIns="90000" tIns="91440" bIns="91440" anchor="t">
             <a:normAutofit fontScale="94000"/>
           </a:bodyPr>
           <a:p>
@@ -11938,9 +10899,6 @@
               <a:t>Nossos competidores nesse mercado tem foco nos falantes de inglês e apresentam muitas ferramentas avançadas.</a:t>
             </a:r>
             <a:endParaRPr b="0" lang="en-IN" sz="1400" spc="-1" strike="noStrike">
-              <a:solidFill>
-                <a:srgbClr val="000000"/>
-              </a:solidFill>
               <a:latin typeface="Arial"/>
             </a:endParaRPr>
           </a:p>
@@ -11951,9 +10909,6 @@
               </a:lnSpc>
             </a:pPr>
             <a:endParaRPr b="0" lang="en-IN" sz="1400" spc="-1" strike="noStrike">
-              <a:solidFill>
-                <a:srgbClr val="000000"/>
-              </a:solidFill>
               <a:latin typeface="Arial"/>
             </a:endParaRPr>
           </a:p>
@@ -11979,9 +10934,6 @@
               <a:t>Deixando o mercado Brasileiro Disponível, além de proporcionar um ambiente amigável a iniciantes.</a:t>
             </a:r>
             <a:endParaRPr b="0" lang="en-IN" sz="1400" spc="-1" strike="noStrike">
-              <a:solidFill>
-                <a:srgbClr val="000000"/>
-              </a:solidFill>
               <a:latin typeface="Arial"/>
             </a:endParaRPr>
           </a:p>
@@ -11992,9 +10944,6 @@
               </a:lnSpc>
             </a:pPr>
             <a:endParaRPr b="0" lang="en-IN" sz="1400" spc="-1" strike="noStrike">
-              <a:solidFill>
-                <a:srgbClr val="000000"/>
-              </a:solidFill>
               <a:latin typeface="Arial"/>
             </a:endParaRPr>
           </a:p>
@@ -12020,9 +10969,6 @@
               <a:t>Assim nos diferenciando de ferramentas como Evernote e o WorldAnvil</a:t>
             </a:r>
             <a:endParaRPr b="0" lang="en-IN" sz="1400" spc="-1" strike="noStrike">
-              <a:solidFill>
-                <a:srgbClr val="000000"/>
-              </a:solidFill>
               <a:latin typeface="Arial"/>
             </a:endParaRPr>
           </a:p>
@@ -12033,9 +10979,6 @@
               </a:lnSpc>
             </a:pPr>
             <a:endParaRPr b="0" lang="en-IN" sz="1400" spc="-1" strike="noStrike">
-              <a:solidFill>
-                <a:srgbClr val="000000"/>
-              </a:solidFill>
               <a:latin typeface="Arial"/>
             </a:endParaRPr>
           </a:p>
@@ -12046,9 +10989,6 @@
               </a:lnSpc>
             </a:pPr>
             <a:endParaRPr b="0" lang="en-IN" sz="1400" spc="-1" strike="noStrike">
-              <a:solidFill>
-                <a:srgbClr val="000000"/>
-              </a:solidFill>
               <a:latin typeface="Arial"/>
             </a:endParaRPr>
           </a:p>
@@ -12059,9 +10999,6 @@
               </a:lnSpc>
             </a:pPr>
             <a:endParaRPr b="0" lang="en-IN" sz="1400" spc="-1" strike="noStrike">
-              <a:solidFill>
-                <a:srgbClr val="000000"/>
-              </a:solidFill>
               <a:latin typeface="Arial"/>
             </a:endParaRPr>
           </a:p>
@@ -12069,7 +11006,7 @@
       </p:sp>
       <p:pic>
         <p:nvPicPr>
-          <p:cNvPr id="241" name="Imagem 8" descr="Interface gráfica do usuário, Aplicativo&#10;&#10;Descrição gerada automaticamente"/>
+          <p:cNvPr id="236" name="Imagem 8" descr="Interface gráfica do usuário, Aplicativo&#10;&#10;Descrição gerada automaticamente"/>
           <p:cNvPicPr/>
           <p:nvPr/>
         </p:nvPicPr>
@@ -12080,7 +11017,7 @@
         <p:spPr>
           <a:xfrm>
             <a:off x="5303160" y="1438560"/>
-            <a:ext cx="3454560" cy="2223000"/>
+            <a:ext cx="3454200" cy="2222640"/>
           </a:xfrm>
           <a:prstGeom prst="rect">
             <a:avLst/>
@@ -12092,14 +11029,14 @@
       </p:pic>
       <p:sp>
         <p:nvSpPr>
-          <p:cNvPr id="242" name="CaixaDeTexto 8"/>
+          <p:cNvPr id="237" name="CaixaDeTexto 8"/>
           <p:cNvSpPr/>
           <p:nvPr/>
         </p:nvSpPr>
         <p:spPr>
           <a:xfrm>
             <a:off x="6230520" y="3755880"/>
-            <a:ext cx="1847880" cy="304920"/>
+            <a:ext cx="1847520" cy="303480"/>
           </a:xfrm>
           <a:prstGeom prst="rect">
             <a:avLst/>
@@ -12116,7 +11053,7 @@
           <a:fontRef idx="minor"/>
         </p:style>
         <p:txBody>
-          <a:bodyPr numCol="1" spcCol="0" horzOverflow="overflow" vertOverflow="overflow" anchor="t">
+          <a:bodyPr numCol="1" spcCol="0" horzOverflow="overflow" vertOverflow="overflow" lIns="90000" rIns="90000" tIns="45000" bIns="45000" anchor="t">
             <a:spAutoFit/>
           </a:bodyPr>
           <a:p>
@@ -12173,7 +11110,7 @@
       </p:grpSpPr>
       <p:sp>
         <p:nvSpPr>
-          <p:cNvPr id="243" name="PlaceHolder 1"/>
+          <p:cNvPr id="238" name="PlaceHolder 1"/>
           <p:cNvSpPr>
             <a:spLocks noGrp="1"/>
           </p:cNvSpPr>
@@ -12184,18 +11121,18 @@
         <p:spPr>
           <a:xfrm>
             <a:off x="1297440" y="415800"/>
-            <a:ext cx="7038720" cy="1225080"/>
-          </a:xfrm>
-          <a:prstGeom prst="rect">
-            <a:avLst/>
-          </a:prstGeom>
-          <a:noFill/>
-          <a:ln w="0">
-            <a:noFill/>
-          </a:ln>
-        </p:spPr>
-        <p:txBody>
-          <a:bodyPr tIns="91440" bIns="91440" anchor="t">
+            <a:ext cx="7038360" cy="1224720"/>
+          </a:xfrm>
+          <a:prstGeom prst="rect">
+            <a:avLst/>
+          </a:prstGeom>
+          <a:noFill/>
+          <a:ln w="0">
+            <a:noFill/>
+          </a:ln>
+        </p:spPr>
+        <p:txBody>
+          <a:bodyPr lIns="0" rIns="0" tIns="91440" bIns="91440" anchor="t">
             <a:normAutofit/>
           </a:bodyPr>
           <a:p>
@@ -12218,17 +11155,14 @@
               <a:t>Monetização</a:t>
             </a:r>
             <a:endParaRPr b="0" lang="en-IN" sz="2400" spc="-1" strike="noStrike">
-              <a:solidFill>
-                <a:srgbClr val="000000"/>
-              </a:solidFill>
-              <a:latin typeface="Arial"/>
-            </a:endParaRPr>
-          </a:p>
-        </p:txBody>
-      </p:sp>
-      <p:sp>
-        <p:nvSpPr>
-          <p:cNvPr id="244" name="PlaceHolder 2"/>
+              <a:latin typeface="Arial"/>
+            </a:endParaRPr>
+          </a:p>
+        </p:txBody>
+      </p:sp>
+      <p:sp>
+        <p:nvSpPr>
+          <p:cNvPr id="239" name="PlaceHolder 2"/>
           <p:cNvSpPr>
             <a:spLocks noGrp="1"/>
           </p:cNvSpPr>
@@ -12239,18 +11173,18 @@
         <p:spPr>
           <a:xfrm>
             <a:off x="1232640" y="1028520"/>
-            <a:ext cx="3788640" cy="3320640"/>
-          </a:xfrm>
-          <a:prstGeom prst="rect">
-            <a:avLst/>
-          </a:prstGeom>
-          <a:noFill/>
-          <a:ln w="0">
-            <a:noFill/>
-          </a:ln>
-        </p:spPr>
-        <p:txBody>
-          <a:bodyPr tIns="91440" bIns="91440" anchor="t">
+            <a:ext cx="3788280" cy="3320280"/>
+          </a:xfrm>
+          <a:prstGeom prst="rect">
+            <a:avLst/>
+          </a:prstGeom>
+          <a:noFill/>
+          <a:ln w="0">
+            <a:noFill/>
+          </a:ln>
+        </p:spPr>
+        <p:txBody>
+          <a:bodyPr lIns="0" rIns="0" tIns="91440" bIns="91440" anchor="t">
             <a:normAutofit/>
           </a:bodyPr>
           <a:p>
@@ -12275,9 +11209,6 @@
               <a:t>AD’s</a:t>
             </a:r>
             <a:endParaRPr b="0" lang="en-IN" sz="1800" spc="-1" strike="noStrike">
-              <a:solidFill>
-                <a:srgbClr val="000000"/>
-              </a:solidFill>
               <a:latin typeface="Arial"/>
             </a:endParaRPr>
           </a:p>
@@ -12303,17 +11234,16 @@
               <a:t>Propagandas serão exibidas para usuários comuns</a:t>
             </a:r>
             <a:endParaRPr b="0" lang="en-IN" sz="1400" spc="-1" strike="noStrike">
-              <a:solidFill>
-                <a:srgbClr val="000000"/>
-              </a:solidFill>
-              <a:latin typeface="Arial"/>
-            </a:endParaRPr>
-          </a:p>
-          <a:p>
+              <a:latin typeface="Arial"/>
+            </a:endParaRPr>
+          </a:p>
+          <a:p>
+            <a:pPr>
+              <a:lnSpc>
+                <a:spcPct val="100000"/>
+              </a:lnSpc>
+            </a:pPr>
             <a:endParaRPr b="0" lang="en-IN" sz="1400" spc="-1" strike="noStrike">
-              <a:solidFill>
-                <a:srgbClr val="000000"/>
-              </a:solidFill>
               <a:latin typeface="Arial"/>
             </a:endParaRPr>
           </a:p>
@@ -12339,9 +11269,6 @@
               <a:t>Premium </a:t>
             </a:r>
             <a:endParaRPr b="0" lang="en-IN" sz="1800" spc="-1" strike="noStrike">
-              <a:solidFill>
-                <a:srgbClr val="000000"/>
-              </a:solidFill>
               <a:latin typeface="Arial"/>
             </a:endParaRPr>
           </a:p>
@@ -12367,9 +11294,6 @@
               <a:t>Além da ausência de propagandas, usuários premium possuem maior armazenamento de versões para um documento.</a:t>
             </a:r>
             <a:endParaRPr b="0" lang="en-IN" sz="1400" spc="-1" strike="noStrike">
-              <a:solidFill>
-                <a:srgbClr val="000000"/>
-              </a:solidFill>
               <a:latin typeface="Arial"/>
             </a:endParaRPr>
           </a:p>
@@ -12383,24 +11307,21 @@
               </a:tabLst>
             </a:pPr>
             <a:endParaRPr b="0" lang="en-IN" sz="1400" spc="-1" strike="noStrike">
-              <a:solidFill>
-                <a:srgbClr val="000000"/>
-              </a:solidFill>
-              <a:latin typeface="Arial"/>
-            </a:endParaRPr>
-          </a:p>
-        </p:txBody>
-      </p:sp>
-      <p:sp>
-        <p:nvSpPr>
-          <p:cNvPr id="245" name="Google Shape;159;p16"/>
+              <a:latin typeface="Arial"/>
+            </a:endParaRPr>
+          </a:p>
+        </p:txBody>
+      </p:sp>
+      <p:sp>
+        <p:nvSpPr>
+          <p:cNvPr id="240" name="Google Shape;159;p16"/>
           <p:cNvSpPr/>
           <p:nvPr/>
         </p:nvSpPr>
         <p:spPr>
           <a:xfrm>
             <a:off x="1159200" y="4535280"/>
-            <a:ext cx="7314840" cy="396000"/>
+            <a:ext cx="7314480" cy="395640"/>
           </a:xfrm>
           <a:prstGeom prst="rect">
             <a:avLst/>
@@ -12417,7 +11338,7 @@
           <a:fontRef idx="minor"/>
         </p:style>
         <p:txBody>
-          <a:bodyPr tIns="91440" bIns="91440" anchor="t">
+          <a:bodyPr lIns="90000" rIns="90000" tIns="91440" bIns="91440" anchor="t">
             <a:spAutoFit/>
           </a:bodyPr>
           <a:p>
@@ -12444,7 +11365,7 @@
       </p:sp>
       <p:pic>
         <p:nvPicPr>
-          <p:cNvPr id="246" name="Picture 2" descr=""/>
+          <p:cNvPr id="241" name="Picture 2" descr=""/>
           <p:cNvPicPr/>
           <p:nvPr/>
         </p:nvPicPr>
@@ -12455,7 +11376,7 @@
         <p:spPr>
           <a:xfrm>
             <a:off x="4952880" y="680400"/>
-            <a:ext cx="4016520" cy="4016520"/>
+            <a:ext cx="4016160" cy="4016160"/>
           </a:xfrm>
           <a:prstGeom prst="rect">
             <a:avLst/>
@@ -12497,14 +11418,14 @@
       </p:grpSpPr>
       <p:sp>
         <p:nvSpPr>
-          <p:cNvPr id="247" name="Google Shape;159;p16"/>
+          <p:cNvPr id="242" name="Google Shape;159;p16"/>
           <p:cNvSpPr/>
           <p:nvPr/>
         </p:nvSpPr>
         <p:spPr>
           <a:xfrm>
             <a:off x="1159200" y="4535280"/>
-            <a:ext cx="7314840" cy="396000"/>
+            <a:ext cx="7314480" cy="395640"/>
           </a:xfrm>
           <a:prstGeom prst="rect">
             <a:avLst/>
@@ -12521,7 +11442,7 @@
           <a:fontRef idx="minor"/>
         </p:style>
         <p:txBody>
-          <a:bodyPr tIns="91440" bIns="91440" anchor="t">
+          <a:bodyPr lIns="90000" rIns="90000" tIns="91440" bIns="91440" anchor="t">
             <a:spAutoFit/>
           </a:bodyPr>
           <a:p>
@@ -12548,14 +11469,14 @@
       </p:sp>
       <p:sp>
         <p:nvSpPr>
-          <p:cNvPr id="248" name="Espaço Reservado para Texto 3"/>
+          <p:cNvPr id="243" name="Espaço Reservado para Texto 3"/>
           <p:cNvSpPr/>
           <p:nvPr/>
         </p:nvSpPr>
         <p:spPr>
           <a:xfrm>
             <a:off x="1367640" y="1479600"/>
-            <a:ext cx="3561480" cy="1768680"/>
+            <a:ext cx="3561120" cy="1768320"/>
           </a:xfrm>
           <a:prstGeom prst="rect">
             <a:avLst/>
@@ -12572,7 +11493,7 @@
           <a:fontRef idx="minor"/>
         </p:style>
         <p:txBody>
-          <a:bodyPr anchor="t">
+          <a:bodyPr lIns="90000" rIns="90000" tIns="45000" bIns="45000" anchor="t">
             <a:normAutofit/>
           </a:bodyPr>
           <a:p>
@@ -12659,14 +11580,14 @@
       </p:sp>
       <p:sp>
         <p:nvSpPr>
-          <p:cNvPr id="249" name="Google Shape;164;p17"/>
+          <p:cNvPr id="244" name="Google Shape;164;p17"/>
           <p:cNvSpPr/>
           <p:nvPr/>
         </p:nvSpPr>
         <p:spPr>
           <a:xfrm>
             <a:off x="144360" y="114120"/>
-            <a:ext cx="4586760" cy="999360"/>
+            <a:ext cx="4586400" cy="999000"/>
           </a:xfrm>
           <a:prstGeom prst="rect">
             <a:avLst/>
@@ -12683,7 +11604,7 @@
           <a:fontRef idx="minor"/>
         </p:style>
         <p:txBody>
-          <a:bodyPr tIns="91440" bIns="91440" anchor="ctr">
+          <a:bodyPr lIns="90000" rIns="90000" tIns="91440" bIns="91440" anchor="ctr">
             <a:normAutofit/>
           </a:bodyPr>
           <a:p>
@@ -12710,7 +11631,7 @@
       </p:sp>
       <p:pic>
         <p:nvPicPr>
-          <p:cNvPr id="250" name="Imagem 3" descr="Forma, Retângulo&#10;&#10;Descrição gerada automaticamente"/>
+          <p:cNvPr id="245" name="Imagem 3" descr="Forma, Retângulo&#10;&#10;Descrição gerada automaticamente"/>
           <p:cNvPicPr/>
           <p:nvPr/>
         </p:nvPicPr>
@@ -12721,7 +11642,7 @@
         <p:spPr>
           <a:xfrm>
             <a:off x="5072760" y="945720"/>
-            <a:ext cx="961560" cy="2485800"/>
+            <a:ext cx="961200" cy="2485440"/>
           </a:xfrm>
           <a:prstGeom prst="rect">
             <a:avLst/>
@@ -12733,7 +11654,7 @@
       </p:pic>
       <p:pic>
         <p:nvPicPr>
-          <p:cNvPr id="251" name="Imagem 4" descr="Diagrama&#10;&#10;Descrição gerada automaticamente"/>
+          <p:cNvPr id="246" name="Imagem 4" descr="Diagrama&#10;&#10;Descrição gerada automaticamente"/>
           <p:cNvPicPr/>
           <p:nvPr/>
         </p:nvPicPr>
@@ -12744,7 +11665,7 @@
         <p:spPr>
           <a:xfrm>
             <a:off x="6244920" y="244440"/>
-            <a:ext cx="2634840" cy="3888360"/>
+            <a:ext cx="2634480" cy="3888000"/>
           </a:xfrm>
           <a:prstGeom prst="rect">
             <a:avLst/>
@@ -12756,14 +11677,14 @@
       </p:pic>
       <p:sp>
         <p:nvSpPr>
-          <p:cNvPr id="252" name="CaixaDeTexto 4"/>
+          <p:cNvPr id="247" name="CaixaDeTexto 4"/>
           <p:cNvSpPr/>
           <p:nvPr/>
         </p:nvSpPr>
         <p:spPr>
           <a:xfrm>
             <a:off x="6783840" y="4180320"/>
-            <a:ext cx="1556640" cy="304920"/>
+            <a:ext cx="1556280" cy="303480"/>
           </a:xfrm>
           <a:prstGeom prst="rect">
             <a:avLst/>
@@ -12780,7 +11701,7 @@
           <a:fontRef idx="minor"/>
         </p:style>
         <p:txBody>
-          <a:bodyPr numCol="1" spcCol="0" horzOverflow="overflow" vertOverflow="overflow" anchor="t">
+          <a:bodyPr numCol="1" spcCol="0" horzOverflow="overflow" vertOverflow="overflow" lIns="90000" rIns="90000" tIns="45000" bIns="45000" anchor="t">
             <a:spAutoFit/>
           </a:bodyPr>
           <a:p>
@@ -12837,7 +11758,7 @@
       </p:grpSpPr>
       <p:sp>
         <p:nvSpPr>
-          <p:cNvPr id="253" name="PlaceHolder 1"/>
+          <p:cNvPr id="248" name="PlaceHolder 1"/>
           <p:cNvSpPr>
             <a:spLocks noGrp="1"/>
           </p:cNvSpPr>
@@ -12848,18 +11769,18 @@
         <p:spPr>
           <a:xfrm>
             <a:off x="1152000" y="501480"/>
-            <a:ext cx="3809160" cy="669960"/>
-          </a:xfrm>
-          <a:prstGeom prst="rect">
-            <a:avLst/>
-          </a:prstGeom>
-          <a:noFill/>
-          <a:ln w="0">
-            <a:noFill/>
-          </a:ln>
-        </p:spPr>
-        <p:txBody>
-          <a:bodyPr tIns="91440" bIns="91440" anchor="t">
+            <a:ext cx="3808800" cy="669600"/>
+          </a:xfrm>
+          <a:prstGeom prst="rect">
+            <a:avLst/>
+          </a:prstGeom>
+          <a:noFill/>
+          <a:ln w="0">
+            <a:noFill/>
+          </a:ln>
+        </p:spPr>
+        <p:txBody>
+          <a:bodyPr lIns="90000" rIns="90000" tIns="91440" bIns="91440" anchor="t">
             <a:normAutofit/>
           </a:bodyPr>
           <a:p>
@@ -12879,24 +11800,21 @@
               <a:t>Banco de Dados</a:t>
             </a:r>
             <a:endParaRPr b="0" lang="en-IN" sz="2400" spc="-1" strike="noStrike">
-              <a:solidFill>
-                <a:srgbClr val="000000"/>
-              </a:solidFill>
-              <a:latin typeface="Arial"/>
-            </a:endParaRPr>
-          </a:p>
-        </p:txBody>
-      </p:sp>
-      <p:sp>
-        <p:nvSpPr>
-          <p:cNvPr id="254" name="Google Shape;172;p18"/>
+              <a:latin typeface="Arial"/>
+            </a:endParaRPr>
+          </a:p>
+        </p:txBody>
+      </p:sp>
+      <p:sp>
+        <p:nvSpPr>
+          <p:cNvPr id="249" name="Google Shape;172;p18"/>
           <p:cNvSpPr/>
           <p:nvPr/>
         </p:nvSpPr>
         <p:spPr>
           <a:xfrm>
             <a:off x="1149480" y="4302720"/>
-            <a:ext cx="7314840" cy="396000"/>
+            <a:ext cx="7314480" cy="395640"/>
           </a:xfrm>
           <a:prstGeom prst="rect">
             <a:avLst/>
@@ -12913,7 +11831,7 @@
           <a:fontRef idx="minor"/>
         </p:style>
         <p:txBody>
-          <a:bodyPr tIns="91440" bIns="91440" anchor="t">
+          <a:bodyPr lIns="90000" rIns="90000" tIns="91440" bIns="91440" anchor="t">
             <a:spAutoFit/>
           </a:bodyPr>
           <a:p>
@@ -12938,356 +11856,9 @@
           </a:p>
         </p:txBody>
       </p:sp>
-      <p:sp>
-        <p:nvSpPr>
-          <p:cNvPr id="255" name="PlaceHolder 2"/>
-          <p:cNvSpPr>
-            <a:spLocks noGrp="1"/>
-          </p:cNvSpPr>
-          <p:nvPr>
-            <p:ph/>
-          </p:nvPr>
-        </p:nvSpPr>
-        <p:spPr>
-          <a:xfrm>
-            <a:off x="1297440" y="1174680"/>
-            <a:ext cx="3798720" cy="3127680"/>
-          </a:xfrm>
-          <a:prstGeom prst="rect">
-            <a:avLst/>
-          </a:prstGeom>
-          <a:noFill/>
-          <a:ln w="0">
-            <a:noFill/>
-          </a:ln>
-        </p:spPr>
-        <p:txBody>
-          <a:bodyPr tIns="91440" bIns="91440" anchor="t">
-            <a:normAutofit fontScale="83000"/>
-          </a:bodyPr>
-          <a:p>
-            <a:pPr marL="457200" indent="-311040">
-              <a:lnSpc>
-                <a:spcPct val="115000"/>
-              </a:lnSpc>
-              <a:buClr>
-                <a:srgbClr val="ffffff"/>
-              </a:buClr>
-              <a:buFont typeface="Lato"/>
-              <a:buChar char="●"/>
-            </a:pPr>
-            <a:r>
-              <a:rPr b="0" lang="pt-BR" sz="2000" spc="-1" strike="noStrike">
-                <a:solidFill>
-                  <a:srgbClr val="ffffff"/>
-                </a:solidFill>
-                <a:latin typeface="Lato"/>
-                <a:ea typeface="Lato"/>
-              </a:rPr>
-              <a:t>Usuário</a:t>
-            </a:r>
-            <a:endParaRPr b="0" lang="en-IN" sz="2000" spc="-1" strike="noStrike">
-              <a:solidFill>
-                <a:srgbClr val="000000"/>
-              </a:solidFill>
-              <a:latin typeface="Arial"/>
-            </a:endParaRPr>
-          </a:p>
-          <a:p>
-            <a:pPr lvl="1" marL="914400" indent="-298440">
-              <a:lnSpc>
-                <a:spcPct val="114000"/>
-              </a:lnSpc>
-              <a:buClr>
-                <a:srgbClr val="ffffff"/>
-              </a:buClr>
-              <a:buFont typeface="Lato"/>
-              <a:buChar char="○"/>
-            </a:pPr>
-            <a:r>
-              <a:rPr b="0" lang="pt-BR" sz="1800" spc="-1" strike="noStrike">
-                <a:solidFill>
-                  <a:srgbClr val="ffffff"/>
-                </a:solidFill>
-                <a:latin typeface="Lato"/>
-                <a:ea typeface="Lato"/>
-              </a:rPr>
-              <a:t>ID</a:t>
-            </a:r>
-            <a:endParaRPr b="0" lang="en-IN" sz="1800" spc="-1" strike="noStrike">
-              <a:solidFill>
-                <a:srgbClr val="000000"/>
-              </a:solidFill>
-              <a:latin typeface="Arial"/>
-            </a:endParaRPr>
-          </a:p>
-          <a:p>
-            <a:pPr lvl="1" marL="914400" indent="-298440">
-              <a:lnSpc>
-                <a:spcPct val="114000"/>
-              </a:lnSpc>
-              <a:buClr>
-                <a:srgbClr val="ffffff"/>
-              </a:buClr>
-              <a:buFont typeface="Lato"/>
-              <a:buChar char="○"/>
-            </a:pPr>
-            <a:r>
-              <a:rPr b="0" lang="pt-BR" sz="1800" spc="-1" strike="noStrike">
-                <a:solidFill>
-                  <a:srgbClr val="ffffff"/>
-                </a:solidFill>
-                <a:latin typeface="Lato"/>
-                <a:ea typeface="Lato"/>
-              </a:rPr>
-              <a:t>Login</a:t>
-            </a:r>
-            <a:endParaRPr b="0" lang="en-IN" sz="1800" spc="-1" strike="noStrike">
-              <a:solidFill>
-                <a:srgbClr val="000000"/>
-              </a:solidFill>
-              <a:latin typeface="Arial"/>
-            </a:endParaRPr>
-          </a:p>
-          <a:p>
-            <a:pPr marL="615960">
-              <a:lnSpc>
-                <a:spcPct val="114000"/>
-              </a:lnSpc>
-              <a:tabLst>
-                <a:tab algn="l" pos="0"/>
-              </a:tabLst>
-            </a:pPr>
-            <a:endParaRPr b="0" lang="en-IN" sz="1800" spc="-1" strike="noStrike">
-              <a:solidFill>
-                <a:srgbClr val="000000"/>
-              </a:solidFill>
-              <a:latin typeface="Arial"/>
-            </a:endParaRPr>
-          </a:p>
-          <a:p>
-            <a:pPr marL="457200" indent="-311040">
-              <a:lnSpc>
-                <a:spcPct val="114000"/>
-              </a:lnSpc>
-              <a:buClr>
-                <a:srgbClr val="ffffff"/>
-              </a:buClr>
-              <a:buFont typeface="Lato"/>
-              <a:buChar char="●"/>
-              <a:tabLst>
-                <a:tab algn="l" pos="0"/>
-              </a:tabLst>
-            </a:pPr>
-            <a:r>
-              <a:rPr b="0" lang="pt-BR" sz="2000" spc="-1" strike="noStrike">
-                <a:solidFill>
-                  <a:srgbClr val="ffffff"/>
-                </a:solidFill>
-                <a:latin typeface="Lato"/>
-                <a:ea typeface="Lato"/>
-              </a:rPr>
-              <a:t>Documentos</a:t>
-            </a:r>
-            <a:endParaRPr b="0" lang="en-IN" sz="2000" spc="-1" strike="noStrike">
-              <a:solidFill>
-                <a:srgbClr val="000000"/>
-              </a:solidFill>
-              <a:latin typeface="Arial"/>
-            </a:endParaRPr>
-          </a:p>
-          <a:p>
-            <a:pPr lvl="1" marL="914400" indent="-298440">
-              <a:lnSpc>
-                <a:spcPct val="114000"/>
-              </a:lnSpc>
-              <a:buClr>
-                <a:srgbClr val="ffffff"/>
-              </a:buClr>
-              <a:buFont typeface="Lato"/>
-              <a:buChar char="○"/>
-              <a:tabLst>
-                <a:tab algn="l" pos="0"/>
-              </a:tabLst>
-            </a:pPr>
-            <a:r>
-              <a:rPr b="0" lang="pt-BR" sz="1800" spc="-1" strike="noStrike">
-                <a:solidFill>
-                  <a:srgbClr val="ffffff"/>
-                </a:solidFill>
-                <a:latin typeface="Lato"/>
-                <a:ea typeface="Lato"/>
-              </a:rPr>
-              <a:t>ID</a:t>
-            </a:r>
-            <a:endParaRPr b="0" lang="en-IN" sz="1800" spc="-1" strike="noStrike">
-              <a:solidFill>
-                <a:srgbClr val="000000"/>
-              </a:solidFill>
-              <a:latin typeface="Arial"/>
-            </a:endParaRPr>
-          </a:p>
-          <a:p>
-            <a:pPr lvl="1" marL="914400" indent="-298440">
-              <a:lnSpc>
-                <a:spcPct val="114000"/>
-              </a:lnSpc>
-              <a:buClr>
-                <a:srgbClr val="ffffff"/>
-              </a:buClr>
-              <a:buFont typeface="Lato"/>
-              <a:buChar char="○"/>
-              <a:tabLst>
-                <a:tab algn="l" pos="0"/>
-              </a:tabLst>
-            </a:pPr>
-            <a:r>
-              <a:rPr b="0" lang="pt-BR" sz="1800" spc="-1" strike="noStrike">
-                <a:solidFill>
-                  <a:srgbClr val="ffffff"/>
-                </a:solidFill>
-                <a:latin typeface="Lato"/>
-                <a:ea typeface="Lato"/>
-              </a:rPr>
-              <a:t>Nome do Documento</a:t>
-            </a:r>
-            <a:endParaRPr b="0" lang="en-IN" sz="1800" spc="-1" strike="noStrike">
-              <a:solidFill>
-                <a:srgbClr val="000000"/>
-              </a:solidFill>
-              <a:latin typeface="Arial"/>
-            </a:endParaRPr>
-          </a:p>
-          <a:p>
-            <a:pPr marL="615960">
-              <a:lnSpc>
-                <a:spcPct val="114000"/>
-              </a:lnSpc>
-              <a:tabLst>
-                <a:tab algn="l" pos="0"/>
-              </a:tabLst>
-            </a:pPr>
-            <a:endParaRPr b="0" lang="en-IN" sz="1800" spc="-1" strike="noStrike">
-              <a:solidFill>
-                <a:srgbClr val="000000"/>
-              </a:solidFill>
-              <a:latin typeface="Arial"/>
-            </a:endParaRPr>
-          </a:p>
-          <a:p>
-            <a:pPr marL="457200" indent="-311040">
-              <a:lnSpc>
-                <a:spcPct val="114000"/>
-              </a:lnSpc>
-              <a:buClr>
-                <a:srgbClr val="ffffff"/>
-              </a:buClr>
-              <a:buFont typeface="Lato"/>
-              <a:buChar char="●"/>
-              <a:tabLst>
-                <a:tab algn="l" pos="0"/>
-              </a:tabLst>
-            </a:pPr>
-            <a:r>
-              <a:rPr b="0" lang="pt-BR" sz="2000" spc="-1" strike="noStrike">
-                <a:solidFill>
-                  <a:srgbClr val="ffffff"/>
-                </a:solidFill>
-                <a:latin typeface="Lato"/>
-                <a:ea typeface="Lato"/>
-              </a:rPr>
-              <a:t>Versão</a:t>
-            </a:r>
-            <a:endParaRPr b="0" lang="en-IN" sz="2000" spc="-1" strike="noStrike">
-              <a:solidFill>
-                <a:srgbClr val="000000"/>
-              </a:solidFill>
-              <a:latin typeface="Arial"/>
-            </a:endParaRPr>
-          </a:p>
-          <a:p>
-            <a:pPr lvl="1" marL="914400" indent="-298440">
-              <a:lnSpc>
-                <a:spcPct val="114000"/>
-              </a:lnSpc>
-              <a:buClr>
-                <a:srgbClr val="ffffff"/>
-              </a:buClr>
-              <a:buFont typeface="Lato"/>
-              <a:buChar char="○"/>
-              <a:tabLst>
-                <a:tab algn="l" pos="0"/>
-              </a:tabLst>
-            </a:pPr>
-            <a:r>
-              <a:rPr b="0" lang="pt-BR" sz="1800" spc="-1" strike="noStrike">
-                <a:solidFill>
-                  <a:srgbClr val="ffffff"/>
-                </a:solidFill>
-                <a:latin typeface="Lato"/>
-                <a:ea typeface="Lato"/>
-              </a:rPr>
-              <a:t>Número de Versão</a:t>
-            </a:r>
-            <a:endParaRPr b="0" lang="en-IN" sz="1800" spc="-1" strike="noStrike">
-              <a:solidFill>
-                <a:srgbClr val="000000"/>
-              </a:solidFill>
-              <a:latin typeface="Arial"/>
-            </a:endParaRPr>
-          </a:p>
-          <a:p>
-            <a:pPr lvl="1" marL="914400" indent="-298440">
-              <a:lnSpc>
-                <a:spcPct val="114000"/>
-              </a:lnSpc>
-              <a:buClr>
-                <a:srgbClr val="ffffff"/>
-              </a:buClr>
-              <a:buFont typeface="Lato"/>
-              <a:buChar char="○"/>
-              <a:tabLst>
-                <a:tab algn="l" pos="0"/>
-              </a:tabLst>
-            </a:pPr>
-            <a:r>
-              <a:rPr b="0" lang="pt-BR" sz="1800" spc="-1" strike="noStrike">
-                <a:solidFill>
-                  <a:srgbClr val="ffffff"/>
-                </a:solidFill>
-                <a:latin typeface="Lato"/>
-                <a:ea typeface="Lato"/>
-              </a:rPr>
-              <a:t>Link</a:t>
-            </a:r>
-            <a:endParaRPr b="0" lang="en-IN" sz="1800" spc="-1" strike="noStrike">
-              <a:solidFill>
-                <a:srgbClr val="000000"/>
-              </a:solidFill>
-              <a:latin typeface="Arial"/>
-            </a:endParaRPr>
-          </a:p>
-          <a:p>
-            <a:pPr marL="615960">
-              <a:lnSpc>
-                <a:spcPct val="114000"/>
-              </a:lnSpc>
-              <a:tabLst>
-                <a:tab algn="l" pos="0"/>
-              </a:tabLst>
-            </a:pPr>
-            <a:endParaRPr b="0" lang="en-IN" sz="1800" spc="-1" strike="noStrike">
-              <a:solidFill>
-                <a:srgbClr val="000000"/>
-              </a:solidFill>
-              <a:latin typeface="Arial"/>
-            </a:endParaRPr>
-          </a:p>
-        </p:txBody>
-      </p:sp>
       <p:pic>
         <p:nvPicPr>
-          <p:cNvPr id="256" name="Picture 6" descr=""/>
+          <p:cNvPr id="250" name="Picture 6" descr=""/>
           <p:cNvPicPr/>
           <p:nvPr/>
         </p:nvPicPr>
@@ -13298,7 +11869,7 @@
         <p:spPr>
           <a:xfrm>
             <a:off x="6212160" y="0"/>
-            <a:ext cx="2397600" cy="4417920"/>
+            <a:ext cx="2397240" cy="4417560"/>
           </a:xfrm>
           <a:prstGeom prst="rect">
             <a:avLst/>
@@ -13310,7 +11881,7 @@
       </p:pic>
       <p:pic>
         <p:nvPicPr>
-          <p:cNvPr id="257" name="Picture 11" descr=""/>
+          <p:cNvPr id="251" name="" descr=""/>
           <p:cNvPicPr/>
           <p:nvPr/>
         </p:nvPicPr>
@@ -13320,8 +11891,8 @@
         </p:blipFill>
         <p:spPr>
           <a:xfrm>
-            <a:off x="317160" y="3806280"/>
-            <a:ext cx="7133400" cy="1223640"/>
+            <a:off x="1260000" y="1171080"/>
+            <a:ext cx="3874680" cy="2815200"/>
           </a:xfrm>
           <a:prstGeom prst="rect">
             <a:avLst/>
@@ -13363,7 +11934,7 @@
       </p:grpSpPr>
       <p:sp>
         <p:nvSpPr>
-          <p:cNvPr id="258" name="PlaceHolder 1"/>
+          <p:cNvPr id="252" name="PlaceHolder 1"/>
           <p:cNvSpPr>
             <a:spLocks noGrp="1"/>
           </p:cNvSpPr>
@@ -13374,18 +11945,18 @@
         <p:spPr>
           <a:xfrm>
             <a:off x="1152000" y="544680"/>
-            <a:ext cx="3798720" cy="659160"/>
-          </a:xfrm>
-          <a:prstGeom prst="rect">
-            <a:avLst/>
-          </a:prstGeom>
-          <a:noFill/>
-          <a:ln w="0">
-            <a:noFill/>
-          </a:ln>
-        </p:spPr>
-        <p:txBody>
-          <a:bodyPr tIns="91440" bIns="91440" anchor="t">
+            <a:ext cx="3798360" cy="658800"/>
+          </a:xfrm>
+          <a:prstGeom prst="rect">
+            <a:avLst/>
+          </a:prstGeom>
+          <a:noFill/>
+          <a:ln w="0">
+            <a:noFill/>
+          </a:ln>
+        </p:spPr>
+        <p:txBody>
+          <a:bodyPr lIns="90000" rIns="90000" tIns="91440" bIns="91440" anchor="t">
             <a:normAutofit/>
           </a:bodyPr>
           <a:p>
@@ -13405,24 +11976,21 @@
               <a:t>sistemas inteligentes</a:t>
             </a:r>
             <a:endParaRPr b="0" lang="en-IN" sz="2400" spc="-1" strike="noStrike">
-              <a:solidFill>
-                <a:srgbClr val="000000"/>
-              </a:solidFill>
-              <a:latin typeface="Arial"/>
-            </a:endParaRPr>
-          </a:p>
-        </p:txBody>
-      </p:sp>
-      <p:sp>
-        <p:nvSpPr>
-          <p:cNvPr id="259" name="Google Shape;172;p18"/>
+              <a:latin typeface="Arial"/>
+            </a:endParaRPr>
+          </a:p>
+        </p:txBody>
+      </p:sp>
+      <p:sp>
+        <p:nvSpPr>
+          <p:cNvPr id="253" name="Google Shape;172;p18"/>
           <p:cNvSpPr/>
           <p:nvPr/>
         </p:nvSpPr>
         <p:spPr>
           <a:xfrm>
             <a:off x="1149480" y="4302720"/>
-            <a:ext cx="7314840" cy="396000"/>
+            <a:ext cx="7314480" cy="395640"/>
           </a:xfrm>
           <a:prstGeom prst="rect">
             <a:avLst/>
@@ -13439,7 +12007,7 @@
           <a:fontRef idx="minor"/>
         </p:style>
         <p:txBody>
-          <a:bodyPr tIns="91440" bIns="91440" anchor="t">
+          <a:bodyPr lIns="90000" rIns="90000" tIns="91440" bIns="91440" anchor="t">
             <a:spAutoFit/>
           </a:bodyPr>
           <a:p>
@@ -13466,7 +12034,7 @@
       </p:sp>
       <p:sp>
         <p:nvSpPr>
-          <p:cNvPr id="260" name="PlaceHolder 2"/>
+          <p:cNvPr id="254" name="PlaceHolder 2"/>
           <p:cNvSpPr>
             <a:spLocks noGrp="1"/>
           </p:cNvSpPr>
@@ -13477,18 +12045,18 @@
         <p:spPr>
           <a:xfrm>
             <a:off x="1146600" y="1519560"/>
-            <a:ext cx="5448240" cy="2113560"/>
-          </a:xfrm>
-          <a:prstGeom prst="rect">
-            <a:avLst/>
-          </a:prstGeom>
-          <a:noFill/>
-          <a:ln w="0">
-            <a:noFill/>
-          </a:ln>
-        </p:spPr>
-        <p:txBody>
-          <a:bodyPr tIns="91440" bIns="91440" anchor="t">
+            <a:ext cx="5447880" cy="2113200"/>
+          </a:xfrm>
+          <a:prstGeom prst="rect">
+            <a:avLst/>
+          </a:prstGeom>
+          <a:noFill/>
+          <a:ln w="0">
+            <a:noFill/>
+          </a:ln>
+        </p:spPr>
+        <p:txBody>
+          <a:bodyPr lIns="90000" rIns="90000" tIns="91440" bIns="91440" anchor="t">
             <a:noAutofit/>
           </a:bodyPr>
           <a:p>
@@ -13513,9 +12081,6 @@
               <a:t>API Quill:</a:t>
             </a:r>
             <a:endParaRPr b="0" lang="en-IN" sz="1800" spc="-1" strike="noStrike">
-              <a:solidFill>
-                <a:srgbClr val="000000"/>
-              </a:solidFill>
               <a:latin typeface="Arial"/>
             </a:endParaRPr>
           </a:p>
@@ -13541,9 +12106,6 @@
               <a:t>Permite a criação, edição de textos</a:t>
             </a:r>
             <a:endParaRPr b="0" lang="en-IN" sz="1400" spc="-1" strike="noStrike">
-              <a:solidFill>
-                <a:srgbClr val="000000"/>
-              </a:solidFill>
               <a:latin typeface="Arial"/>
             </a:endParaRPr>
           </a:p>
@@ -13569,9 +12131,6 @@
               <a:t>Além de fazer a formatação</a:t>
             </a:r>
             <a:endParaRPr b="0" lang="en-IN" sz="1400" spc="-1" strike="noStrike">
-              <a:solidFill>
-                <a:srgbClr val="000000"/>
-              </a:solidFill>
               <a:latin typeface="Arial"/>
             </a:endParaRPr>
           </a:p>
@@ -13585,9 +12144,6 @@
               </a:tabLst>
             </a:pPr>
             <a:endParaRPr b="0" lang="en-IN" sz="1400" spc="-1" strike="noStrike">
-              <a:solidFill>
-                <a:srgbClr val="000000"/>
-              </a:solidFill>
               <a:latin typeface="Arial"/>
             </a:endParaRPr>
           </a:p>
@@ -13616,9 +12172,6 @@
               <a:t>API  TextGear:</a:t>
             </a:r>
             <a:endParaRPr b="0" lang="en-IN" sz="1800" spc="-1" strike="noStrike">
-              <a:solidFill>
-                <a:srgbClr val="000000"/>
-              </a:solidFill>
               <a:latin typeface="Arial"/>
             </a:endParaRPr>
           </a:p>
@@ -13647,9 +12200,6 @@
               <a:t>IA de correções ortográficas</a:t>
             </a:r>
             <a:endParaRPr b="0" lang="en-IN" sz="1400" spc="-1" strike="noStrike">
-              <a:solidFill>
-                <a:srgbClr val="000000"/>
-              </a:solidFill>
               <a:latin typeface="Arial"/>
             </a:endParaRPr>
           </a:p>
@@ -13678,9 +12228,6 @@
               <a:t>Incluindo em Inglês, português Br, francês, etc.</a:t>
             </a:r>
             <a:endParaRPr b="0" lang="en-IN" sz="1400" spc="-1" strike="noStrike">
-              <a:solidFill>
-                <a:srgbClr val="000000"/>
-              </a:solidFill>
               <a:latin typeface="Arial"/>
             </a:endParaRPr>
           </a:p>
@@ -13694,9 +12241,6 @@
               </a:tabLst>
             </a:pPr>
             <a:endParaRPr b="0" lang="en-IN" sz="1400" spc="-1" strike="noStrike">
-              <a:solidFill>
-                <a:srgbClr val="000000"/>
-              </a:solidFill>
               <a:latin typeface="Arial"/>
             </a:endParaRPr>
           </a:p>
@@ -13710,14 +12254,11 @@
               </a:tabLst>
             </a:pPr>
             <a:endParaRPr b="0" lang="en-IN" sz="1400" spc="-1" strike="noStrike">
-              <a:solidFill>
-                <a:srgbClr val="000000"/>
-              </a:solidFill>
-              <a:latin typeface="Arial"/>
-            </a:endParaRPr>
-          </a:p>
-          <a:p>
-            <a:pPr>
+              <a:latin typeface="Arial"/>
+            </a:endParaRPr>
+          </a:p>
+          <a:p>
+            <a:pPr marL="146160">
               <a:lnSpc>
                 <a:spcPct val="114000"/>
               </a:lnSpc>
@@ -13726,9 +12267,6 @@
               </a:tabLst>
             </a:pPr>
             <a:endParaRPr b="0" lang="en-IN" sz="1400" spc="-1" strike="noStrike">
-              <a:solidFill>
-                <a:srgbClr val="000000"/>
-              </a:solidFill>
               <a:latin typeface="Arial"/>
             </a:endParaRPr>
           </a:p>
@@ -13736,7 +12274,7 @@
       </p:sp>
       <p:pic>
         <p:nvPicPr>
-          <p:cNvPr id="261" name="Imagem 6" descr="Logotipo, nome da empresa&#10;&#10;Descrição gerada automaticamente"/>
+          <p:cNvPr id="255" name="Imagem 6" descr="Logotipo, nome da empresa&#10;&#10;Descrição gerada automaticamente"/>
           <p:cNvPicPr/>
           <p:nvPr/>
         </p:nvPicPr>
@@ -13747,7 +12285,7 @@
         <p:spPr>
           <a:xfrm>
             <a:off x="6195600" y="1380960"/>
-            <a:ext cx="2391840" cy="2391840"/>
+            <a:ext cx="2391480" cy="2391480"/>
           </a:xfrm>
           <a:prstGeom prst="rect">
             <a:avLst/>
@@ -13789,7 +12327,7 @@
       </p:grpSpPr>
       <p:sp>
         <p:nvSpPr>
-          <p:cNvPr id="262" name="PlaceHolder 1"/>
+          <p:cNvPr id="256" name="PlaceHolder 1"/>
           <p:cNvSpPr>
             <a:spLocks noGrp="1"/>
           </p:cNvSpPr>
@@ -13800,18 +12338,18 @@
         <p:spPr>
           <a:xfrm>
             <a:off x="823680" y="2053080"/>
-            <a:ext cx="4586760" cy="1148400"/>
-          </a:xfrm>
-          <a:prstGeom prst="rect">
-            <a:avLst/>
-          </a:prstGeom>
-          <a:noFill/>
-          <a:ln w="0">
-            <a:noFill/>
-          </a:ln>
-        </p:spPr>
-        <p:txBody>
-          <a:bodyPr tIns="91440" bIns="91440" anchor="ctr">
+            <a:ext cx="4586400" cy="1148040"/>
+          </a:xfrm>
+          <a:prstGeom prst="rect">
+            <a:avLst/>
+          </a:prstGeom>
+          <a:noFill/>
+          <a:ln w="0">
+            <a:noFill/>
+          </a:ln>
+        </p:spPr>
+        <p:txBody>
+          <a:bodyPr lIns="90000" rIns="90000" tIns="91440" bIns="91440" anchor="ctr">
             <a:normAutofit/>
           </a:bodyPr>
           <a:p>
@@ -13834,24 +12372,21 @@
               <a:t>Obrigado pela atenção.</a:t>
             </a:r>
             <a:endParaRPr b="0" lang="en-IN" sz="2800" spc="-1" strike="noStrike">
-              <a:solidFill>
-                <a:srgbClr val="000000"/>
-              </a:solidFill>
-              <a:latin typeface="Arial"/>
-            </a:endParaRPr>
-          </a:p>
-        </p:txBody>
-      </p:sp>
-      <p:sp>
-        <p:nvSpPr>
-          <p:cNvPr id="263" name="TextBox 1"/>
+              <a:latin typeface="Arial"/>
+            </a:endParaRPr>
+          </a:p>
+        </p:txBody>
+      </p:sp>
+      <p:sp>
+        <p:nvSpPr>
+          <p:cNvPr id="257" name="TextBox 1"/>
           <p:cNvSpPr/>
           <p:nvPr/>
         </p:nvSpPr>
         <p:spPr>
           <a:xfrm>
             <a:off x="906480" y="3577320"/>
-            <a:ext cx="5510160" cy="303480"/>
+            <a:ext cx="5509800" cy="303120"/>
           </a:xfrm>
           <a:prstGeom prst="rect">
             <a:avLst/>

--- a/Documentacao/Sprint1 - TI2_G4.pptx
+++ b/Documentacao/Sprint1 - TI2_G4.pptx
@@ -7555,8 +7555,8 @@
         </p:nvSpPr>
         <p:spPr>
           <a:xfrm rot="5400000">
-            <a:off x="7500960" y="0"/>
-            <a:ext cx="1643040" cy="1643040"/>
+            <a:off x="7501320" y="0"/>
+            <a:ext cx="1642680" cy="1642680"/>
           </a:xfrm>
           <a:prstGeom prst="diagStripe">
             <a:avLst>
@@ -7587,10 +7587,10 @@
         </p:nvGrpSpPr>
         <p:grpSpPr>
           <a:xfrm>
-            <a:off x="5760" y="-7920"/>
-            <a:ext cx="5137920" cy="5151960"/>
-            <a:chOff x="5760" y="-7920"/>
-            <a:chExt cx="5137920" cy="5151960"/>
+            <a:off x="5760" y="-7560"/>
+            <a:ext cx="5137560" cy="5151600"/>
+            <a:chOff x="5760" y="-7560"/>
+            <a:chExt cx="5137560" cy="5151600"/>
           </a:xfrm>
         </p:grpSpPr>
         <p:sp>
@@ -7601,8 +7601,8 @@
           </p:nvSpPr>
           <p:spPr>
             <a:xfrm rot="16200000">
-              <a:off x="360" y="720"/>
-              <a:ext cx="5151960" cy="5134320"/>
+              <a:off x="360" y="1080"/>
+              <a:ext cx="5151600" cy="5133960"/>
             </a:xfrm>
             <a:prstGeom prst="diagStripe">
               <a:avLst>
@@ -7633,8 +7633,8 @@
           </p:nvSpPr>
           <p:spPr>
             <a:xfrm rot="16200000">
-              <a:off x="0" y="1142640"/>
-              <a:ext cx="3996000" cy="3981960"/>
+              <a:off x="0" y="1143000"/>
+              <a:ext cx="3995640" cy="3981600"/>
             </a:xfrm>
             <a:prstGeom prst="diagStripe">
               <a:avLst>
@@ -7665,8 +7665,8 @@
           </p:nvSpPr>
           <p:spPr>
             <a:xfrm rot="16200000">
-              <a:off x="1800" y="1080"/>
-              <a:ext cx="2298960" cy="2291040"/>
+              <a:off x="1800" y="1440"/>
+              <a:ext cx="2298600" cy="2290680"/>
             </a:xfrm>
             <a:prstGeom prst="diagStripe">
               <a:avLst>
@@ -7696,7 +7696,7 @@
           <p:spPr>
             <a:xfrm flipH="1">
               <a:off x="651960" y="588240"/>
-              <a:ext cx="2299320" cy="2290680"/>
+              <a:ext cx="2298960" cy="2290320"/>
             </a:xfrm>
             <a:prstGeom prst="diagStripe">
               <a:avLst>
@@ -7730,8 +7730,8 @@
         </p:nvSpPr>
         <p:spPr>
           <a:xfrm>
-            <a:off x="823680" y="2053080"/>
-            <a:ext cx="4586400" cy="1148040"/>
+            <a:off x="457200" y="205200"/>
+            <a:ext cx="8228880" cy="858240"/>
           </a:xfrm>
           <a:prstGeom prst="rect">
             <a:avLst/>
@@ -7771,7 +7771,7 @@
         <p:spPr>
           <a:xfrm>
             <a:off x="457200" y="1203480"/>
-            <a:ext cx="8229240" cy="2982960"/>
+            <a:ext cx="8228880" cy="2982600"/>
           </a:xfrm>
           <a:prstGeom prst="rect">
             <a:avLst/>
@@ -7798,12 +7798,12 @@
               <a:buChar char=""/>
             </a:pPr>
             <a:r>
-              <a:rPr b="0" lang="en-IN" sz="3200" spc="-1" strike="noStrike">
+              <a:rPr b="0" lang="en-IN" sz="1800" spc="-1" strike="noStrike">
                 <a:latin typeface="Arial"/>
               </a:rPr>
               <a:t>Click to edit the outline text format</a:t>
             </a:r>
-            <a:endParaRPr b="0" lang="en-IN" sz="3200" spc="-1" strike="noStrike">
+            <a:endParaRPr b="0" lang="en-IN" sz="1800" spc="-1" strike="noStrike">
               <a:latin typeface="Arial"/>
             </a:endParaRPr>
           </a:p>
@@ -7820,12 +7820,12 @@
               <a:buChar char=""/>
             </a:pPr>
             <a:r>
-              <a:rPr b="0" lang="en-IN" sz="2800" spc="-1" strike="noStrike">
+              <a:rPr b="0" lang="en-IN" sz="1800" spc="-1" strike="noStrike">
                 <a:latin typeface="Arial"/>
               </a:rPr>
               <a:t>Second Outline Level</a:t>
             </a:r>
-            <a:endParaRPr b="0" lang="en-IN" sz="2800" spc="-1" strike="noStrike">
+            <a:endParaRPr b="0" lang="en-IN" sz="1800" spc="-1" strike="noStrike">
               <a:latin typeface="Arial"/>
             </a:endParaRPr>
           </a:p>
@@ -7842,12 +7842,12 @@
               <a:buChar char=""/>
             </a:pPr>
             <a:r>
-              <a:rPr b="0" lang="en-IN" sz="2400" spc="-1" strike="noStrike">
+              <a:rPr b="0" lang="en-IN" sz="1800" spc="-1" strike="noStrike">
                 <a:latin typeface="Arial"/>
               </a:rPr>
               <a:t>Third Outline Level</a:t>
             </a:r>
-            <a:endParaRPr b="0" lang="en-IN" sz="2400" spc="-1" strike="noStrike">
+            <a:endParaRPr b="0" lang="en-IN" sz="1800" spc="-1" strike="noStrike">
               <a:latin typeface="Arial"/>
             </a:endParaRPr>
           </a:p>
@@ -7864,12 +7864,12 @@
               <a:buChar char=""/>
             </a:pPr>
             <a:r>
-              <a:rPr b="0" lang="en-IN" sz="2000" spc="-1" strike="noStrike">
+              <a:rPr b="0" lang="en-IN" sz="1800" spc="-1" strike="noStrike">
                 <a:latin typeface="Arial"/>
               </a:rPr>
               <a:t>Fourth Outline Level</a:t>
             </a:r>
-            <a:endParaRPr b="0" lang="en-IN" sz="2000" spc="-1" strike="noStrike">
+            <a:endParaRPr b="0" lang="en-IN" sz="1800" spc="-1" strike="noStrike">
               <a:latin typeface="Arial"/>
             </a:endParaRPr>
           </a:p>
@@ -7886,12 +7886,12 @@
               <a:buChar char=""/>
             </a:pPr>
             <a:r>
-              <a:rPr b="0" lang="en-IN" sz="2000" spc="-1" strike="noStrike">
+              <a:rPr b="0" lang="en-IN" sz="1800" spc="-1" strike="noStrike">
                 <a:latin typeface="Arial"/>
               </a:rPr>
               <a:t>Fifth Outline Level</a:t>
             </a:r>
-            <a:endParaRPr b="0" lang="en-IN" sz="2000" spc="-1" strike="noStrike">
+            <a:endParaRPr b="0" lang="en-IN" sz="1800" spc="-1" strike="noStrike">
               <a:latin typeface="Arial"/>
             </a:endParaRPr>
           </a:p>
@@ -7908,12 +7908,12 @@
               <a:buChar char=""/>
             </a:pPr>
             <a:r>
-              <a:rPr b="0" lang="en-IN" sz="2000" spc="-1" strike="noStrike">
+              <a:rPr b="0" lang="en-IN" sz="1800" spc="-1" strike="noStrike">
                 <a:latin typeface="Arial"/>
               </a:rPr>
               <a:t>Sixth Outline Level</a:t>
             </a:r>
-            <a:endParaRPr b="0" lang="en-IN" sz="2000" spc="-1" strike="noStrike">
+            <a:endParaRPr b="0" lang="en-IN" sz="1800" spc="-1" strike="noStrike">
               <a:latin typeface="Arial"/>
             </a:endParaRPr>
           </a:p>
@@ -7930,12 +7930,12 @@
               <a:buChar char=""/>
             </a:pPr>
             <a:r>
-              <a:rPr b="0" lang="en-IN" sz="2000" spc="-1" strike="noStrike">
+              <a:rPr b="0" lang="en-IN" sz="1800" spc="-1" strike="noStrike">
                 <a:latin typeface="Arial"/>
               </a:rPr>
               <a:t>Seventh Outline Level</a:t>
             </a:r>
-            <a:endParaRPr b="0" lang="en-IN" sz="2000" spc="-1" strike="noStrike">
+            <a:endParaRPr b="0" lang="en-IN" sz="1800" spc="-1" strike="noStrike">
               <a:latin typeface="Arial"/>
             </a:endParaRPr>
           </a:p>
@@ -7993,10 +7993,10 @@
         </p:nvGrpSpPr>
         <p:grpSpPr>
           <a:xfrm>
-            <a:off x="0" y="381600"/>
-            <a:ext cx="1036800" cy="1015200"/>
-            <a:chOff x="0" y="381600"/>
-            <a:chExt cx="1036800" cy="1015200"/>
+            <a:off x="0" y="381960"/>
+            <a:ext cx="1036080" cy="1014480"/>
+            <a:chOff x="0" y="381960"/>
+            <a:chExt cx="1036080" cy="1014480"/>
           </a:xfrm>
         </p:grpSpPr>
         <p:sp>
@@ -8007,8 +8007,8 @@
           </p:nvSpPr>
           <p:spPr>
             <a:xfrm rot="16200000">
-              <a:off x="0" y="381600"/>
-              <a:ext cx="808200" cy="808200"/>
+              <a:off x="0" y="381960"/>
+              <a:ext cx="807840" cy="807840"/>
             </a:xfrm>
             <a:prstGeom prst="diagStripe">
               <a:avLst>
@@ -8038,7 +8038,7 @@
           <p:spPr>
             <a:xfrm flipH="1">
               <a:off x="228240" y="588600"/>
-              <a:ext cx="808200" cy="808200"/>
+              <a:ext cx="807840" cy="807840"/>
             </a:xfrm>
             <a:prstGeom prst="diagStripe">
               <a:avLst>
@@ -8072,8 +8072,8 @@
         </p:nvSpPr>
         <p:spPr>
           <a:xfrm>
-            <a:off x="823680" y="2053080"/>
-            <a:ext cx="4586400" cy="1148040"/>
+            <a:off x="457200" y="205200"/>
+            <a:ext cx="8228880" cy="858240"/>
           </a:xfrm>
           <a:prstGeom prst="rect">
             <a:avLst/>
@@ -8518,10 +8518,10 @@
         </p:nvGrpSpPr>
         <p:grpSpPr>
           <a:xfrm>
-            <a:off x="0" y="381600"/>
-            <a:ext cx="1036800" cy="1015200"/>
-            <a:chOff x="0" y="381600"/>
-            <a:chExt cx="1036800" cy="1015200"/>
+            <a:off x="0" y="381960"/>
+            <a:ext cx="1036080" cy="1014480"/>
+            <a:chOff x="0" y="381960"/>
+            <a:chExt cx="1036080" cy="1014480"/>
           </a:xfrm>
         </p:grpSpPr>
         <p:sp>
@@ -8532,8 +8532,8 @@
           </p:nvSpPr>
           <p:spPr>
             <a:xfrm rot="16200000">
-              <a:off x="0" y="381600"/>
-              <a:ext cx="808200" cy="808200"/>
+              <a:off x="0" y="381960"/>
+              <a:ext cx="807840" cy="807840"/>
             </a:xfrm>
             <a:prstGeom prst="diagStripe">
               <a:avLst>
@@ -8563,7 +8563,7 @@
           <p:spPr>
             <a:xfrm flipH="1">
               <a:off x="228240" y="588600"/>
-              <a:ext cx="808200" cy="808200"/>
+              <a:ext cx="807840" cy="807840"/>
             </a:xfrm>
             <a:prstGeom prst="diagStripe">
               <a:avLst>
@@ -8861,10 +8861,10 @@
         </p:nvGrpSpPr>
         <p:grpSpPr>
           <a:xfrm>
-            <a:off x="0" y="381600"/>
-            <a:ext cx="1036800" cy="1015200"/>
-            <a:chOff x="0" y="381600"/>
-            <a:chExt cx="1036800" cy="1015200"/>
+            <a:off x="0" y="381960"/>
+            <a:ext cx="1036080" cy="1014480"/>
+            <a:chOff x="0" y="381960"/>
+            <a:chExt cx="1036080" cy="1014480"/>
           </a:xfrm>
         </p:grpSpPr>
         <p:sp>
@@ -8875,8 +8875,8 @@
           </p:nvSpPr>
           <p:spPr>
             <a:xfrm rot="16200000">
-              <a:off x="0" y="381600"/>
-              <a:ext cx="808200" cy="808200"/>
+              <a:off x="0" y="381960"/>
+              <a:ext cx="807840" cy="807840"/>
             </a:xfrm>
             <a:prstGeom prst="diagStripe">
               <a:avLst>
@@ -8906,7 +8906,7 @@
           <p:spPr>
             <a:xfrm flipH="1">
               <a:off x="228240" y="588600"/>
-              <a:ext cx="808200" cy="808200"/>
+              <a:ext cx="807840" cy="807840"/>
             </a:xfrm>
             <a:prstGeom prst="diagStripe">
               <a:avLst>
@@ -8940,8 +8940,8 @@
         </p:nvSpPr>
         <p:spPr>
           <a:xfrm>
-            <a:off x="823680" y="2053080"/>
-            <a:ext cx="4586400" cy="1148040"/>
+            <a:off x="457200" y="205200"/>
+            <a:ext cx="8229240" cy="858600"/>
           </a:xfrm>
           <a:prstGeom prst="rect">
             <a:avLst/>
@@ -8956,13 +8956,14 @@
             <a:noAutofit/>
           </a:bodyPr>
           <a:p>
+            <a:pPr algn="ctr"/>
             <a:r>
-              <a:rPr b="0" lang="en-IN" sz="1800" spc="-1" strike="noStrike">
+              <a:rPr b="0" lang="en-IN" sz="4400" spc="-1" strike="noStrike">
                 <a:latin typeface="Arial"/>
               </a:rPr>
               <a:t>Click to edit the title text format</a:t>
             </a:r>
-            <a:endParaRPr b="0" lang="en-IN" sz="1800" spc="-1" strike="noStrike">
+            <a:endParaRPr b="0" lang="en-IN" sz="4400" spc="-1" strike="noStrike">
               <a:latin typeface="Arial"/>
             </a:endParaRPr>
           </a:p>
@@ -8981,7 +8982,7 @@
         <p:spPr>
           <a:xfrm>
             <a:off x="457200" y="1203480"/>
-            <a:ext cx="8228880" cy="2982600"/>
+            <a:ext cx="8229240" cy="2982960"/>
           </a:xfrm>
           <a:prstGeom prst="rect">
             <a:avLst/>
@@ -9008,12 +9009,12 @@
               <a:buChar char=""/>
             </a:pPr>
             <a:r>
-              <a:rPr b="0" lang="en-IN" sz="1800" spc="-1" strike="noStrike">
+              <a:rPr b="0" lang="en-IN" sz="3200" spc="-1" strike="noStrike">
                 <a:latin typeface="Arial"/>
               </a:rPr>
               <a:t>Click to edit the outline text format</a:t>
             </a:r>
-            <a:endParaRPr b="0" lang="en-IN" sz="1800" spc="-1" strike="noStrike">
+            <a:endParaRPr b="0" lang="en-IN" sz="3200" spc="-1" strike="noStrike">
               <a:latin typeface="Arial"/>
             </a:endParaRPr>
           </a:p>
@@ -9030,12 +9031,12 @@
               <a:buChar char=""/>
             </a:pPr>
             <a:r>
-              <a:rPr b="0" lang="en-IN" sz="1800" spc="-1" strike="noStrike">
+              <a:rPr b="0" lang="en-IN" sz="2800" spc="-1" strike="noStrike">
                 <a:latin typeface="Arial"/>
               </a:rPr>
               <a:t>Second Outline Level</a:t>
             </a:r>
-            <a:endParaRPr b="0" lang="en-IN" sz="1800" spc="-1" strike="noStrike">
+            <a:endParaRPr b="0" lang="en-IN" sz="2800" spc="-1" strike="noStrike">
               <a:latin typeface="Arial"/>
             </a:endParaRPr>
           </a:p>
@@ -9052,12 +9053,12 @@
               <a:buChar char=""/>
             </a:pPr>
             <a:r>
-              <a:rPr b="0" lang="en-IN" sz="1800" spc="-1" strike="noStrike">
+              <a:rPr b="0" lang="en-IN" sz="2400" spc="-1" strike="noStrike">
                 <a:latin typeface="Arial"/>
               </a:rPr>
               <a:t>Third Outline Level</a:t>
             </a:r>
-            <a:endParaRPr b="0" lang="en-IN" sz="1800" spc="-1" strike="noStrike">
+            <a:endParaRPr b="0" lang="en-IN" sz="2400" spc="-1" strike="noStrike">
               <a:latin typeface="Arial"/>
             </a:endParaRPr>
           </a:p>
@@ -9074,12 +9075,12 @@
               <a:buChar char=""/>
             </a:pPr>
             <a:r>
-              <a:rPr b="0" lang="en-IN" sz="1800" spc="-1" strike="noStrike">
+              <a:rPr b="0" lang="en-IN" sz="2000" spc="-1" strike="noStrike">
                 <a:latin typeface="Arial"/>
               </a:rPr>
               <a:t>Fourth Outline Level</a:t>
             </a:r>
-            <a:endParaRPr b="0" lang="en-IN" sz="1800" spc="-1" strike="noStrike">
+            <a:endParaRPr b="0" lang="en-IN" sz="2000" spc="-1" strike="noStrike">
               <a:latin typeface="Arial"/>
             </a:endParaRPr>
           </a:p>
@@ -9096,12 +9097,12 @@
               <a:buChar char=""/>
             </a:pPr>
             <a:r>
-              <a:rPr b="0" lang="en-IN" sz="1800" spc="-1" strike="noStrike">
+              <a:rPr b="0" lang="en-IN" sz="2000" spc="-1" strike="noStrike">
                 <a:latin typeface="Arial"/>
               </a:rPr>
               <a:t>Fifth Outline Level</a:t>
             </a:r>
-            <a:endParaRPr b="0" lang="en-IN" sz="1800" spc="-1" strike="noStrike">
+            <a:endParaRPr b="0" lang="en-IN" sz="2000" spc="-1" strike="noStrike">
               <a:latin typeface="Arial"/>
             </a:endParaRPr>
           </a:p>
@@ -9118,12 +9119,12 @@
               <a:buChar char=""/>
             </a:pPr>
             <a:r>
-              <a:rPr b="0" lang="en-IN" sz="1800" spc="-1" strike="noStrike">
+              <a:rPr b="0" lang="en-IN" sz="2000" spc="-1" strike="noStrike">
                 <a:latin typeface="Arial"/>
               </a:rPr>
               <a:t>Sixth Outline Level</a:t>
             </a:r>
-            <a:endParaRPr b="0" lang="en-IN" sz="1800" spc="-1" strike="noStrike">
+            <a:endParaRPr b="0" lang="en-IN" sz="2000" spc="-1" strike="noStrike">
               <a:latin typeface="Arial"/>
             </a:endParaRPr>
           </a:p>
@@ -9140,12 +9141,12 @@
               <a:buChar char=""/>
             </a:pPr>
             <a:r>
-              <a:rPr b="0" lang="en-IN" sz="1800" spc="-1" strike="noStrike">
+              <a:rPr b="0" lang="en-IN" sz="2000" spc="-1" strike="noStrike">
                 <a:latin typeface="Arial"/>
               </a:rPr>
               <a:t>Seventh Outline Level</a:t>
             </a:r>
-            <a:endParaRPr b="0" lang="en-IN" sz="1800" spc="-1" strike="noStrike">
+            <a:endParaRPr b="0" lang="en-IN" sz="2000" spc="-1" strike="noStrike">
               <a:latin typeface="Arial"/>
             </a:endParaRPr>
           </a:p>
@@ -9203,10 +9204,10 @@
         </p:nvGrpSpPr>
         <p:grpSpPr>
           <a:xfrm>
-            <a:off x="4406760" y="-360"/>
-            <a:ext cx="4736880" cy="5143320"/>
-            <a:chOff x="4406760" y="-360"/>
-            <a:chExt cx="4736880" cy="5143320"/>
+            <a:off x="4406760" y="-720"/>
+            <a:ext cx="4736520" cy="5143680"/>
+            <a:chOff x="4406760" y="-720"/>
+            <a:chExt cx="4736520" cy="5143680"/>
           </a:xfrm>
         </p:grpSpPr>
         <p:sp>
@@ -9218,7 +9219,7 @@
           <p:spPr>
             <a:xfrm rot="5400000">
               <a:off x="4408200" y="-1800"/>
-              <a:ext cx="4733280" cy="4736880"/>
+              <a:ext cx="4732920" cy="4736520"/>
             </a:xfrm>
             <a:prstGeom prst="diagStripe">
               <a:avLst>
@@ -9249,8 +9250,8 @@
           </p:nvSpPr>
           <p:spPr>
             <a:xfrm rot="5400000">
-              <a:off x="4841640" y="5040"/>
-              <a:ext cx="4297320" cy="4286160"/>
+              <a:off x="4842000" y="4680"/>
+              <a:ext cx="4296960" cy="4285800"/>
             </a:xfrm>
             <a:prstGeom prst="diagStripe">
               <a:avLst>
@@ -9281,8 +9282,8 @@
           </p:nvSpPr>
           <p:spPr>
             <a:xfrm rot="16200000">
-              <a:off x="5618520" y="1236960"/>
-              <a:ext cx="808200" cy="808200"/>
+              <a:off x="5618520" y="1237320"/>
+              <a:ext cx="807840" cy="807840"/>
             </a:xfrm>
             <a:prstGeom prst="diagStripe">
               <a:avLst>
@@ -9314,7 +9315,7 @@
           <p:spPr>
             <a:xfrm flipH="1">
               <a:off x="5849280" y="1443960"/>
-              <a:ext cx="808200" cy="808200"/>
+              <a:ext cx="807840" cy="807840"/>
             </a:xfrm>
             <a:prstGeom prst="diagStripe">
               <a:avLst>
@@ -9345,8 +9346,8 @@
           </p:nvSpPr>
           <p:spPr>
             <a:xfrm rot="16200000">
-              <a:off x="5987160" y="2469960"/>
-              <a:ext cx="808200" cy="808200"/>
+              <a:off x="5987160" y="2470320"/>
+              <a:ext cx="807840" cy="807840"/>
             </a:xfrm>
             <a:prstGeom prst="diagStripe">
               <a:avLst>
@@ -9378,7 +9379,7 @@
           <p:spPr>
             <a:xfrm flipH="1">
               <a:off x="6221520" y="2676960"/>
-              <a:ext cx="808200" cy="808200"/>
+              <a:ext cx="807840" cy="807840"/>
             </a:xfrm>
             <a:prstGeom prst="diagStripe">
               <a:avLst>
@@ -9409,8 +9410,8 @@
           </p:nvSpPr>
           <p:spPr>
             <a:xfrm rot="16200000">
-              <a:off x="6675480" y="1862640"/>
-              <a:ext cx="808200" cy="808200"/>
+              <a:off x="6675480" y="1863000"/>
+              <a:ext cx="807840" cy="807840"/>
             </a:xfrm>
             <a:prstGeom prst="diagStripe">
               <a:avLst>
@@ -9442,7 +9443,7 @@
           <p:spPr>
             <a:xfrm flipH="1">
               <a:off x="6907320" y="2069640"/>
-              <a:ext cx="808200" cy="808200"/>
+              <a:ext cx="807840" cy="807840"/>
             </a:xfrm>
             <a:prstGeom prst="diagStripe">
               <a:avLst>
@@ -9471,8 +9472,8 @@
           </p:nvSpPr>
           <p:spPr>
             <a:xfrm rot="16200000">
-              <a:off x="6861240" y="2478240"/>
-              <a:ext cx="808200" cy="808200"/>
+              <a:off x="6861240" y="2478600"/>
+              <a:ext cx="807840" cy="807840"/>
             </a:xfrm>
             <a:prstGeom prst="diagStripe">
               <a:avLst>
@@ -9504,7 +9505,7 @@
           <p:spPr>
             <a:xfrm flipH="1">
               <a:off x="7964640" y="2692800"/>
-              <a:ext cx="808200" cy="808200"/>
+              <a:ext cx="807840" cy="807840"/>
             </a:xfrm>
             <a:prstGeom prst="diagStripe">
               <a:avLst>
@@ -9536,7 +9537,7 @@
           <p:spPr>
             <a:xfrm flipH="1">
               <a:off x="8144280" y="3308760"/>
-              <a:ext cx="808200" cy="808200"/>
+              <a:ext cx="807840" cy="807840"/>
             </a:xfrm>
             <a:prstGeom prst="diagStripe">
               <a:avLst>
@@ -9567,8 +9568,8 @@
           </p:nvSpPr>
           <p:spPr>
             <a:xfrm rot="16200000">
-              <a:off x="7047720" y="3095640"/>
-              <a:ext cx="808200" cy="808200"/>
+              <a:off x="7047720" y="3096000"/>
+              <a:ext cx="807840" cy="807840"/>
             </a:xfrm>
             <a:prstGeom prst="diagStripe">
               <a:avLst>
@@ -9600,7 +9601,7 @@
           <p:spPr>
             <a:xfrm flipH="1">
               <a:off x="7275960" y="3302640"/>
-              <a:ext cx="808200" cy="808200"/>
+              <a:ext cx="807840" cy="807840"/>
             </a:xfrm>
             <a:prstGeom prst="diagStripe">
               <a:avLst>
@@ -9631,8 +9632,8 @@
           </p:nvSpPr>
           <p:spPr>
             <a:xfrm rot="16200000">
-              <a:off x="7227360" y="3711240"/>
-              <a:ext cx="808200" cy="808200"/>
+              <a:off x="7227360" y="3711600"/>
+              <a:ext cx="807840" cy="807840"/>
             </a:xfrm>
             <a:prstGeom prst="diagStripe">
               <a:avLst>
@@ -9662,7 +9663,7 @@
           <p:spPr>
             <a:xfrm flipH="1">
               <a:off x="7461720" y="3918240"/>
-              <a:ext cx="808200" cy="808200"/>
+              <a:ext cx="807840" cy="807840"/>
             </a:xfrm>
             <a:prstGeom prst="diagStripe">
               <a:avLst>
@@ -9693,8 +9694,8 @@
           </p:nvSpPr>
           <p:spPr>
             <a:xfrm rot="16200000">
-              <a:off x="8102520" y="3719160"/>
-              <a:ext cx="808200" cy="808200"/>
+              <a:off x="8102520" y="3719520"/>
+              <a:ext cx="807840" cy="807840"/>
             </a:xfrm>
             <a:prstGeom prst="diagStripe">
               <a:avLst>
@@ -9726,7 +9727,7 @@
           <p:spPr>
             <a:xfrm flipH="1">
               <a:off x="8333640" y="3925800"/>
-              <a:ext cx="808200" cy="808200"/>
+              <a:ext cx="807840" cy="807840"/>
             </a:xfrm>
             <a:prstGeom prst="diagStripe">
               <a:avLst>
@@ -9757,8 +9758,8 @@
           </p:nvSpPr>
           <p:spPr>
             <a:xfrm rot="16200000">
-              <a:off x="8288280" y="4334760"/>
-              <a:ext cx="808200" cy="808200"/>
+              <a:off x="8288280" y="4335120"/>
+              <a:ext cx="807840" cy="807840"/>
             </a:xfrm>
             <a:prstGeom prst="diagStripe">
               <a:avLst>
@@ -10056,7 +10057,7 @@
         <p:spPr>
           <a:xfrm>
             <a:off x="3537000" y="1729440"/>
-            <a:ext cx="5016960" cy="1578240"/>
+            <a:ext cx="5016600" cy="1577880"/>
           </a:xfrm>
           <a:prstGeom prst="rect">
             <a:avLst/>
@@ -10116,7 +10117,7 @@
         <p:spPr>
           <a:xfrm>
             <a:off x="6045840" y="4007880"/>
-            <a:ext cx="2219040" cy="602280"/>
+            <a:ext cx="2218680" cy="601920"/>
           </a:xfrm>
           <a:prstGeom prst="rect">
             <a:avLst/>
@@ -10187,7 +10188,7 @@
         <p:spPr>
           <a:xfrm>
             <a:off x="0" y="4007880"/>
-            <a:ext cx="2742480" cy="942840"/>
+            <a:ext cx="2742120" cy="942480"/>
           </a:xfrm>
           <a:prstGeom prst="rect">
             <a:avLst/>
@@ -10332,7 +10333,7 @@
         <p:spPr>
           <a:xfrm>
             <a:off x="1862280" y="412200"/>
-            <a:ext cx="5419080" cy="861120"/>
+            <a:ext cx="5418720" cy="860760"/>
           </a:xfrm>
           <a:prstGeom prst="rect">
             <a:avLst/>
@@ -10381,7 +10382,7 @@
         <p:spPr>
           <a:xfrm>
             <a:off x="1297440" y="1116000"/>
-            <a:ext cx="3650400" cy="3341880"/>
+            <a:ext cx="3650040" cy="3341520"/>
           </a:xfrm>
           <a:prstGeom prst="rect">
             <a:avLst/>
@@ -10393,7 +10394,7 @@
         </p:spPr>
         <p:txBody>
           <a:bodyPr lIns="0" rIns="0" tIns="91440" bIns="91440" anchor="t">
-            <a:normAutofit fontScale="92000"/>
+            <a:normAutofit fontScale="89000"/>
           </a:bodyPr>
           <a:p>
             <a:pPr marL="457200" indent="-311040">
@@ -10455,7 +10456,7 @@
                 <a:latin typeface="Lato"/>
                 <a:ea typeface="Lato"/>
               </a:rPr>
-              <a:t>O objetivo desse projeto é fazer do processo criativo de criar um texto mais </a:t>
+              <a:t>O objetivo desse projeto é fazer o processo criativo de criar um texto mais </a:t>
             </a:r>
             <a:r>
               <a:rPr b="1" lang="pt-BR" sz="1400" spc="-1" strike="noStrike">
@@ -10465,7 +10466,7 @@
                 <a:latin typeface="Lato"/>
                 <a:ea typeface="Lato"/>
               </a:rPr>
-              <a:t>Otimizado </a:t>
+              <a:t>Otimizado,</a:t>
             </a:r>
             <a:r>
               <a:rPr b="0" lang="pt-BR" sz="1400" spc="-1" strike="noStrike">
@@ -10475,7 +10476,7 @@
                 <a:latin typeface="Lato"/>
                 <a:ea typeface="Lato"/>
               </a:rPr>
-              <a:t>e </a:t>
+              <a:t> </a:t>
             </a:r>
             <a:r>
               <a:rPr b="1" lang="pt-BR" sz="1400" spc="-1" strike="noStrike">
@@ -10485,7 +10486,7 @@
                 <a:latin typeface="Lato"/>
                 <a:ea typeface="Lato"/>
               </a:rPr>
-              <a:t>Confortável</a:t>
+              <a:t>Confortável e Seguro</a:t>
             </a:r>
             <a:endParaRPr b="0" lang="en-IN" sz="1400" spc="-1" strike="noStrike">
               <a:latin typeface="Arial"/>
@@ -10623,7 +10624,7 @@
         <p:spPr>
           <a:xfrm>
             <a:off x="1162440" y="4080960"/>
-            <a:ext cx="7314480" cy="395640"/>
+            <a:ext cx="7314120" cy="395640"/>
           </a:xfrm>
           <a:prstGeom prst="rect">
             <a:avLst/>
@@ -10681,7 +10682,7 @@
         <p:spPr>
           <a:xfrm>
             <a:off x="5734440" y="1405080"/>
-            <a:ext cx="2742480" cy="2742480"/>
+            <a:ext cx="2742120" cy="2742120"/>
           </a:xfrm>
           <a:prstGeom prst="rect">
             <a:avLst/>
@@ -10734,7 +10735,7 @@
         <p:spPr>
           <a:xfrm>
             <a:off x="1077480" y="285840"/>
-            <a:ext cx="6988680" cy="823680"/>
+            <a:ext cx="6988320" cy="823320"/>
           </a:xfrm>
           <a:prstGeom prst="rect">
             <a:avLst/>
@@ -10782,7 +10783,7 @@
         <p:spPr>
           <a:xfrm>
             <a:off x="1140840" y="4420800"/>
-            <a:ext cx="7314480" cy="395640"/>
+            <a:ext cx="7314120" cy="395640"/>
           </a:xfrm>
           <a:prstGeom prst="rect">
             <a:avLst/>
@@ -10833,7 +10834,7 @@
         <p:spPr>
           <a:xfrm>
             <a:off x="-1101960" y="3669480"/>
-            <a:ext cx="2742480" cy="307080"/>
+            <a:ext cx="2742120" cy="306720"/>
           </a:xfrm>
           <a:prstGeom prst="rect">
             <a:avLst/>
@@ -10863,7 +10864,7 @@
         <p:spPr>
           <a:xfrm>
             <a:off x="833760" y="1368720"/>
-            <a:ext cx="4132440" cy="2792520"/>
+            <a:ext cx="4132080" cy="2792160"/>
           </a:xfrm>
           <a:prstGeom prst="rect">
             <a:avLst/>
@@ -11017,7 +11018,7 @@
         <p:spPr>
           <a:xfrm>
             <a:off x="5303160" y="1438560"/>
-            <a:ext cx="3454200" cy="2222640"/>
+            <a:ext cx="3453840" cy="2222280"/>
           </a:xfrm>
           <a:prstGeom prst="rect">
             <a:avLst/>
@@ -11036,7 +11037,7 @@
         <p:spPr>
           <a:xfrm>
             <a:off x="6230520" y="3755880"/>
-            <a:ext cx="1847520" cy="303480"/>
+            <a:ext cx="1847160" cy="303120"/>
           </a:xfrm>
           <a:prstGeom prst="rect">
             <a:avLst/>
@@ -11121,7 +11122,7 @@
         <p:spPr>
           <a:xfrm>
             <a:off x="1297440" y="415800"/>
-            <a:ext cx="7038360" cy="1224720"/>
+            <a:ext cx="7038000" cy="1224360"/>
           </a:xfrm>
           <a:prstGeom prst="rect">
             <a:avLst/>
@@ -11173,7 +11174,7 @@
         <p:spPr>
           <a:xfrm>
             <a:off x="1232640" y="1028520"/>
-            <a:ext cx="3788280" cy="3320280"/>
+            <a:ext cx="3787920" cy="3319920"/>
           </a:xfrm>
           <a:prstGeom prst="rect">
             <a:avLst/>
@@ -11321,7 +11322,7 @@
         <p:spPr>
           <a:xfrm>
             <a:off x="1159200" y="4535280"/>
-            <a:ext cx="7314480" cy="395640"/>
+            <a:ext cx="7314120" cy="395640"/>
           </a:xfrm>
           <a:prstGeom prst="rect">
             <a:avLst/>
@@ -11376,7 +11377,7 @@
         <p:spPr>
           <a:xfrm>
             <a:off x="4952880" y="680400"/>
-            <a:ext cx="4016160" cy="4016160"/>
+            <a:ext cx="4015800" cy="4015800"/>
           </a:xfrm>
           <a:prstGeom prst="rect">
             <a:avLst/>
@@ -11425,7 +11426,7 @@
         <p:spPr>
           <a:xfrm>
             <a:off x="1159200" y="4535280"/>
-            <a:ext cx="7314480" cy="395640"/>
+            <a:ext cx="7314120" cy="395640"/>
           </a:xfrm>
           <a:prstGeom prst="rect">
             <a:avLst/>
@@ -11476,7 +11477,7 @@
         <p:spPr>
           <a:xfrm>
             <a:off x="1367640" y="1479600"/>
-            <a:ext cx="3561120" cy="1768320"/>
+            <a:ext cx="3560760" cy="1767960"/>
           </a:xfrm>
           <a:prstGeom prst="rect">
             <a:avLst/>
@@ -11587,7 +11588,7 @@
         <p:spPr>
           <a:xfrm>
             <a:off x="144360" y="114120"/>
-            <a:ext cx="4586400" cy="999000"/>
+            <a:ext cx="4586040" cy="998640"/>
           </a:xfrm>
           <a:prstGeom prst="rect">
             <a:avLst/>
@@ -11642,7 +11643,7 @@
         <p:spPr>
           <a:xfrm>
             <a:off x="5072760" y="945720"/>
-            <a:ext cx="961200" cy="2485440"/>
+            <a:ext cx="960840" cy="2485080"/>
           </a:xfrm>
           <a:prstGeom prst="rect">
             <a:avLst/>
@@ -11665,7 +11666,7 @@
         <p:spPr>
           <a:xfrm>
             <a:off x="6244920" y="244440"/>
-            <a:ext cx="2634480" cy="3888000"/>
+            <a:ext cx="2634120" cy="3887640"/>
           </a:xfrm>
           <a:prstGeom prst="rect">
             <a:avLst/>
@@ -11684,7 +11685,7 @@
         <p:spPr>
           <a:xfrm>
             <a:off x="6783840" y="4180320"/>
-            <a:ext cx="1556280" cy="303480"/>
+            <a:ext cx="1555920" cy="303120"/>
           </a:xfrm>
           <a:prstGeom prst="rect">
             <a:avLst/>
@@ -11769,7 +11770,7 @@
         <p:spPr>
           <a:xfrm>
             <a:off x="1152000" y="501480"/>
-            <a:ext cx="3808800" cy="669600"/>
+            <a:ext cx="3808440" cy="669240"/>
           </a:xfrm>
           <a:prstGeom prst="rect">
             <a:avLst/>
@@ -11814,7 +11815,7 @@
         <p:spPr>
           <a:xfrm>
             <a:off x="1149480" y="4302720"/>
-            <a:ext cx="7314480" cy="395640"/>
+            <a:ext cx="7314120" cy="395640"/>
           </a:xfrm>
           <a:prstGeom prst="rect">
             <a:avLst/>
@@ -11869,7 +11870,7 @@
         <p:spPr>
           <a:xfrm>
             <a:off x="6212160" y="0"/>
-            <a:ext cx="2397240" cy="4417560"/>
+            <a:ext cx="2396880" cy="4417200"/>
           </a:xfrm>
           <a:prstGeom prst="rect">
             <a:avLst/>
@@ -11892,7 +11893,7 @@
         <p:spPr>
           <a:xfrm>
             <a:off x="1260000" y="1171080"/>
-            <a:ext cx="3874680" cy="2815200"/>
+            <a:ext cx="3874320" cy="2814840"/>
           </a:xfrm>
           <a:prstGeom prst="rect">
             <a:avLst/>
@@ -11945,7 +11946,7 @@
         <p:spPr>
           <a:xfrm>
             <a:off x="1152000" y="544680"/>
-            <a:ext cx="3798360" cy="658800"/>
+            <a:ext cx="3798000" cy="658440"/>
           </a:xfrm>
           <a:prstGeom prst="rect">
             <a:avLst/>
@@ -11990,7 +11991,7 @@
         <p:spPr>
           <a:xfrm>
             <a:off x="1149480" y="4302720"/>
-            <a:ext cx="7314480" cy="395640"/>
+            <a:ext cx="7314120" cy="395640"/>
           </a:xfrm>
           <a:prstGeom prst="rect">
             <a:avLst/>
@@ -12045,7 +12046,7 @@
         <p:spPr>
           <a:xfrm>
             <a:off x="1146600" y="1519560"/>
-            <a:ext cx="5447880" cy="2113200"/>
+            <a:ext cx="5447520" cy="2112840"/>
           </a:xfrm>
           <a:prstGeom prst="rect">
             <a:avLst/>
@@ -12284,8 +12285,8 @@
         </p:blipFill>
         <p:spPr>
           <a:xfrm>
-            <a:off x="6195600" y="1380960"/>
-            <a:ext cx="2391480" cy="2391480"/>
+            <a:off x="6248880" y="720000"/>
+            <a:ext cx="2391120" cy="2391120"/>
           </a:xfrm>
           <a:prstGeom prst="rect">
             <a:avLst/>
@@ -12338,7 +12339,7 @@
         <p:spPr>
           <a:xfrm>
             <a:off x="823680" y="2053080"/>
-            <a:ext cx="4586400" cy="1148040"/>
+            <a:ext cx="4586040" cy="1147680"/>
           </a:xfrm>
           <a:prstGeom prst="rect">
             <a:avLst/>
@@ -12386,7 +12387,7 @@
         <p:spPr>
           <a:xfrm>
             <a:off x="906480" y="3577320"/>
-            <a:ext cx="5509800" cy="303120"/>
+            <a:ext cx="5509440" cy="302760"/>
           </a:xfrm>
           <a:prstGeom prst="rect">
             <a:avLst/>
